--- a/prototype/Seminar Final Presentation.pptx
+++ b/prototype/Seminar Final Presentation.pptx
@@ -11,9 +11,9 @@
     <p:sldId id="454" r:id="rId5"/>
     <p:sldId id="267" r:id="rId6"/>
     <p:sldId id="2147481504" r:id="rId7"/>
-    <p:sldId id="2147481499" r:id="rId8"/>
-    <p:sldId id="2147481500" r:id="rId9"/>
-    <p:sldId id="2147481503" r:id="rId10"/>
+    <p:sldId id="2147481500" r:id="rId8"/>
+    <p:sldId id="2147481503" r:id="rId9"/>
+    <p:sldId id="2147481505" r:id="rId10"/>
     <p:sldId id="2147481501" r:id="rId11"/>
   </p:sldIdLst>
   <p:sldSz cx="12192000" cy="6858000"/>
@@ -145,6 +145,268 @@
 </p188:authorLst>
 </file>
 
+<file path=ppt/revisionInfo.xml><?xml version="1.0" encoding="utf-8"?>
+<p1510:revInfo xmlns:a="http://schemas.openxmlformats.org/drawingml/2006/main" xmlns:r="http://schemas.openxmlformats.org/officeDocument/2006/relationships" xmlns:p1510="http://schemas.microsoft.com/office/powerpoint/2015/10/main">
+  <p1510:revLst>
+    <p1510:client id="{E5276E5C-826C-A247-ABD8-90803BD467CD}" v="25" dt="2025-10-31T22:44:45.058"/>
+  </p1510:revLst>
+</p1510:revInfo>
+</file>
+
+<file path=ppt/changesInfos/changesInfo1.xml><?xml version="1.0" encoding="utf-8"?>
+<pc:chgInfo xmlns:a="http://schemas.openxmlformats.org/drawingml/2006/main" xmlns:r="http://schemas.openxmlformats.org/officeDocument/2006/relationships" xmlns:ac="http://schemas.microsoft.com/office/drawing/2013/main/command" xmlns:pc="http://schemas.microsoft.com/office/powerpoint/2013/main/command">
+  <pc:docChgLst>
+    <pc:chgData name="Daniel Maksimovic" userId="6e84ee56-fc61-4bd6-88a4-a72f8ea4d746" providerId="ADAL" clId="{B8D13F6A-44F4-5BFC-B69B-DD1182077483}"/>
+    <pc:docChg chg="undo custSel delSld modSld">
+      <pc:chgData name="Daniel Maksimovic" userId="6e84ee56-fc61-4bd6-88a4-a72f8ea4d746" providerId="ADAL" clId="{B8D13F6A-44F4-5BFC-B69B-DD1182077483}" dt="2025-10-31T22:44:46.685" v="63" actId="478"/>
+      <pc:docMkLst>
+        <pc:docMk/>
+      </pc:docMkLst>
+      <pc:sldChg chg="addSp delSp modSp mod">
+        <pc:chgData name="Daniel Maksimovic" userId="6e84ee56-fc61-4bd6-88a4-a72f8ea4d746" providerId="ADAL" clId="{B8D13F6A-44F4-5BFC-B69B-DD1182077483}" dt="2025-10-31T22:44:45.956" v="62" actId="1076"/>
+        <pc:sldMkLst>
+          <pc:docMk/>
+          <pc:sldMk cId="1521260007" sldId="267"/>
+        </pc:sldMkLst>
+        <pc:picChg chg="mod">
+          <ac:chgData name="Daniel Maksimovic" userId="6e84ee56-fc61-4bd6-88a4-a72f8ea4d746" providerId="ADAL" clId="{B8D13F6A-44F4-5BFC-B69B-DD1182077483}" dt="2025-10-31T22:42:09.681" v="25" actId="167"/>
+          <ac:picMkLst>
+            <pc:docMk/>
+            <pc:sldMk cId="1521260007" sldId="267"/>
+            <ac:picMk id="5" creationId="{BD4A6104-A403-4442-09B3-46FC2B63997B}"/>
+          </ac:picMkLst>
+        </pc:picChg>
+        <pc:picChg chg="add del mod">
+          <ac:chgData name="Daniel Maksimovic" userId="6e84ee56-fc61-4bd6-88a4-a72f8ea4d746" providerId="ADAL" clId="{B8D13F6A-44F4-5BFC-B69B-DD1182077483}" dt="2025-10-31T22:44:45.956" v="62" actId="1076"/>
+          <ac:picMkLst>
+            <pc:docMk/>
+            <pc:sldMk cId="1521260007" sldId="267"/>
+            <ac:picMk id="7" creationId="{FC8074C2-B4AD-5298-AAE8-A74B9C28BB03}"/>
+          </ac:picMkLst>
+        </pc:picChg>
+        <pc:picChg chg="add mod">
+          <ac:chgData name="Daniel Maksimovic" userId="6e84ee56-fc61-4bd6-88a4-a72f8ea4d746" providerId="ADAL" clId="{B8D13F6A-44F4-5BFC-B69B-DD1182077483}" dt="2025-10-31T22:44:27.462" v="57"/>
+          <ac:picMkLst>
+            <pc:docMk/>
+            <pc:sldMk cId="1521260007" sldId="267"/>
+            <ac:picMk id="8" creationId="{648BF621-C5B8-9D0E-E888-8A4590CF79C1}"/>
+          </ac:picMkLst>
+        </pc:picChg>
+      </pc:sldChg>
+      <pc:sldChg chg="addSp delSp modSp mod">
+        <pc:chgData name="Daniel Maksimovic" userId="6e84ee56-fc61-4bd6-88a4-a72f8ea4d746" providerId="ADAL" clId="{B8D13F6A-44F4-5BFC-B69B-DD1182077483}" dt="2025-10-31T22:44:46.685" v="63" actId="478"/>
+        <pc:sldMkLst>
+          <pc:docMk/>
+          <pc:sldMk cId="3632019886" sldId="454"/>
+        </pc:sldMkLst>
+        <pc:spChg chg="mod">
+          <ac:chgData name="Daniel Maksimovic" userId="6e84ee56-fc61-4bd6-88a4-a72f8ea4d746" providerId="ADAL" clId="{B8D13F6A-44F4-5BFC-B69B-DD1182077483}" dt="2025-10-31T22:44:43.139" v="59" actId="207"/>
+          <ac:spMkLst>
+            <pc:docMk/>
+            <pc:sldMk cId="3632019886" sldId="454"/>
+            <ac:spMk id="4" creationId="{022D619B-2BB5-308A-DBEB-81D918C688BD}"/>
+          </ac:spMkLst>
+        </pc:spChg>
+        <pc:spChg chg="add del mod">
+          <ac:chgData name="Daniel Maksimovic" userId="6e84ee56-fc61-4bd6-88a4-a72f8ea4d746" providerId="ADAL" clId="{B8D13F6A-44F4-5BFC-B69B-DD1182077483}" dt="2025-10-31T22:44:46.685" v="63" actId="478"/>
+          <ac:spMkLst>
+            <pc:docMk/>
+            <pc:sldMk cId="3632019886" sldId="454"/>
+            <ac:spMk id="10" creationId="{4C46848C-0D8F-13F0-99D4-61DA2B4A45B3}"/>
+          </ac:spMkLst>
+        </pc:spChg>
+        <pc:spChg chg="add del mod">
+          <ac:chgData name="Daniel Maksimovic" userId="6e84ee56-fc61-4bd6-88a4-a72f8ea4d746" providerId="ADAL" clId="{B8D13F6A-44F4-5BFC-B69B-DD1182077483}" dt="2025-10-31T22:43:12.931" v="38" actId="478"/>
+          <ac:spMkLst>
+            <pc:docMk/>
+            <pc:sldMk cId="3632019886" sldId="454"/>
+            <ac:spMk id="13" creationId="{072DC352-724E-0B43-E77A-6547FAB0EB80}"/>
+          </ac:spMkLst>
+        </pc:spChg>
+        <pc:spChg chg="add mod">
+          <ac:chgData name="Daniel Maksimovic" userId="6e84ee56-fc61-4bd6-88a4-a72f8ea4d746" providerId="ADAL" clId="{B8D13F6A-44F4-5BFC-B69B-DD1182077483}" dt="2025-10-31T22:44:15.380" v="54"/>
+          <ac:spMkLst>
+            <pc:docMk/>
+            <pc:sldMk cId="3632019886" sldId="454"/>
+            <ac:spMk id="17" creationId="{4DCA74E9-A806-887B-ED18-64FAFBBAB186}"/>
+          </ac:spMkLst>
+        </pc:spChg>
+        <pc:picChg chg="add mod">
+          <ac:chgData name="Daniel Maksimovic" userId="6e84ee56-fc61-4bd6-88a4-a72f8ea4d746" providerId="ADAL" clId="{B8D13F6A-44F4-5BFC-B69B-DD1182077483}" dt="2025-10-31T22:40:59.614" v="6"/>
+          <ac:picMkLst>
+            <pc:docMk/>
+            <pc:sldMk cId="3632019886" sldId="454"/>
+            <ac:picMk id="5" creationId="{644A7B99-7FA6-3634-A12A-1F07CE42A22A}"/>
+          </ac:picMkLst>
+        </pc:picChg>
+        <pc:picChg chg="add mod">
+          <ac:chgData name="Daniel Maksimovic" userId="6e84ee56-fc61-4bd6-88a4-a72f8ea4d746" providerId="ADAL" clId="{B8D13F6A-44F4-5BFC-B69B-DD1182077483}" dt="2025-10-31T22:41:06.330" v="10"/>
+          <ac:picMkLst>
+            <pc:docMk/>
+            <pc:sldMk cId="3632019886" sldId="454"/>
+            <ac:picMk id="7" creationId="{6ED3B484-A73E-BB12-2230-89347EF849E3}"/>
+          </ac:picMkLst>
+        </pc:picChg>
+        <pc:picChg chg="add del mod">
+          <ac:chgData name="Daniel Maksimovic" userId="6e84ee56-fc61-4bd6-88a4-a72f8ea4d746" providerId="ADAL" clId="{B8D13F6A-44F4-5BFC-B69B-DD1182077483}" dt="2025-10-31T22:43:14.571" v="40"/>
+          <ac:picMkLst>
+            <pc:docMk/>
+            <pc:sldMk cId="3632019886" sldId="454"/>
+            <ac:picMk id="11" creationId="{E8ED91CD-7855-C76A-76B3-8A3195B92570}"/>
+          </ac:picMkLst>
+        </pc:picChg>
+        <pc:picChg chg="add mod">
+          <ac:chgData name="Daniel Maksimovic" userId="6e84ee56-fc61-4bd6-88a4-a72f8ea4d746" providerId="ADAL" clId="{B8D13F6A-44F4-5BFC-B69B-DD1182077483}" dt="2025-10-31T22:43:37.457" v="47"/>
+          <ac:picMkLst>
+            <pc:docMk/>
+            <pc:sldMk cId="3632019886" sldId="454"/>
+            <ac:picMk id="16" creationId="{731EF516-32B1-9C3F-93A0-2BAE02E494F3}"/>
+          </ac:picMkLst>
+        </pc:picChg>
+      </pc:sldChg>
+      <pc:sldChg chg="addSp modSp del">
+        <pc:chgData name="Daniel Maksimovic" userId="6e84ee56-fc61-4bd6-88a4-a72f8ea4d746" providerId="ADAL" clId="{B8D13F6A-44F4-5BFC-B69B-DD1182077483}" dt="2025-10-31T22:43:56.614" v="49" actId="2696"/>
+        <pc:sldMkLst>
+          <pc:docMk/>
+          <pc:sldMk cId="1972362577" sldId="2147481499"/>
+        </pc:sldMkLst>
+        <pc:picChg chg="add mod">
+          <ac:chgData name="Daniel Maksimovic" userId="6e84ee56-fc61-4bd6-88a4-a72f8ea4d746" providerId="ADAL" clId="{B8D13F6A-44F4-5BFC-B69B-DD1182077483}" dt="2025-10-31T22:41:28.349" v="17"/>
+          <ac:picMkLst>
+            <pc:docMk/>
+            <pc:sldMk cId="1972362577" sldId="2147481499"/>
+            <ac:picMk id="10" creationId="{B8DEF137-6BA0-2F87-5D3F-B8EC6217E40C}"/>
+          </ac:picMkLst>
+        </pc:picChg>
+      </pc:sldChg>
+      <pc:sldChg chg="addSp modSp">
+        <pc:chgData name="Daniel Maksimovic" userId="6e84ee56-fc61-4bd6-88a4-a72f8ea4d746" providerId="ADAL" clId="{B8D13F6A-44F4-5BFC-B69B-DD1182077483}" dt="2025-10-31T22:42:16.311" v="26" actId="167"/>
+        <pc:sldMkLst>
+          <pc:docMk/>
+          <pc:sldMk cId="739177708" sldId="2147481500"/>
+        </pc:sldMkLst>
+        <pc:picChg chg="mod">
+          <ac:chgData name="Daniel Maksimovic" userId="6e84ee56-fc61-4bd6-88a4-a72f8ea4d746" providerId="ADAL" clId="{B8D13F6A-44F4-5BFC-B69B-DD1182077483}" dt="2025-10-31T22:42:16.311" v="26" actId="167"/>
+          <ac:picMkLst>
+            <pc:docMk/>
+            <pc:sldMk cId="739177708" sldId="2147481500"/>
+            <ac:picMk id="5" creationId="{236DE760-A238-7B0D-F634-EEA239612634}"/>
+          </ac:picMkLst>
+        </pc:picChg>
+        <pc:picChg chg="add mod">
+          <ac:chgData name="Daniel Maksimovic" userId="6e84ee56-fc61-4bd6-88a4-a72f8ea4d746" providerId="ADAL" clId="{B8D13F6A-44F4-5BFC-B69B-DD1182077483}" dt="2025-10-31T22:41:29.317" v="18"/>
+          <ac:picMkLst>
+            <pc:docMk/>
+            <pc:sldMk cId="739177708" sldId="2147481500"/>
+            <ac:picMk id="7" creationId="{4CBD9753-4799-DE62-76AF-6BD9CED6DA27}"/>
+          </ac:picMkLst>
+        </pc:picChg>
+      </pc:sldChg>
+      <pc:sldChg chg="addSp modSp">
+        <pc:chgData name="Daniel Maksimovic" userId="6e84ee56-fc61-4bd6-88a4-a72f8ea4d746" providerId="ADAL" clId="{B8D13F6A-44F4-5BFC-B69B-DD1182077483}" dt="2025-10-31T22:41:33.016" v="21"/>
+        <pc:sldMkLst>
+          <pc:docMk/>
+          <pc:sldMk cId="4176299643" sldId="2147481501"/>
+        </pc:sldMkLst>
+        <pc:picChg chg="add mod">
+          <ac:chgData name="Daniel Maksimovic" userId="6e84ee56-fc61-4bd6-88a4-a72f8ea4d746" providerId="ADAL" clId="{B8D13F6A-44F4-5BFC-B69B-DD1182077483}" dt="2025-10-31T22:41:33.016" v="21"/>
+          <ac:picMkLst>
+            <pc:docMk/>
+            <pc:sldMk cId="4176299643" sldId="2147481501"/>
+            <ac:picMk id="4" creationId="{B555F5CF-0941-507C-B772-BE8373D7BFDF}"/>
+          </ac:picMkLst>
+        </pc:picChg>
+      </pc:sldChg>
+      <pc:sldChg chg="addSp modSp">
+        <pc:chgData name="Daniel Maksimovic" userId="6e84ee56-fc61-4bd6-88a4-a72f8ea4d746" providerId="ADAL" clId="{B8D13F6A-44F4-5BFC-B69B-DD1182077483}" dt="2025-10-31T22:42:20.165" v="27" actId="167"/>
+        <pc:sldMkLst>
+          <pc:docMk/>
+          <pc:sldMk cId="809625895" sldId="2147481503"/>
+        </pc:sldMkLst>
+        <pc:picChg chg="add mod">
+          <ac:chgData name="Daniel Maksimovic" userId="6e84ee56-fc61-4bd6-88a4-a72f8ea4d746" providerId="ADAL" clId="{B8D13F6A-44F4-5BFC-B69B-DD1182077483}" dt="2025-10-31T22:41:30.190" v="19"/>
+          <ac:picMkLst>
+            <pc:docMk/>
+            <pc:sldMk cId="809625895" sldId="2147481503"/>
+            <ac:picMk id="4" creationId="{11F41C67-A383-7D76-418F-9D54668FF8AE}"/>
+          </ac:picMkLst>
+        </pc:picChg>
+        <pc:picChg chg="mod">
+          <ac:chgData name="Daniel Maksimovic" userId="6e84ee56-fc61-4bd6-88a4-a72f8ea4d746" providerId="ADAL" clId="{B8D13F6A-44F4-5BFC-B69B-DD1182077483}" dt="2025-10-31T22:42:20.165" v="27" actId="167"/>
+          <ac:picMkLst>
+            <pc:docMk/>
+            <pc:sldMk cId="809625895" sldId="2147481503"/>
+            <ac:picMk id="5" creationId="{7EA624B4-0F84-4151-56BB-87677770B7EF}"/>
+          </ac:picMkLst>
+        </pc:picChg>
+      </pc:sldChg>
+      <pc:sldChg chg="addSp modSp mod">
+        <pc:chgData name="Daniel Maksimovic" userId="6e84ee56-fc61-4bd6-88a4-a72f8ea4d746" providerId="ADAL" clId="{B8D13F6A-44F4-5BFC-B69B-DD1182077483}" dt="2025-10-31T22:42:03.822" v="24" actId="207"/>
+        <pc:sldMkLst>
+          <pc:docMk/>
+          <pc:sldMk cId="4054526119" sldId="2147481504"/>
+        </pc:sldMkLst>
+        <pc:spChg chg="mod">
+          <ac:chgData name="Daniel Maksimovic" userId="6e84ee56-fc61-4bd6-88a4-a72f8ea4d746" providerId="ADAL" clId="{B8D13F6A-44F4-5BFC-B69B-DD1182077483}" dt="2025-10-31T22:42:03.822" v="24" actId="207"/>
+          <ac:spMkLst>
+            <pc:docMk/>
+            <pc:sldMk cId="4054526119" sldId="2147481504"/>
+            <ac:spMk id="3" creationId="{959F72A0-CF77-55C3-8CAC-69F57855DF13}"/>
+          </ac:spMkLst>
+        </pc:spChg>
+        <pc:picChg chg="add mod">
+          <ac:chgData name="Daniel Maksimovic" userId="6e84ee56-fc61-4bd6-88a4-a72f8ea4d746" providerId="ADAL" clId="{B8D13F6A-44F4-5BFC-B69B-DD1182077483}" dt="2025-10-31T22:41:21.173" v="16"/>
+          <ac:picMkLst>
+            <pc:docMk/>
+            <pc:sldMk cId="4054526119" sldId="2147481504"/>
+            <ac:picMk id="4" creationId="{DC8667C7-0EAD-95F6-B479-D56543B9C7B2}"/>
+          </ac:picMkLst>
+        </pc:picChg>
+        <pc:picChg chg="mod">
+          <ac:chgData name="Daniel Maksimovic" userId="6e84ee56-fc61-4bd6-88a4-a72f8ea4d746" providerId="ADAL" clId="{B8D13F6A-44F4-5BFC-B69B-DD1182077483}" dt="2025-10-31T22:41:57.491" v="23" actId="167"/>
+          <ac:picMkLst>
+            <pc:docMk/>
+            <pc:sldMk cId="4054526119" sldId="2147481504"/>
+            <ac:picMk id="8" creationId="{A247F5D9-D0E9-F346-89FB-31AAA032C351}"/>
+          </ac:picMkLst>
+        </pc:picChg>
+      </pc:sldChg>
+      <pc:sldChg chg="addSp modSp mod">
+        <pc:chgData name="Daniel Maksimovic" userId="6e84ee56-fc61-4bd6-88a4-a72f8ea4d746" providerId="ADAL" clId="{B8D13F6A-44F4-5BFC-B69B-DD1182077483}" dt="2025-10-31T22:42:26.478" v="29" actId="207"/>
+        <pc:sldMkLst>
+          <pc:docMk/>
+          <pc:sldMk cId="3781518165" sldId="2147481505"/>
+        </pc:sldMkLst>
+        <pc:spChg chg="mod">
+          <ac:chgData name="Daniel Maksimovic" userId="6e84ee56-fc61-4bd6-88a4-a72f8ea4d746" providerId="ADAL" clId="{B8D13F6A-44F4-5BFC-B69B-DD1182077483}" dt="2025-10-31T22:42:26.478" v="29" actId="207"/>
+          <ac:spMkLst>
+            <pc:docMk/>
+            <pc:sldMk cId="3781518165" sldId="2147481505"/>
+            <ac:spMk id="3" creationId="{09EBEABA-E170-7A7E-56C0-A4639563A5FE}"/>
+          </ac:spMkLst>
+        </pc:spChg>
+        <pc:picChg chg="add mod">
+          <ac:chgData name="Daniel Maksimovic" userId="6e84ee56-fc61-4bd6-88a4-a72f8ea4d746" providerId="ADAL" clId="{B8D13F6A-44F4-5BFC-B69B-DD1182077483}" dt="2025-10-31T22:41:30.923" v="20"/>
+          <ac:picMkLst>
+            <pc:docMk/>
+            <pc:sldMk cId="3781518165" sldId="2147481505"/>
+            <ac:picMk id="4" creationId="{B9F718A4-C210-E2C4-7C44-59AF54147D6B}"/>
+          </ac:picMkLst>
+        </pc:picChg>
+        <pc:picChg chg="mod">
+          <ac:chgData name="Daniel Maksimovic" userId="6e84ee56-fc61-4bd6-88a4-a72f8ea4d746" providerId="ADAL" clId="{B8D13F6A-44F4-5BFC-B69B-DD1182077483}" dt="2025-10-31T22:42:23.701" v="28" actId="167"/>
+          <ac:picMkLst>
+            <pc:docMk/>
+            <pc:sldMk cId="3781518165" sldId="2147481505"/>
+            <ac:picMk id="5" creationId="{4B939BE8-C982-CFF1-E2DE-66C787D88848}"/>
+          </ac:picMkLst>
+        </pc:picChg>
+      </pc:sldChg>
+    </pc:docChg>
+  </pc:docChgLst>
+</pc:chgInfo>
+</file>
+
 <file path=ppt/notesMasters/notesMaster1.xml><?xml version="1.0" encoding="utf-8"?>
 <p:notesMaster xmlns:a="http://schemas.openxmlformats.org/drawingml/2006/main" xmlns:r="http://schemas.openxmlformats.org/officeDocument/2006/relationships" xmlns:p="http://schemas.openxmlformats.org/presentationml/2006/main">
   <p:cSld>
@@ -228,7 +490,7 @@
             <a:fld id="{D738DD83-84C6-4DC1-811B-50A2AE8E5057}" type="datetimeFigureOut">
               <a:rPr lang="de-CH" smtClean="0"/>
               <a:pPr/>
-              <a:t>31.10.25</a:t>
+              <a:t>01.11.25</a:t>
             </a:fld>
             <a:endParaRPr lang="de-CH" dirty="0"/>
           </a:p>
@@ -784,174 +1046,6 @@
         <p:cNvPr id="1" name="">
           <a:extLst>
             <a:ext uri="{FF2B5EF4-FFF2-40B4-BE49-F238E27FC236}">
-              <a16:creationId xmlns:a16="http://schemas.microsoft.com/office/drawing/2014/main" id="{FFA3F6A0-7F82-4AA3-1105-CCAC27BE0A73}"/>
-            </a:ext>
-          </a:extLst>
-        </p:cNvPr>
-        <p:cNvGrpSpPr/>
-        <p:nvPr/>
-      </p:nvGrpSpPr>
-      <p:grpSpPr>
-        <a:xfrm>
-          <a:off x="0" y="0"/>
-          <a:ext cx="0" cy="0"/>
-          <a:chOff x="0" y="0"/>
-          <a:chExt cx="0" cy="0"/>
-        </a:xfrm>
-      </p:grpSpPr>
-      <p:sp>
-        <p:nvSpPr>
-          <p:cNvPr id="2" name="Slide Image Placeholder 1">
-            <a:extLst>
-              <a:ext uri="{FF2B5EF4-FFF2-40B4-BE49-F238E27FC236}">
-                <a16:creationId xmlns:a16="http://schemas.microsoft.com/office/drawing/2014/main" id="{3FF43223-CE6D-0375-E94E-E0F8F8117982}"/>
-              </a:ext>
-            </a:extLst>
-          </p:cNvPr>
-          <p:cNvSpPr>
-            <a:spLocks noGrp="1" noRot="1" noChangeAspect="1"/>
-          </p:cNvSpPr>
-          <p:nvPr>
-            <p:ph type="sldImg"/>
-          </p:nvPr>
-        </p:nvSpPr>
-        <p:spPr/>
-      </p:sp>
-      <p:sp>
-        <p:nvSpPr>
-          <p:cNvPr id="3" name="Notes Placeholder 2">
-            <a:extLst>
-              <a:ext uri="{FF2B5EF4-FFF2-40B4-BE49-F238E27FC236}">
-                <a16:creationId xmlns:a16="http://schemas.microsoft.com/office/drawing/2014/main" id="{18C8D117-166D-70C1-4C05-C659336B816E}"/>
-              </a:ext>
-            </a:extLst>
-          </p:cNvPr>
-          <p:cNvSpPr>
-            <a:spLocks noGrp="1"/>
-          </p:cNvSpPr>
-          <p:nvPr>
-            <p:ph type="body" idx="1"/>
-          </p:nvPr>
-        </p:nvSpPr>
-        <p:spPr/>
-        <p:txBody>
-          <a:bodyPr/>
-          <a:lstStyle/>
-          <a:p>
-            <a:endParaRPr lang="de-CH"/>
-          </a:p>
-        </p:txBody>
-      </p:sp>
-      <p:sp>
-        <p:nvSpPr>
-          <p:cNvPr id="4" name="Slide Number Placeholder 3">
-            <a:extLst>
-              <a:ext uri="{FF2B5EF4-FFF2-40B4-BE49-F238E27FC236}">
-                <a16:creationId xmlns:a16="http://schemas.microsoft.com/office/drawing/2014/main" id="{6C00E66F-D2B2-B6AA-DDBA-FC7CBC80D016}"/>
-              </a:ext>
-            </a:extLst>
-          </p:cNvPr>
-          <p:cNvSpPr>
-            <a:spLocks noGrp="1"/>
-          </p:cNvSpPr>
-          <p:nvPr>
-            <p:ph type="sldNum" sz="quarter" idx="5"/>
-          </p:nvPr>
-        </p:nvSpPr>
-        <p:spPr/>
-        <p:txBody>
-          <a:bodyPr/>
-          <a:lstStyle/>
-          <a:p>
-            <a:pPr marL="0" marR="0" lvl="0" indent="0" algn="r" defTabSz="914400" eaLnBrk="1" fontAlgn="auto" latinLnBrk="0" hangingPunct="1">
-              <a:lnSpc>
-                <a:spcPct val="100000"/>
-              </a:lnSpc>
-              <a:spcBef>
-                <a:spcPts val="0"/>
-              </a:spcBef>
-              <a:spcAft>
-                <a:spcPts val="0"/>
-              </a:spcAft>
-              <a:buClrTx/>
-              <a:buSzTx/>
-              <a:buFontTx/>
-              <a:buNone/>
-              <a:tabLst/>
-              <a:defRPr/>
-            </a:pPr>
-            <a:fld id="{5C335AD7-64B1-49B1-980C-44DF07491695}" type="slidenum">
-              <a:rPr kumimoji="0" lang="de-CH" sz="1200" b="0" i="0" u="none" strike="noStrike" kern="1200" cap="none" spc="0" normalizeH="0" baseline="0" noProof="0" smtClean="0">
-                <a:ln>
-                  <a:noFill/>
-                </a:ln>
-                <a:solidFill>
-                  <a:prstClr val="black"/>
-                </a:solidFill>
-                <a:effectLst/>
-                <a:uLnTx/>
-                <a:uFillTx/>
-                <a:latin typeface="Aptos" panose="02110004020202020204"/>
-                <a:ea typeface="+mn-ea"/>
-                <a:cs typeface="+mn-cs"/>
-              </a:rPr>
-              <a:pPr marL="0" marR="0" lvl="0" indent="0" algn="r" defTabSz="914400" eaLnBrk="1" fontAlgn="auto" latinLnBrk="0" hangingPunct="1">
-                <a:lnSpc>
-                  <a:spcPct val="100000"/>
-                </a:lnSpc>
-                <a:spcBef>
-                  <a:spcPts val="0"/>
-                </a:spcBef>
-                <a:spcAft>
-                  <a:spcPts val="0"/>
-                </a:spcAft>
-                <a:buClrTx/>
-                <a:buSzTx/>
-                <a:buFontTx/>
-                <a:buNone/>
-                <a:tabLst/>
-                <a:defRPr/>
-              </a:pPr>
-              <a:t>4</a:t>
-            </a:fld>
-            <a:endParaRPr kumimoji="0" lang="de-CH" sz="1200" b="0" i="0" u="none" strike="noStrike" kern="1200" cap="none" spc="0" normalizeH="0" baseline="0" noProof="0">
-              <a:ln>
-                <a:noFill/>
-              </a:ln>
-              <a:solidFill>
-                <a:prstClr val="black"/>
-              </a:solidFill>
-              <a:effectLst/>
-              <a:uLnTx/>
-              <a:uFillTx/>
-              <a:latin typeface="Aptos" panose="02110004020202020204"/>
-              <a:ea typeface="+mn-ea"/>
-              <a:cs typeface="+mn-cs"/>
-            </a:endParaRPr>
-          </a:p>
-        </p:txBody>
-      </p:sp>
-    </p:spTree>
-    <p:extLst>
-      <p:ext uri="{BB962C8B-B14F-4D97-AF65-F5344CB8AC3E}">
-        <p14:creationId xmlns:p14="http://schemas.microsoft.com/office/powerpoint/2010/main" val="3510856951"/>
-      </p:ext>
-    </p:extLst>
-  </p:cSld>
-  <p:clrMapOvr>
-    <a:masterClrMapping/>
-  </p:clrMapOvr>
-</p:notes>
-</file>
-
-<file path=ppt/notesSlides/notesSlide5.xml><?xml version="1.0" encoding="utf-8"?>
-<p:notes xmlns:a="http://schemas.openxmlformats.org/drawingml/2006/main" xmlns:r="http://schemas.openxmlformats.org/officeDocument/2006/relationships" xmlns:p="http://schemas.openxmlformats.org/presentationml/2006/main">
-  <p:cSld>
-    <p:spTree>
-      <p:nvGrpSpPr>
-        <p:cNvPr id="1" name="">
-          <a:extLst>
-            <a:ext uri="{FF2B5EF4-FFF2-40B4-BE49-F238E27FC236}">
               <a16:creationId xmlns:a16="http://schemas.microsoft.com/office/drawing/2014/main" id="{EDECFE42-EAB5-58F0-4331-4E15FD2F2813}"/>
             </a:ext>
           </a:extLst>
@@ -1034,7 +1128,7 @@
             <a:fld id="{5C335AD7-64B1-49B1-980C-44DF07491695}" type="slidenum">
               <a:rPr lang="de-CH" smtClean="0"/>
               <a:pPr/>
-              <a:t>5</a:t>
+              <a:t>4</a:t>
             </a:fld>
             <a:endParaRPr lang="de-CH" dirty="0"/>
           </a:p>
@@ -1053,7 +1147,7 @@
 </p:notes>
 </file>
 
-<file path=ppt/notesSlides/notesSlide6.xml><?xml version="1.0" encoding="utf-8"?>
+<file path=ppt/notesSlides/notesSlide5.xml><?xml version="1.0" encoding="utf-8"?>
 <p:notes xmlns:a="http://schemas.openxmlformats.org/drawingml/2006/main" xmlns:r="http://schemas.openxmlformats.org/officeDocument/2006/relationships" xmlns:p="http://schemas.openxmlformats.org/presentationml/2006/main">
   <p:cSld>
     <p:spTree>
@@ -1143,7 +1237,7 @@
             <a:fld id="{5C335AD7-64B1-49B1-980C-44DF07491695}" type="slidenum">
               <a:rPr lang="de-CH" smtClean="0"/>
               <a:pPr/>
-              <a:t>6</a:t>
+              <a:t>5</a:t>
             </a:fld>
             <a:endParaRPr lang="de-CH" dirty="0"/>
           </a:p>
@@ -1153,6 +1247,389 @@
     <p:extLst>
       <p:ext uri="{BB962C8B-B14F-4D97-AF65-F5344CB8AC3E}">
         <p14:creationId xmlns:p14="http://schemas.microsoft.com/office/powerpoint/2010/main" val="2558691595"/>
+      </p:ext>
+    </p:extLst>
+  </p:cSld>
+  <p:clrMapOvr>
+    <a:masterClrMapping/>
+  </p:clrMapOvr>
+</p:notes>
+</file>
+
+<file path=ppt/notesSlides/notesSlide6.xml><?xml version="1.0" encoding="utf-8"?>
+<p:notes xmlns:a="http://schemas.openxmlformats.org/drawingml/2006/main" xmlns:r="http://schemas.openxmlformats.org/officeDocument/2006/relationships" xmlns:p="http://schemas.openxmlformats.org/presentationml/2006/main">
+  <p:cSld>
+    <p:spTree>
+      <p:nvGrpSpPr>
+        <p:cNvPr id="1" name="">
+          <a:extLst>
+            <a:ext uri="{FF2B5EF4-FFF2-40B4-BE49-F238E27FC236}">
+              <a16:creationId xmlns:a16="http://schemas.microsoft.com/office/drawing/2014/main" id="{8DD19CE9-67CA-D7F4-86C5-F441A48DEF3E}"/>
+            </a:ext>
+          </a:extLst>
+        </p:cNvPr>
+        <p:cNvGrpSpPr/>
+        <p:nvPr/>
+      </p:nvGrpSpPr>
+      <p:grpSpPr>
+        <a:xfrm>
+          <a:off x="0" y="0"/>
+          <a:ext cx="0" cy="0"/>
+          <a:chOff x="0" y="0"/>
+          <a:chExt cx="0" cy="0"/>
+        </a:xfrm>
+      </p:grpSpPr>
+      <p:sp>
+        <p:nvSpPr>
+          <p:cNvPr id="2" name="Slide Image Placeholder 1">
+            <a:extLst>
+              <a:ext uri="{FF2B5EF4-FFF2-40B4-BE49-F238E27FC236}">
+                <a16:creationId xmlns:a16="http://schemas.microsoft.com/office/drawing/2014/main" id="{1365B176-7686-6988-5164-6B7A51E3354E}"/>
+              </a:ext>
+            </a:extLst>
+          </p:cNvPr>
+          <p:cNvSpPr>
+            <a:spLocks noGrp="1" noRot="1" noChangeAspect="1"/>
+          </p:cNvSpPr>
+          <p:nvPr>
+            <p:ph type="sldImg"/>
+          </p:nvPr>
+        </p:nvSpPr>
+        <p:spPr/>
+      </p:sp>
+      <p:sp>
+        <p:nvSpPr>
+          <p:cNvPr id="3" name="Notes Placeholder 2">
+            <a:extLst>
+              <a:ext uri="{FF2B5EF4-FFF2-40B4-BE49-F238E27FC236}">
+                <a16:creationId xmlns:a16="http://schemas.microsoft.com/office/drawing/2014/main" id="{5B42FC42-D9D1-FB11-AF43-E25AF20A0F9B}"/>
+              </a:ext>
+            </a:extLst>
+          </p:cNvPr>
+          <p:cNvSpPr>
+            <a:spLocks noGrp="1"/>
+          </p:cNvSpPr>
+          <p:nvPr>
+            <p:ph type="body" idx="1"/>
+          </p:nvPr>
+        </p:nvSpPr>
+        <p:spPr/>
+        <p:txBody>
+          <a:bodyPr/>
+          <a:lstStyle/>
+          <a:p>
+            <a:r>
+              <a:rPr lang="de-CH" dirty="0"/>
+              <a:t>Hours </a:t>
+            </a:r>
+            <a:r>
+              <a:rPr lang="de-CH" dirty="0" err="1"/>
+              <a:t>later</a:t>
+            </a:r>
+            <a:r>
+              <a:rPr lang="de-CH" dirty="0"/>
+              <a:t>, </a:t>
+            </a:r>
+            <a:r>
+              <a:rPr lang="de-CH" dirty="0" err="1"/>
+              <a:t>families</a:t>
+            </a:r>
+            <a:r>
+              <a:rPr lang="de-CH" dirty="0"/>
+              <a:t> </a:t>
+            </a:r>
+            <a:r>
+              <a:rPr lang="de-CH" dirty="0" err="1"/>
+              <a:t>have</a:t>
+            </a:r>
+            <a:r>
+              <a:rPr lang="de-CH" dirty="0"/>
+              <a:t> </a:t>
+            </a:r>
+            <a:r>
+              <a:rPr lang="de-CH" dirty="0" err="1"/>
+              <a:t>shelter</a:t>
+            </a:r>
+            <a:r>
+              <a:rPr lang="de-CH" dirty="0"/>
+              <a:t>, </a:t>
+            </a:r>
+            <a:r>
+              <a:rPr lang="de-CH" dirty="0" err="1"/>
+              <a:t>the</a:t>
+            </a:r>
+            <a:r>
+              <a:rPr lang="de-CH" dirty="0"/>
+              <a:t> </a:t>
+            </a:r>
+            <a:r>
+              <a:rPr lang="de-CH" dirty="0" err="1"/>
+              <a:t>logistics</a:t>
+            </a:r>
+            <a:r>
+              <a:rPr lang="de-CH" dirty="0"/>
+              <a:t> </a:t>
+            </a:r>
+            <a:r>
+              <a:rPr lang="de-CH" dirty="0" err="1"/>
+              <a:t>team</a:t>
+            </a:r>
+            <a:r>
+              <a:rPr lang="de-CH" dirty="0"/>
+              <a:t> </a:t>
+            </a:r>
+            <a:r>
+              <a:rPr lang="de-CH" dirty="0" err="1"/>
+              <a:t>has</a:t>
+            </a:r>
+            <a:r>
+              <a:rPr lang="de-CH" dirty="0"/>
+              <a:t> </a:t>
+            </a:r>
+            <a:r>
+              <a:rPr lang="de-CH" dirty="0" err="1"/>
+              <a:t>clarity</a:t>
+            </a:r>
+            <a:r>
+              <a:rPr lang="de-CH" dirty="0"/>
+              <a:t>, and Anna — </a:t>
+            </a:r>
+            <a:r>
+              <a:rPr lang="de-CH" dirty="0" err="1"/>
+              <a:t>for</a:t>
+            </a:r>
+            <a:r>
+              <a:rPr lang="de-CH" dirty="0"/>
+              <a:t> </a:t>
+            </a:r>
+            <a:r>
+              <a:rPr lang="de-CH" dirty="0" err="1"/>
+              <a:t>the</a:t>
+            </a:r>
+            <a:r>
+              <a:rPr lang="de-CH" dirty="0"/>
+              <a:t> </a:t>
+            </a:r>
+            <a:r>
+              <a:rPr lang="de-CH" dirty="0" err="1"/>
+              <a:t>first</a:t>
+            </a:r>
+            <a:r>
+              <a:rPr lang="de-CH" dirty="0"/>
+              <a:t> time — </a:t>
+            </a:r>
+            <a:r>
+              <a:rPr lang="de-CH" dirty="0" err="1"/>
+              <a:t>breathes</a:t>
+            </a:r>
+            <a:r>
+              <a:rPr lang="de-CH" dirty="0"/>
+              <a:t> out.</a:t>
+            </a:r>
+          </a:p>
+          <a:p>
+            <a:endParaRPr lang="de-CH" dirty="0"/>
+          </a:p>
+          <a:p>
+            <a:r>
+              <a:rPr lang="de-CH" dirty="0" err="1"/>
+              <a:t>StockHub</a:t>
+            </a:r>
+            <a:r>
+              <a:rPr lang="de-CH" dirty="0"/>
+              <a:t> </a:t>
+            </a:r>
+            <a:r>
+              <a:rPr lang="de-CH" dirty="0" err="1"/>
+              <a:t>turned</a:t>
+            </a:r>
+            <a:r>
+              <a:rPr lang="de-CH" dirty="0"/>
+              <a:t> </a:t>
+            </a:r>
+            <a:r>
+              <a:rPr lang="de-CH" dirty="0" err="1"/>
+              <a:t>crisis</a:t>
+            </a:r>
+            <a:r>
+              <a:rPr lang="de-CH" dirty="0"/>
+              <a:t> </a:t>
+            </a:r>
+            <a:r>
+              <a:rPr lang="de-CH" dirty="0" err="1"/>
+              <a:t>coordination</a:t>
+            </a:r>
+            <a:r>
+              <a:rPr lang="de-CH" dirty="0"/>
+              <a:t> </a:t>
+            </a:r>
+            <a:r>
+              <a:rPr lang="de-CH" dirty="0" err="1"/>
+              <a:t>from</a:t>
+            </a:r>
+            <a:r>
+              <a:rPr lang="de-CH" dirty="0"/>
+              <a:t> a </a:t>
+            </a:r>
+            <a:r>
+              <a:rPr lang="de-CH" dirty="0" err="1"/>
+              <a:t>guessing</a:t>
+            </a:r>
+            <a:r>
+              <a:rPr lang="de-CH" dirty="0"/>
+              <a:t> game </a:t>
+            </a:r>
+            <a:r>
+              <a:rPr lang="de-CH" dirty="0" err="1"/>
+              <a:t>into</a:t>
+            </a:r>
+            <a:r>
+              <a:rPr lang="de-CH" dirty="0"/>
+              <a:t> a </a:t>
+            </a:r>
+            <a:r>
+              <a:rPr lang="de-CH" dirty="0" err="1"/>
+              <a:t>synchronized</a:t>
+            </a:r>
+            <a:r>
+              <a:rPr lang="de-CH" dirty="0"/>
+              <a:t> </a:t>
+            </a:r>
+            <a:r>
+              <a:rPr lang="de-CH" dirty="0" err="1"/>
+              <a:t>system</a:t>
+            </a:r>
+            <a:r>
+              <a:rPr lang="de-CH" dirty="0"/>
+              <a:t>.</a:t>
+            </a:r>
+            <a:br>
+              <a:rPr lang="de-CH" dirty="0"/>
+            </a:br>
+            <a:endParaRPr lang="de-CH" dirty="0"/>
+          </a:p>
+          <a:p>
+            <a:r>
+              <a:rPr lang="de-CH" dirty="0" err="1"/>
+              <a:t>It</a:t>
+            </a:r>
+            <a:r>
+              <a:rPr lang="de-CH" dirty="0"/>
+              <a:t> </a:t>
+            </a:r>
+            <a:r>
+              <a:rPr lang="de-CH" dirty="0" err="1"/>
+              <a:t>gave</a:t>
+            </a:r>
+            <a:r>
+              <a:rPr lang="de-CH" dirty="0"/>
+              <a:t> Anna </a:t>
+            </a:r>
+            <a:r>
+              <a:rPr lang="de-CH" dirty="0" err="1"/>
+              <a:t>what</a:t>
+            </a:r>
+            <a:r>
+              <a:rPr lang="de-CH" dirty="0"/>
+              <a:t> </a:t>
+            </a:r>
+            <a:r>
+              <a:rPr lang="de-CH" dirty="0" err="1"/>
+              <a:t>every</a:t>
+            </a:r>
+            <a:r>
+              <a:rPr lang="de-CH" dirty="0"/>
+              <a:t> </a:t>
+            </a:r>
+            <a:r>
+              <a:rPr lang="de-CH" dirty="0" err="1"/>
+              <a:t>city</a:t>
+            </a:r>
+            <a:r>
+              <a:rPr lang="de-CH" dirty="0"/>
+              <a:t> </a:t>
+            </a:r>
+            <a:r>
+              <a:rPr lang="de-CH" dirty="0" err="1"/>
+              <a:t>needs</a:t>
+            </a:r>
+            <a:r>
+              <a:rPr lang="de-CH" dirty="0"/>
+              <a:t> in a </a:t>
+            </a:r>
+            <a:r>
+              <a:rPr lang="de-CH" dirty="0" err="1"/>
+              <a:t>crisis</a:t>
+            </a:r>
+            <a:r>
+              <a:rPr lang="de-CH" dirty="0"/>
+              <a:t>: </a:t>
+            </a:r>
+            <a:r>
+              <a:rPr lang="de-CH" b="1" dirty="0" err="1"/>
+              <a:t>control</a:t>
+            </a:r>
+            <a:r>
+              <a:rPr lang="de-CH" b="1" dirty="0"/>
+              <a:t>, </a:t>
+            </a:r>
+            <a:r>
+              <a:rPr lang="de-CH" b="1" dirty="0" err="1"/>
+              <a:t>speed</a:t>
+            </a:r>
+            <a:r>
+              <a:rPr lang="de-CH" b="1" dirty="0"/>
+              <a:t>, and </a:t>
+            </a:r>
+            <a:r>
+              <a:rPr lang="de-CH" b="1" dirty="0" err="1"/>
+              <a:t>trust</a:t>
+            </a:r>
+            <a:r>
+              <a:rPr lang="de-CH" b="1" dirty="0"/>
+              <a:t>.</a:t>
+            </a:r>
+            <a:endParaRPr lang="de-CH" dirty="0"/>
+          </a:p>
+          <a:p>
+            <a:endParaRPr lang="de-CH" dirty="0"/>
+          </a:p>
+        </p:txBody>
+      </p:sp>
+      <p:sp>
+        <p:nvSpPr>
+          <p:cNvPr id="4" name="Slide Number Placeholder 3">
+            <a:extLst>
+              <a:ext uri="{FF2B5EF4-FFF2-40B4-BE49-F238E27FC236}">
+                <a16:creationId xmlns:a16="http://schemas.microsoft.com/office/drawing/2014/main" id="{DE321210-11A7-F584-56D4-0E009D11B452}"/>
+              </a:ext>
+            </a:extLst>
+          </p:cNvPr>
+          <p:cNvSpPr>
+            <a:spLocks noGrp="1"/>
+          </p:cNvSpPr>
+          <p:nvPr>
+            <p:ph type="sldNum" sz="quarter" idx="5"/>
+          </p:nvPr>
+        </p:nvSpPr>
+        <p:spPr/>
+        <p:txBody>
+          <a:bodyPr/>
+          <a:lstStyle/>
+          <a:p>
+            <a:fld id="{5C335AD7-64B1-49B1-980C-44DF07491695}" type="slidenum">
+              <a:rPr lang="de-CH" smtClean="0"/>
+              <a:pPr/>
+              <a:t>6</a:t>
+            </a:fld>
+            <a:endParaRPr lang="de-CH" dirty="0"/>
+          </a:p>
+        </p:txBody>
+      </p:sp>
+    </p:spTree>
+    <p:extLst>
+      <p:ext uri="{BB962C8B-B14F-4D97-AF65-F5344CB8AC3E}">
+        <p14:creationId xmlns:p14="http://schemas.microsoft.com/office/powerpoint/2010/main" val="3463263528"/>
       </p:ext>
     </p:extLst>
   </p:cSld>
@@ -23375,14 +23852,14 @@
           <a:p>
             <a:r>
               <a:rPr lang="en-US" dirty="0"/>
-              <a:t>AOZ Challenge</a:t>
+              <a:t>AOZ Challenge:</a:t>
             </a:r>
             <a:br>
               <a:rPr lang="en-US" dirty="0"/>
             </a:br>
             <a:r>
               <a:rPr lang="en-US" dirty="0" err="1"/>
-              <a:t>StockHub</a:t>
+              <a:t>SupplyHub</a:t>
             </a:r>
             <a:endParaRPr lang="de-CH" dirty="0"/>
           </a:p>
@@ -23490,6 +23967,36 @@
           <a:chExt cx="0" cy="0"/>
         </a:xfrm>
       </p:grpSpPr>
+      <p:pic>
+        <p:nvPicPr>
+          <p:cNvPr id="5" name="Grafik 4" descr="Ein Bild, das Text, Screenshot, Software, Webseite enthält.&#10;&#10;KI-generierte Inhalte können fehlerhaft sein.">
+            <a:extLst>
+              <a:ext uri="{FF2B5EF4-FFF2-40B4-BE49-F238E27FC236}">
+                <a16:creationId xmlns:a16="http://schemas.microsoft.com/office/drawing/2014/main" id="{BD4A6104-A403-4442-09B3-46FC2B63997B}"/>
+              </a:ext>
+            </a:extLst>
+          </p:cNvPr>
+          <p:cNvPicPr>
+            <a:picLocks noChangeAspect="1"/>
+          </p:cNvPicPr>
+          <p:nvPr/>
+        </p:nvPicPr>
+        <p:blipFill>
+          <a:blip r:embed="rId4"/>
+          <a:stretch>
+            <a:fillRect/>
+          </a:stretch>
+        </p:blipFill>
+        <p:spPr>
+          <a:xfrm>
+            <a:off x="6096000" y="-6604"/>
+            <a:ext cx="12082981" cy="6864604"/>
+          </a:xfrm>
+          <a:prstGeom prst="rect">
+            <a:avLst/>
+          </a:prstGeom>
+        </p:spPr>
+      </p:pic>
       <p:graphicFrame>
         <p:nvGraphicFramePr>
           <p:cNvPr id="11" name="think-cell data - do not delete" hidden="1">
@@ -23521,12 +24028,12 @@
           <a:graphicData uri="http://schemas.openxmlformats.org/presentationml/2006/ole">
             <mc:AlternateContent xmlns:mc="http://schemas.openxmlformats.org/markup-compatibility/2006">
               <mc:Choice xmlns:v="urn:schemas-microsoft-com:vml" Requires="v">
-                <p:oleObj name="think-cell Folie" r:id="rId4" imgW="261" imgH="257" progId="TCLayout.ActiveDocument.1">
+                <p:oleObj name="think-cell Folie" r:id="rId5" imgW="261" imgH="257" progId="TCLayout.ActiveDocument.1">
                   <p:embed/>
                 </p:oleObj>
               </mc:Choice>
               <mc:Fallback>
-                <p:oleObj name="think-cell Folie" r:id="rId4" imgW="261" imgH="257" progId="TCLayout.ActiveDocument.1">
+                <p:oleObj name="think-cell Folie" r:id="rId5" imgW="261" imgH="257" progId="TCLayout.ActiveDocument.1">
                   <p:embed/>
                   <p:pic>
                     <p:nvPicPr>
@@ -23541,7 +24048,7 @@
                       <p:nvPr/>
                     </p:nvPicPr>
                     <p:blipFill>
-                      <a:blip r:embed="rId5"/>
+                      <a:blip r:embed="rId6"/>
                       <a:stretch>
                         <a:fillRect/>
                       </a:stretch>
@@ -23581,7 +24088,7 @@
         <p:spPr>
           <a:xfrm>
             <a:off x="442913" y="1446595"/>
-            <a:ext cx="5181600" cy="649578"/>
+            <a:ext cx="5181600" cy="1296935"/>
           </a:xfrm>
         </p:spPr>
         <p:txBody>
@@ -23595,7 +24102,7 @@
             </a:pPr>
             <a:r>
               <a:rPr lang="de-CH" b="1" dirty="0" err="1"/>
-              <a:t>StockHub</a:t>
+              <a:t>SupplyHub</a:t>
             </a:r>
             <a:r>
               <a:rPr lang="de-CH" b="1" dirty="0"/>
@@ -23660,6 +24167,25 @@
             <a:r>
               <a:rPr lang="de-CH" dirty="0"/>
               <a:t> fast.</a:t>
+            </a:r>
+          </a:p>
+          <a:p>
+            <a:pPr marL="0" indent="0">
+              <a:buNone/>
+            </a:pPr>
+            <a:endParaRPr lang="de-CH" dirty="0"/>
+          </a:p>
+          <a:p>
+            <a:pPr marL="0" indent="0">
+              <a:buNone/>
+            </a:pPr>
+            <a:r>
+              <a:rPr lang="de-CH" b="1" dirty="0"/>
+              <a:t>Tech Stack:</a:t>
+            </a:r>
+            <a:r>
+              <a:rPr lang="de-CH" dirty="0"/>
+              <a:t> React + Vue (Frontend) &amp; Python (Backend)</a:t>
             </a:r>
           </a:p>
         </p:txBody>
@@ -23767,36 +24293,6 @@
           </a:p>
         </p:txBody>
       </p:sp>
-      <p:pic>
-        <p:nvPicPr>
-          <p:cNvPr id="5" name="Grafik 4" descr="Ein Bild, das Text, Screenshot, Software, Webseite enthält.&#10;&#10;KI-generierte Inhalte können fehlerhaft sein.">
-            <a:extLst>
-              <a:ext uri="{FF2B5EF4-FFF2-40B4-BE49-F238E27FC236}">
-                <a16:creationId xmlns:a16="http://schemas.microsoft.com/office/drawing/2014/main" id="{BD4A6104-A403-4442-09B3-46FC2B63997B}"/>
-              </a:ext>
-            </a:extLst>
-          </p:cNvPr>
-          <p:cNvPicPr>
-            <a:picLocks noChangeAspect="1"/>
-          </p:cNvPicPr>
-          <p:nvPr/>
-        </p:nvPicPr>
-        <p:blipFill>
-          <a:blip r:embed="rId6"/>
-          <a:stretch>
-            <a:fillRect/>
-          </a:stretch>
-        </p:blipFill>
-        <p:spPr>
-          <a:xfrm>
-            <a:off x="6096000" y="-6604"/>
-            <a:ext cx="12082981" cy="6864604"/>
-          </a:xfrm>
-          <a:prstGeom prst="rect">
-            <a:avLst/>
-          </a:prstGeom>
-        </p:spPr>
-      </p:pic>
       <p:sp>
         <p:nvSpPr>
           <p:cNvPr id="14" name="Textfeld 13">
@@ -23888,6 +24384,36 @@
           </a:p>
         </p:txBody>
       </p:sp>
+      <p:pic>
+        <p:nvPicPr>
+          <p:cNvPr id="7" name="Grafik 6" descr="Ein Bild, das Grafiken, Schrift, Screenshot, Logo enthält.&#10;&#10;KI-generierte Inhalte können fehlerhaft sein.">
+            <a:extLst>
+              <a:ext uri="{FF2B5EF4-FFF2-40B4-BE49-F238E27FC236}">
+                <a16:creationId xmlns:a16="http://schemas.microsoft.com/office/drawing/2014/main" id="{FC8074C2-B4AD-5298-AAE8-A74B9C28BB03}"/>
+              </a:ext>
+            </a:extLst>
+          </p:cNvPr>
+          <p:cNvPicPr>
+            <a:picLocks noChangeAspect="1"/>
+          </p:cNvPicPr>
+          <p:nvPr/>
+        </p:nvPicPr>
+        <p:blipFill>
+          <a:blip r:embed="rId7"/>
+          <a:stretch>
+            <a:fillRect/>
+          </a:stretch>
+        </p:blipFill>
+        <p:spPr>
+          <a:xfrm>
+            <a:off x="-217637" y="5704858"/>
+            <a:ext cx="2283124" cy="1522083"/>
+          </a:xfrm>
+          <a:prstGeom prst="rect">
+            <a:avLst/>
+          </a:prstGeom>
+        </p:spPr>
+      </p:pic>
     </p:spTree>
     <p:extLst>
       <p:ext uri="{BB962C8B-B14F-4D97-AF65-F5344CB8AC3E}">
@@ -23924,6 +24450,37 @@
           <a:chExt cx="0" cy="0"/>
         </a:xfrm>
       </p:grpSpPr>
+      <p:pic>
+        <p:nvPicPr>
+          <p:cNvPr id="8" name="Grafik 7" descr="Ein Bild, das Menschliches Gesicht, Person, Im Haus, Computer enthält.&#10;&#10;KI-generierte Inhalte können fehlerhaft sein.">
+            <a:extLst>
+              <a:ext uri="{FF2B5EF4-FFF2-40B4-BE49-F238E27FC236}">
+                <a16:creationId xmlns:a16="http://schemas.microsoft.com/office/drawing/2014/main" id="{A247F5D9-D0E9-F346-89FB-31AAA032C351}"/>
+              </a:ext>
+            </a:extLst>
+          </p:cNvPr>
+          <p:cNvPicPr>
+            <a:picLocks noChangeAspect="1"/>
+          </p:cNvPicPr>
+          <p:nvPr/>
+        </p:nvPicPr>
+        <p:blipFill>
+          <a:blip r:embed="rId4"/>
+          <a:srcRect l="34020" r="6721"/>
+          <a:stretch>
+            <a:fillRect/>
+          </a:stretch>
+        </p:blipFill>
+        <p:spPr>
+          <a:xfrm>
+            <a:off x="6096000" y="0"/>
+            <a:ext cx="6096000" cy="6858000"/>
+          </a:xfrm>
+          <a:prstGeom prst="rect">
+            <a:avLst/>
+          </a:prstGeom>
+        </p:spPr>
+      </p:pic>
       <p:graphicFrame>
         <p:nvGraphicFramePr>
           <p:cNvPr id="11" name="think-cell data - do not delete" hidden="1">
@@ -23950,19 +24507,19 @@
           <a:graphicData uri="http://schemas.openxmlformats.org/presentationml/2006/ole">
             <mc:AlternateContent xmlns:mc="http://schemas.openxmlformats.org/markup-compatibility/2006">
               <mc:Choice xmlns:v="urn:schemas-microsoft-com:vml" Requires="v">
-                <p:oleObj name="think-cell Folie" r:id="rId4" imgW="261" imgH="257" progId="TCLayout.ActiveDocument.1">
+                <p:oleObj name="think-cell Folie" r:id="rId5" imgW="261" imgH="257" progId="TCLayout.ActiveDocument.1">
                   <p:embed/>
                 </p:oleObj>
               </mc:Choice>
               <mc:Fallback>
-                <p:oleObj name="think-cell Folie" r:id="rId4" imgW="261" imgH="257" progId="TCLayout.ActiveDocument.1">
+                <p:oleObj name="think-cell Folie" r:id="rId5" imgW="261" imgH="257" progId="TCLayout.ActiveDocument.1">
                   <p:embed/>
                   <p:pic>
                     <p:nvPicPr>
                       <p:cNvPr id="11" name="think-cell data - do not delete" hidden="1">
                         <a:extLst>
                           <a:ext uri="{FF2B5EF4-FFF2-40B4-BE49-F238E27FC236}">
-                            <a16:creationId xmlns:a16="http://schemas.microsoft.com/office/drawing/2014/main" id="{257D46F1-98BD-C093-1151-D0C3C8338CC3}"/>
+                            <a16:creationId xmlns:a16="http://schemas.microsoft.com/office/drawing/2014/main" id="{1DE0F02E-510F-7E47-F07B-EAC5BB28507D}"/>
                           </a:ext>
                         </a:extLst>
                       </p:cNvPr>
@@ -23970,7 +24527,7 @@
                       <p:nvPr/>
                     </p:nvPicPr>
                     <p:blipFill>
-                      <a:blip r:embed="rId5"/>
+                      <a:blip r:embed="rId6"/>
                       <a:stretch>
                         <a:fillRect/>
                       </a:stretch>
@@ -24010,7 +24567,7 @@
         <p:spPr>
           <a:xfrm>
             <a:off x="442913" y="1446595"/>
-            <a:ext cx="5181600" cy="4642466"/>
+            <a:ext cx="5181600" cy="5379591"/>
           </a:xfrm>
         </p:spPr>
         <p:txBody>
@@ -24064,8 +24621,13 @@
                 <a:cs typeface="Verdana"/>
                 <a:sym typeface="Verdana"/>
               </a:rPr>
-              <a:t>: </a:t>
-            </a:r>
+              <a:t>:</a:t>
+            </a:r>
+          </a:p>
+          <a:p>
+            <a:pPr marL="0" indent="0">
+              <a:buNone/>
+            </a:pPr>
             <a:r>
               <a:rPr lang="de-CH" dirty="0"/>
               <a:t>Parallel </a:t>
@@ -24213,8 +24775,13 @@
                 <a:ea typeface="Verdana"/>
                 <a:cs typeface="Arial"/>
               </a:rPr>
-              <a:t>: </a:t>
-            </a:r>
+              <a:t>:</a:t>
+            </a:r>
+          </a:p>
+          <a:p>
+            <a:pPr marL="0" indent="0">
+              <a:buNone/>
+            </a:pPr>
             <a:r>
               <a:rPr lang="de-CH" dirty="0"/>
               <a:t>Crisis </a:t>
@@ -24375,158 +24942,185 @@
                 <a:ea typeface="Verdana"/>
                 <a:sym typeface="Verdana"/>
               </a:rPr>
-              <a:t>: </a:t>
-            </a:r>
-            <a:r>
-              <a:rPr lang="de-CH" dirty="0" err="1"/>
-              <a:t>During</a:t>
-            </a:r>
-            <a:r>
-              <a:rPr lang="de-CH" dirty="0"/>
-              <a:t> a </a:t>
-            </a:r>
-            <a:r>
-              <a:rPr lang="de-CH" dirty="0" err="1"/>
-              <a:t>refugee</a:t>
-            </a:r>
-            <a:r>
-              <a:rPr lang="de-CH" dirty="0"/>
-              <a:t> </a:t>
-            </a:r>
-            <a:r>
-              <a:rPr lang="de-CH" dirty="0" err="1"/>
-              <a:t>influx</a:t>
-            </a:r>
-            <a:r>
-              <a:rPr lang="de-CH" dirty="0"/>
-              <a:t>, </a:t>
-            </a:r>
-            <a:r>
-              <a:rPr lang="de-CH" dirty="0" err="1"/>
-              <a:t>arrivals</a:t>
-            </a:r>
-            <a:r>
-              <a:rPr lang="de-CH" dirty="0"/>
-              <a:t> </a:t>
-            </a:r>
-            <a:r>
-              <a:rPr lang="de-CH" dirty="0" err="1"/>
-              <a:t>can</a:t>
-            </a:r>
-            <a:r>
-              <a:rPr lang="de-CH" dirty="0"/>
-              <a:t> </a:t>
-            </a:r>
-            <a:r>
-              <a:rPr lang="de-CH" dirty="0" err="1"/>
-              <a:t>spike</a:t>
-            </a:r>
-            <a:r>
-              <a:rPr lang="de-CH" dirty="0"/>
-              <a:t> </a:t>
-            </a:r>
-            <a:r>
-              <a:rPr lang="de-CH" dirty="0" err="1"/>
-              <a:t>overnight</a:t>
-            </a:r>
-            <a:r>
-              <a:rPr lang="de-CH" dirty="0"/>
-              <a:t>. Needs </a:t>
-            </a:r>
-            <a:r>
-              <a:rPr lang="de-CH" dirty="0" err="1"/>
-              <a:t>are</a:t>
-            </a:r>
-            <a:r>
-              <a:rPr lang="de-CH" dirty="0"/>
-              <a:t> </a:t>
-            </a:r>
-            <a:r>
-              <a:rPr lang="de-CH" dirty="0" err="1"/>
-              <a:t>unpredictable</a:t>
-            </a:r>
-            <a:r>
-              <a:rPr lang="de-CH" dirty="0"/>
-              <a:t>, </a:t>
-            </a:r>
-            <a:r>
-              <a:rPr lang="de-CH" dirty="0" err="1"/>
-              <a:t>information</a:t>
-            </a:r>
-            <a:r>
-              <a:rPr lang="de-CH" dirty="0"/>
-              <a:t> </a:t>
-            </a:r>
-            <a:r>
-              <a:rPr lang="de-CH" dirty="0" err="1"/>
-              <a:t>is</a:t>
-            </a:r>
-            <a:r>
-              <a:rPr lang="de-CH" dirty="0"/>
-              <a:t> </a:t>
-            </a:r>
-            <a:r>
-              <a:rPr lang="de-CH" dirty="0" err="1"/>
-              <a:t>fragmented</a:t>
-            </a:r>
-            <a:r>
-              <a:rPr lang="de-CH" dirty="0"/>
-              <a:t>, and </a:t>
-            </a:r>
-            <a:r>
-              <a:rPr lang="de-CH" dirty="0" err="1"/>
-              <a:t>setup</a:t>
-            </a:r>
-            <a:r>
-              <a:rPr lang="de-CH" dirty="0"/>
-              <a:t> </a:t>
-            </a:r>
-            <a:r>
-              <a:rPr lang="de-CH" dirty="0" err="1"/>
-              <a:t>of</a:t>
-            </a:r>
-            <a:r>
-              <a:rPr lang="de-CH" dirty="0"/>
-              <a:t> </a:t>
-            </a:r>
-            <a:r>
-              <a:rPr lang="de-CH" dirty="0" err="1"/>
-              <a:t>temporary</a:t>
-            </a:r>
-            <a:r>
-              <a:rPr lang="de-CH" dirty="0"/>
-              <a:t> </a:t>
-            </a:r>
-            <a:r>
-              <a:rPr lang="de-CH" dirty="0" err="1"/>
-              <a:t>housing</a:t>
-            </a:r>
-            <a:r>
-              <a:rPr lang="de-CH" dirty="0"/>
-              <a:t> </a:t>
-            </a:r>
-            <a:r>
-              <a:rPr lang="de-CH" dirty="0" err="1"/>
-              <a:t>is</a:t>
-            </a:r>
-            <a:r>
-              <a:rPr lang="de-CH" dirty="0"/>
-              <a:t> </a:t>
-            </a:r>
-            <a:r>
-              <a:rPr lang="de-CH" dirty="0" err="1"/>
-              <a:t>delayed</a:t>
-            </a:r>
-            <a:r>
-              <a:rPr lang="de-CH" dirty="0"/>
-              <a:t>.</a:t>
-            </a:r>
-            <a:endParaRPr lang="en-US" dirty="0"/>
+              <a:t>:</a:t>
+            </a:r>
           </a:p>
           <a:p>
             <a:pPr marL="0" indent="0">
               <a:buNone/>
             </a:pPr>
+            <a:r>
+              <a:rPr lang="de-CH" dirty="0"/>
+              <a:t>As </a:t>
+            </a:r>
+            <a:r>
+              <a:rPr lang="de-CH" dirty="0" err="1"/>
+              <a:t>new</a:t>
+            </a:r>
+            <a:r>
+              <a:rPr lang="de-CH" dirty="0"/>
+              <a:t> </a:t>
+            </a:r>
+            <a:r>
+              <a:rPr lang="de-CH" dirty="0" err="1"/>
+              <a:t>arrivals</a:t>
+            </a:r>
+            <a:r>
+              <a:rPr lang="de-CH" dirty="0"/>
+              <a:t> </a:t>
+            </a:r>
+            <a:r>
+              <a:rPr lang="de-CH" dirty="0" err="1"/>
+              <a:t>flood</a:t>
+            </a:r>
+            <a:r>
+              <a:rPr lang="de-CH" dirty="0"/>
+              <a:t> in </a:t>
+            </a:r>
+            <a:r>
+              <a:rPr lang="de-CH" dirty="0" err="1"/>
+              <a:t>overnight</a:t>
+            </a:r>
+            <a:r>
+              <a:rPr lang="de-CH" dirty="0"/>
+              <a:t>, </a:t>
+            </a:r>
+            <a:r>
+              <a:rPr lang="de-CH" dirty="0" err="1"/>
+              <a:t>Anna’s</a:t>
+            </a:r>
+            <a:r>
+              <a:rPr lang="de-CH" dirty="0"/>
+              <a:t> </a:t>
+            </a:r>
+            <a:r>
+              <a:rPr lang="de-CH" dirty="0" err="1"/>
+              <a:t>team</a:t>
+            </a:r>
+            <a:r>
+              <a:rPr lang="de-CH" dirty="0"/>
+              <a:t> </a:t>
+            </a:r>
+            <a:r>
+              <a:rPr lang="de-CH" dirty="0" err="1"/>
+              <a:t>scrambles</a:t>
+            </a:r>
+            <a:r>
+              <a:rPr lang="de-CH" dirty="0"/>
+              <a:t> </a:t>
+            </a:r>
+            <a:r>
+              <a:rPr lang="de-CH" dirty="0" err="1"/>
+              <a:t>to</a:t>
+            </a:r>
+            <a:r>
+              <a:rPr lang="de-CH" dirty="0"/>
+              <a:t> </a:t>
+            </a:r>
+            <a:r>
+              <a:rPr lang="de-CH" dirty="0" err="1"/>
+              <a:t>respond</a:t>
+            </a:r>
+            <a:r>
+              <a:rPr lang="de-CH" dirty="0"/>
+              <a:t>. Information </a:t>
+            </a:r>
+            <a:r>
+              <a:rPr lang="de-CH" dirty="0" err="1"/>
+              <a:t>is</a:t>
+            </a:r>
+            <a:r>
+              <a:rPr lang="de-CH" dirty="0"/>
+              <a:t> scattered, </a:t>
+            </a:r>
+            <a:r>
+              <a:rPr lang="de-CH" dirty="0" err="1"/>
+              <a:t>decisions</a:t>
+            </a:r>
+            <a:r>
+              <a:rPr lang="de-CH" dirty="0"/>
+              <a:t> </a:t>
+            </a:r>
+            <a:r>
+              <a:rPr lang="de-CH" dirty="0" err="1"/>
+              <a:t>are</a:t>
+            </a:r>
+            <a:r>
+              <a:rPr lang="de-CH" dirty="0"/>
+              <a:t> </a:t>
+            </a:r>
+            <a:r>
+              <a:rPr lang="de-CH" dirty="0" err="1"/>
+              <a:t>delayed</a:t>
+            </a:r>
+            <a:r>
+              <a:rPr lang="de-CH" dirty="0"/>
+              <a:t>, and </a:t>
+            </a:r>
+            <a:r>
+              <a:rPr lang="de-CH" dirty="0" err="1"/>
+              <a:t>families</a:t>
+            </a:r>
+            <a:r>
+              <a:rPr lang="de-CH" dirty="0"/>
+              <a:t> </a:t>
+            </a:r>
+            <a:r>
+              <a:rPr lang="de-CH" dirty="0" err="1"/>
+              <a:t>wait</a:t>
+            </a:r>
+            <a:r>
+              <a:rPr lang="de-CH" dirty="0"/>
+              <a:t> </a:t>
+            </a:r>
+            <a:r>
+              <a:rPr lang="de-CH" dirty="0" err="1"/>
+              <a:t>longer</a:t>
+            </a:r>
+            <a:r>
+              <a:rPr lang="de-CH" dirty="0"/>
+              <a:t> </a:t>
+            </a:r>
+            <a:r>
+              <a:rPr lang="de-CH" dirty="0" err="1"/>
+              <a:t>for</a:t>
+            </a:r>
+            <a:r>
+              <a:rPr lang="de-CH" dirty="0"/>
+              <a:t> </a:t>
+            </a:r>
+            <a:r>
+              <a:rPr lang="de-CH" dirty="0" err="1"/>
+              <a:t>the</a:t>
+            </a:r>
+            <a:r>
+              <a:rPr lang="de-CH" dirty="0"/>
+              <a:t> </a:t>
+            </a:r>
+            <a:r>
+              <a:rPr lang="de-CH" dirty="0" err="1"/>
+              <a:t>essentials</a:t>
+            </a:r>
+            <a:r>
+              <a:rPr lang="de-CH" dirty="0"/>
+              <a:t> </a:t>
+            </a:r>
+            <a:r>
+              <a:rPr lang="de-CH" dirty="0" err="1"/>
+              <a:t>they</a:t>
+            </a:r>
+            <a:r>
+              <a:rPr lang="de-CH" dirty="0"/>
+              <a:t> </a:t>
+            </a:r>
+            <a:r>
+              <a:rPr lang="de-CH" dirty="0" err="1"/>
+              <a:t>need</a:t>
+            </a:r>
+            <a:r>
+              <a:rPr lang="de-CH" dirty="0"/>
+              <a:t>.</a:t>
+            </a:r>
             <a:endParaRPr lang="en-US" dirty="0"/>
           </a:p>
           <a:p>
@@ -24591,7 +25185,7 @@
               <a:rPr lang="de-CH" dirty="0" err="1">
                 <a:cs typeface="Arial"/>
               </a:rPr>
-              <a:t>Current</a:t>
+              <a:t>Anna’s</a:t>
             </a:r>
             <a:r>
               <a:rPr lang="de-CH" dirty="0">
@@ -24654,8 +25248,8 @@
         </p:nvSpPr>
         <p:spPr>
           <a:xfrm>
-            <a:off x="11620848" y="6285630"/>
-            <a:ext cx="128240" cy="138499"/>
+            <a:off x="11684968" y="6285630"/>
+            <a:ext cx="64120" cy="138499"/>
           </a:xfrm>
         </p:spPr>
         <p:txBody>
@@ -24663,11 +25257,19 @@
           <a:lstStyle/>
           <a:p>
             <a:fld id="{AC23F07A-CEC6-4CA8-9EF8-AC37F6E73B6A}" type="slidenum">
-              <a:rPr lang="de-CH" smtClean="0"/>
+              <a:rPr lang="de-CH" smtClean="0">
+                <a:solidFill>
+                  <a:schemeClr val="bg1"/>
+                </a:solidFill>
+              </a:rPr>
               <a:pPr/>
               <a:t>3</a:t>
             </a:fld>
-            <a:endParaRPr lang="de-CH" dirty="0"/>
+            <a:endParaRPr lang="de-CH" dirty="0">
+              <a:solidFill>
+                <a:schemeClr val="bg1"/>
+              </a:solidFill>
+            </a:endParaRPr>
           </a:p>
         </p:txBody>
       </p:sp>
@@ -24706,10 +25308,773 @@
       </p:sp>
       <p:sp>
         <p:nvSpPr>
-          <p:cNvPr id="16" name="Rechteck 15">
-            <a:extLst>
-              <a:ext uri="{FF2B5EF4-FFF2-40B4-BE49-F238E27FC236}">
-                <a16:creationId xmlns:a16="http://schemas.microsoft.com/office/drawing/2014/main" id="{5DD2DE47-55D4-B68A-E374-2A0FDC31447B}"/>
+          <p:cNvPr id="9" name="Rechteck 8">
+            <a:extLst>
+              <a:ext uri="{FF2B5EF4-FFF2-40B4-BE49-F238E27FC236}">
+                <a16:creationId xmlns:a16="http://schemas.microsoft.com/office/drawing/2014/main" id="{2DE1A59C-5B44-E907-74CE-1D72C825B6F3}"/>
+              </a:ext>
+            </a:extLst>
+          </p:cNvPr>
+          <p:cNvSpPr>
+            <a:spLocks/>
+          </p:cNvSpPr>
+          <p:nvPr/>
+        </p:nvSpPr>
+        <p:spPr>
+          <a:xfrm>
+            <a:off x="0" y="5776332"/>
+            <a:ext cx="1847850" cy="1081668"/>
+          </a:xfrm>
+          <a:prstGeom prst="rect">
+            <a:avLst/>
+          </a:prstGeom>
+          <a:solidFill>
+            <a:schemeClr val="bg1"/>
+          </a:solidFill>
+          <a:ln w="6350">
+            <a:noFill/>
+          </a:ln>
+        </p:spPr>
+        <p:style>
+          <a:lnRef idx="2">
+            <a:schemeClr val="accent1">
+              <a:shade val="15000"/>
+            </a:schemeClr>
+          </a:lnRef>
+          <a:fillRef idx="1">
+            <a:schemeClr val="accent1"/>
+          </a:fillRef>
+          <a:effectRef idx="0">
+            <a:schemeClr val="accent1"/>
+          </a:effectRef>
+          <a:fontRef idx="minor">
+            <a:schemeClr val="lt1"/>
+          </a:fontRef>
+        </p:style>
+        <p:txBody>
+          <a:bodyPr rtlCol="0" anchor="ctr"/>
+          <a:lstStyle/>
+          <a:p>
+            <a:pPr algn="ctr"/>
+            <a:endParaRPr lang="de-DE" sz="1600" dirty="0" err="1">
+              <a:solidFill>
+                <a:schemeClr val="tx1"/>
+              </a:solidFill>
+            </a:endParaRPr>
+          </a:p>
+        </p:txBody>
+      </p:sp>
+      <p:pic>
+        <p:nvPicPr>
+          <p:cNvPr id="4" name="Grafik 3" descr="Ein Bild, das Grafiken, Schrift, Screenshot, Logo enthält.&#10;&#10;KI-generierte Inhalte können fehlerhaft sein.">
+            <a:extLst>
+              <a:ext uri="{FF2B5EF4-FFF2-40B4-BE49-F238E27FC236}">
+                <a16:creationId xmlns:a16="http://schemas.microsoft.com/office/drawing/2014/main" id="{DC8667C7-0EAD-95F6-B479-D56543B9C7B2}"/>
+              </a:ext>
+            </a:extLst>
+          </p:cNvPr>
+          <p:cNvPicPr>
+            <a:picLocks noChangeAspect="1"/>
+          </p:cNvPicPr>
+          <p:nvPr/>
+        </p:nvPicPr>
+        <p:blipFill>
+          <a:blip r:embed="rId7"/>
+          <a:stretch>
+            <a:fillRect/>
+          </a:stretch>
+        </p:blipFill>
+        <p:spPr>
+          <a:xfrm>
+            <a:off x="-217637" y="5704858"/>
+            <a:ext cx="2283124" cy="1522083"/>
+          </a:xfrm>
+          <a:prstGeom prst="rect">
+            <a:avLst/>
+          </a:prstGeom>
+        </p:spPr>
+      </p:pic>
+    </p:spTree>
+    <p:extLst>
+      <p:ext uri="{BB962C8B-B14F-4D97-AF65-F5344CB8AC3E}">
+        <p14:creationId xmlns:p14="http://schemas.microsoft.com/office/powerpoint/2010/main" val="4054526119"/>
+      </p:ext>
+    </p:extLst>
+  </p:cSld>
+  <p:clrMapOvr>
+    <a:masterClrMapping/>
+  </p:clrMapOvr>
+</p:sld>
+</file>
+
+<file path=ppt/slides/slide4.xml><?xml version="1.0" encoding="utf-8"?>
+<p:sld xmlns:a="http://schemas.openxmlformats.org/drawingml/2006/main" xmlns:r="http://schemas.openxmlformats.org/officeDocument/2006/relationships" xmlns:p="http://schemas.openxmlformats.org/presentationml/2006/main">
+  <p:cSld>
+    <p:spTree>
+      <p:nvGrpSpPr>
+        <p:cNvPr id="1" name="">
+          <a:extLst>
+            <a:ext uri="{FF2B5EF4-FFF2-40B4-BE49-F238E27FC236}">
+              <a16:creationId xmlns:a16="http://schemas.microsoft.com/office/drawing/2014/main" id="{DC0525B6-1545-0DE9-A227-C1B10B133260}"/>
+            </a:ext>
+          </a:extLst>
+        </p:cNvPr>
+        <p:cNvGrpSpPr/>
+        <p:nvPr/>
+      </p:nvGrpSpPr>
+      <p:grpSpPr>
+        <a:xfrm>
+          <a:off x="0" y="0"/>
+          <a:ext cx="0" cy="0"/>
+          <a:chOff x="0" y="0"/>
+          <a:chExt cx="0" cy="0"/>
+        </a:xfrm>
+      </p:grpSpPr>
+      <p:pic>
+        <p:nvPicPr>
+          <p:cNvPr id="5" name="Grafik 4" descr="Ein Bild, das Text, Screenshot, Software, Webseite enthält.&#10;&#10;KI-generierte Inhalte können fehlerhaft sein.">
+            <a:extLst>
+              <a:ext uri="{FF2B5EF4-FFF2-40B4-BE49-F238E27FC236}">
+                <a16:creationId xmlns:a16="http://schemas.microsoft.com/office/drawing/2014/main" id="{236DE760-A238-7B0D-F634-EEA239612634}"/>
+              </a:ext>
+            </a:extLst>
+          </p:cNvPr>
+          <p:cNvPicPr>
+            <a:picLocks noChangeAspect="1"/>
+          </p:cNvPicPr>
+          <p:nvPr/>
+        </p:nvPicPr>
+        <p:blipFill>
+          <a:blip r:embed="rId4"/>
+          <a:stretch>
+            <a:fillRect/>
+          </a:stretch>
+        </p:blipFill>
+        <p:spPr>
+          <a:xfrm>
+            <a:off x="6096000" y="-6604"/>
+            <a:ext cx="12082981" cy="6864604"/>
+          </a:xfrm>
+          <a:prstGeom prst="rect">
+            <a:avLst/>
+          </a:prstGeom>
+        </p:spPr>
+      </p:pic>
+      <p:sp>
+        <p:nvSpPr>
+          <p:cNvPr id="6" name="Text Placeholder 5">
+            <a:extLst>
+              <a:ext uri="{FF2B5EF4-FFF2-40B4-BE49-F238E27FC236}">
+                <a16:creationId xmlns:a16="http://schemas.microsoft.com/office/drawing/2014/main" id="{C26C172E-F722-C264-48CD-2611F7BF1CF9}"/>
+              </a:ext>
+            </a:extLst>
+          </p:cNvPr>
+          <p:cNvSpPr>
+            <a:spLocks noGrp="1"/>
+          </p:cNvSpPr>
+          <p:nvPr>
+            <p:ph type="body" sz="quarter" idx="14"/>
+          </p:nvPr>
+        </p:nvSpPr>
+        <p:spPr>
+          <a:xfrm>
+            <a:off x="442913" y="1446595"/>
+            <a:ext cx="5181600" cy="3850967"/>
+          </a:xfrm>
+        </p:spPr>
+        <p:txBody>
+          <a:bodyPr>
+            <a:spAutoFit/>
+          </a:bodyPr>
+          <a:lstStyle/>
+          <a:p>
+            <a:pPr marL="0" indent="0">
+              <a:buNone/>
+            </a:pPr>
+            <a:r>
+              <a:rPr lang="de-CH" b="1" dirty="0" err="1"/>
+              <a:t>SupplyHub</a:t>
+            </a:r>
+            <a:r>
+              <a:rPr lang="de-CH" b="1" dirty="0"/>
+              <a:t>: </a:t>
+            </a:r>
+            <a:r>
+              <a:rPr lang="de-CH" dirty="0"/>
+              <a:t> </a:t>
+            </a:r>
+            <a:r>
+              <a:rPr lang="de-CH" dirty="0" err="1"/>
+              <a:t>One</a:t>
+            </a:r>
+            <a:r>
+              <a:rPr lang="de-CH" dirty="0"/>
+              <a:t> </a:t>
+            </a:r>
+            <a:r>
+              <a:rPr lang="de-CH" dirty="0" err="1"/>
+              <a:t>shared</a:t>
+            </a:r>
+            <a:r>
+              <a:rPr lang="de-CH" dirty="0"/>
+              <a:t> </a:t>
+            </a:r>
+            <a:r>
+              <a:rPr lang="de-CH" dirty="0" err="1"/>
+              <a:t>platform</a:t>
+            </a:r>
+            <a:r>
+              <a:rPr lang="de-CH" dirty="0"/>
+              <a:t> </a:t>
+            </a:r>
+            <a:r>
+              <a:rPr lang="de-CH" dirty="0" err="1"/>
+              <a:t>to</a:t>
+            </a:r>
+            <a:r>
+              <a:rPr lang="de-CH" dirty="0"/>
+              <a:t> </a:t>
+            </a:r>
+            <a:r>
+              <a:rPr lang="de-CH" b="1" dirty="0"/>
+              <a:t>plan</a:t>
+            </a:r>
+            <a:r>
+              <a:rPr lang="de-CH" dirty="0"/>
+              <a:t>, </a:t>
+            </a:r>
+            <a:r>
+              <a:rPr lang="de-CH" b="1" dirty="0"/>
+              <a:t>source</a:t>
+            </a:r>
+            <a:r>
+              <a:rPr lang="de-CH" dirty="0"/>
+              <a:t>, </a:t>
+            </a:r>
+            <a:r>
+              <a:rPr lang="de-CH" b="1" dirty="0" err="1"/>
+              <a:t>store</a:t>
+            </a:r>
+            <a:r>
+              <a:rPr lang="de-CH" dirty="0"/>
+              <a:t>, and </a:t>
+            </a:r>
+            <a:r>
+              <a:rPr lang="de-CH" b="1" dirty="0"/>
+              <a:t>deploy</a:t>
+            </a:r>
+            <a:r>
+              <a:rPr lang="de-CH" dirty="0"/>
+              <a:t> </a:t>
+            </a:r>
+            <a:r>
+              <a:rPr lang="de-CH" dirty="0" err="1"/>
+              <a:t>emergency</a:t>
+            </a:r>
+            <a:r>
+              <a:rPr lang="de-CH" dirty="0"/>
+              <a:t> </a:t>
+            </a:r>
+            <a:r>
+              <a:rPr lang="de-CH" dirty="0" err="1"/>
+              <a:t>supplies</a:t>
+            </a:r>
+            <a:r>
+              <a:rPr lang="de-CH" dirty="0"/>
+              <a:t> </a:t>
+            </a:r>
+            <a:r>
+              <a:rPr lang="de-CH" dirty="0" err="1"/>
+              <a:t>across</a:t>
+            </a:r>
+            <a:r>
+              <a:rPr lang="de-CH" dirty="0"/>
+              <a:t> </a:t>
+            </a:r>
+            <a:r>
+              <a:rPr lang="de-CH" dirty="0" err="1"/>
+              <a:t>city</a:t>
+            </a:r>
+            <a:r>
+              <a:rPr lang="de-CH" dirty="0"/>
+              <a:t> </a:t>
+            </a:r>
+            <a:r>
+              <a:rPr lang="de-CH" dirty="0" err="1"/>
+              <a:t>actors</a:t>
+            </a:r>
+            <a:r>
+              <a:rPr lang="de-CH" dirty="0"/>
+              <a:t>, </a:t>
+            </a:r>
+            <a:r>
+              <a:rPr lang="de-CH" dirty="0" err="1"/>
+              <a:t>with</a:t>
+            </a:r>
+            <a:r>
+              <a:rPr lang="de-CH" dirty="0"/>
+              <a:t> </a:t>
+            </a:r>
+            <a:r>
+              <a:rPr lang="de-CH" dirty="0" err="1"/>
+              <a:t>role-based</a:t>
+            </a:r>
+            <a:r>
+              <a:rPr lang="de-CH" dirty="0"/>
+              <a:t> </a:t>
+            </a:r>
+            <a:r>
+              <a:rPr lang="de-CH" dirty="0" err="1"/>
+              <a:t>access</a:t>
+            </a:r>
+            <a:r>
+              <a:rPr lang="de-CH" dirty="0"/>
+              <a:t> and </a:t>
+            </a:r>
+            <a:r>
+              <a:rPr lang="de-CH" dirty="0" err="1"/>
+              <a:t>readiness</a:t>
+            </a:r>
+            <a:r>
+              <a:rPr lang="de-CH" dirty="0"/>
+              <a:t> </a:t>
+            </a:r>
+            <a:r>
+              <a:rPr lang="de-CH" dirty="0" err="1"/>
+              <a:t>tracking</a:t>
+            </a:r>
+            <a:endParaRPr lang="de-CH" dirty="0"/>
+          </a:p>
+          <a:p>
+            <a:pPr marL="0" indent="0">
+              <a:buNone/>
+            </a:pPr>
+            <a:endParaRPr lang="de-CH" dirty="0"/>
+          </a:p>
+          <a:p>
+            <a:pPr marL="0" indent="0">
+              <a:buNone/>
+            </a:pPr>
+            <a:r>
+              <a:rPr lang="de-CH" b="1" dirty="0" err="1"/>
+              <a:t>Three</a:t>
+            </a:r>
+            <a:r>
+              <a:rPr lang="de-CH" b="1" dirty="0"/>
+              <a:t> Core Features:</a:t>
+            </a:r>
+          </a:p>
+          <a:p>
+            <a:pPr marL="342900" indent="-342900">
+              <a:buFont typeface="+mj-lt"/>
+              <a:buAutoNum type="arabicPeriod"/>
+            </a:pPr>
+            <a:r>
+              <a:rPr lang="de-CH" b="1" dirty="0"/>
+              <a:t>Stab Dashboard: </a:t>
+            </a:r>
+            <a:r>
+              <a:rPr lang="de-CH" dirty="0" err="1"/>
+              <a:t>Overview</a:t>
+            </a:r>
+            <a:r>
+              <a:rPr lang="de-CH" dirty="0"/>
+              <a:t> and </a:t>
+            </a:r>
+            <a:r>
+              <a:rPr lang="de-CH" dirty="0" err="1"/>
+              <a:t>action</a:t>
+            </a:r>
+            <a:r>
+              <a:rPr lang="de-CH" dirty="0"/>
+              <a:t> </a:t>
+            </a:r>
+            <a:r>
+              <a:rPr lang="de-CH" dirty="0" err="1"/>
+              <a:t>center</a:t>
+            </a:r>
+            <a:r>
+              <a:rPr lang="de-CH" dirty="0"/>
+              <a:t> </a:t>
+            </a:r>
+            <a:r>
+              <a:rPr lang="de-CH" dirty="0" err="1"/>
+              <a:t>for</a:t>
+            </a:r>
+            <a:r>
+              <a:rPr lang="de-CH" dirty="0"/>
+              <a:t> </a:t>
+            </a:r>
+            <a:r>
+              <a:rPr lang="de-CH" dirty="0" err="1"/>
+              <a:t>the</a:t>
+            </a:r>
+            <a:r>
+              <a:rPr lang="de-CH" dirty="0"/>
+              <a:t> </a:t>
+            </a:r>
+            <a:r>
+              <a:rPr lang="de-CH" dirty="0" err="1"/>
+              <a:t>crisis</a:t>
+            </a:r>
+            <a:r>
+              <a:rPr lang="de-CH" dirty="0"/>
+              <a:t> </a:t>
+            </a:r>
+            <a:r>
+              <a:rPr lang="de-CH" dirty="0" err="1"/>
+              <a:t>management</a:t>
+            </a:r>
+            <a:r>
+              <a:rPr lang="de-CH" dirty="0"/>
+              <a:t> </a:t>
+            </a:r>
+            <a:r>
+              <a:rPr lang="de-CH" dirty="0" err="1"/>
+              <a:t>staff</a:t>
+            </a:r>
+            <a:r>
+              <a:rPr lang="de-CH" dirty="0"/>
+              <a:t>. </a:t>
+            </a:r>
+          </a:p>
+          <a:p>
+            <a:pPr marL="342900" indent="-342900">
+              <a:buFont typeface="+mj-lt"/>
+              <a:buAutoNum type="arabicPeriod"/>
+            </a:pPr>
+            <a:endParaRPr lang="de-CH" b="1" dirty="0"/>
+          </a:p>
+          <a:p>
+            <a:pPr marL="342900" indent="-342900">
+              <a:buFont typeface="+mj-lt"/>
+              <a:buAutoNum type="arabicPeriod"/>
+            </a:pPr>
+            <a:r>
+              <a:rPr lang="de-CH" b="1"/>
+              <a:t>Authorization </a:t>
+            </a:r>
+            <a:r>
+              <a:rPr lang="de-CH" b="1" dirty="0"/>
+              <a:t>Dashboard: </a:t>
+            </a:r>
+            <a:r>
+              <a:rPr lang="de-CH" dirty="0"/>
+              <a:t>Validation and </a:t>
+            </a:r>
+            <a:r>
+              <a:rPr lang="de-CH" dirty="0" err="1"/>
+              <a:t>approval</a:t>
+            </a:r>
+            <a:r>
+              <a:rPr lang="de-CH" dirty="0"/>
+              <a:t> interface </a:t>
+            </a:r>
+            <a:r>
+              <a:rPr lang="de-CH" dirty="0" err="1"/>
+              <a:t>for</a:t>
+            </a:r>
+            <a:r>
+              <a:rPr lang="de-CH" dirty="0"/>
+              <a:t> stock </a:t>
+            </a:r>
+            <a:r>
+              <a:rPr lang="de-CH" dirty="0" err="1"/>
+              <a:t>requests</a:t>
+            </a:r>
+            <a:r>
+              <a:rPr lang="de-CH" dirty="0"/>
+              <a:t>.</a:t>
+            </a:r>
+          </a:p>
+          <a:p>
+            <a:pPr marL="342900" indent="-342900">
+              <a:buFont typeface="+mj-lt"/>
+              <a:buAutoNum type="arabicPeriod"/>
+            </a:pPr>
+            <a:endParaRPr lang="de-CH" b="1" dirty="0"/>
+          </a:p>
+          <a:p>
+            <a:pPr marL="342900" indent="-342900">
+              <a:buFont typeface="+mj-lt"/>
+              <a:buAutoNum type="arabicPeriod"/>
+            </a:pPr>
+            <a:r>
+              <a:rPr lang="de-CH" b="1" dirty="0"/>
+              <a:t>Organisation Dashboard: </a:t>
+            </a:r>
+            <a:r>
+              <a:rPr lang="de-CH" dirty="0"/>
+              <a:t>Stock, </a:t>
+            </a:r>
+            <a:r>
+              <a:rPr lang="de-CH" dirty="0" err="1"/>
+              <a:t>logistics</a:t>
+            </a:r>
+            <a:r>
+              <a:rPr lang="de-CH" dirty="0"/>
+              <a:t>, and </a:t>
+            </a:r>
+            <a:r>
+              <a:rPr lang="de-CH" dirty="0" err="1"/>
+              <a:t>inspection</a:t>
+            </a:r>
+            <a:r>
+              <a:rPr lang="de-CH" dirty="0"/>
+              <a:t> </a:t>
+            </a:r>
+            <a:r>
+              <a:rPr lang="de-CH" dirty="0" err="1"/>
+              <a:t>management</a:t>
+            </a:r>
+            <a:r>
+              <a:rPr lang="de-CH" dirty="0"/>
+              <a:t> </a:t>
+            </a:r>
+            <a:r>
+              <a:rPr lang="de-CH" dirty="0" err="1"/>
+              <a:t>for</a:t>
+            </a:r>
+            <a:r>
+              <a:rPr lang="de-CH" dirty="0"/>
+              <a:t> </a:t>
+            </a:r>
+            <a:r>
+              <a:rPr lang="de-CH" dirty="0" err="1"/>
+              <a:t>local</a:t>
+            </a:r>
+            <a:r>
+              <a:rPr lang="de-CH" dirty="0"/>
+              <a:t> </a:t>
+            </a:r>
+            <a:r>
+              <a:rPr lang="de-CH" dirty="0" err="1"/>
+              <a:t>facilities</a:t>
+            </a:r>
+            <a:r>
+              <a:rPr lang="de-CH" dirty="0"/>
+              <a:t>.</a:t>
+            </a:r>
+            <a:r>
+              <a:rPr lang="de-CH" b="1" dirty="0"/>
+              <a:t> </a:t>
+            </a:r>
+          </a:p>
+        </p:txBody>
+      </p:sp>
+      <p:graphicFrame>
+        <p:nvGraphicFramePr>
+          <p:cNvPr id="11" name="think-cell data - do not delete" hidden="1">
+            <a:extLst>
+              <a:ext uri="{FF2B5EF4-FFF2-40B4-BE49-F238E27FC236}">
+                <a16:creationId xmlns:a16="http://schemas.microsoft.com/office/drawing/2014/main" id="{B55FA83D-5955-97B5-5836-B9FF29516F22}"/>
+              </a:ext>
+            </a:extLst>
+          </p:cNvPr>
+          <p:cNvGraphicFramePr>
+            <a:graphicFrameLocks noChangeAspect="1"/>
+          </p:cNvGraphicFramePr>
+          <p:nvPr>
+            <p:custDataLst>
+              <p:tags r:id="rId1"/>
+            </p:custDataLst>
+          </p:nvPr>
+        </p:nvGraphicFramePr>
+        <p:xfrm>
+          <a:off x="1588" y="1588"/>
+          <a:ext cx="1588" cy="1588"/>
+        </p:xfrm>
+        <a:graphic>
+          <a:graphicData uri="http://schemas.openxmlformats.org/presentationml/2006/ole">
+            <mc:AlternateContent xmlns:mc="http://schemas.openxmlformats.org/markup-compatibility/2006">
+              <mc:Choice xmlns:v="urn:schemas-microsoft-com:vml" Requires="v">
+                <p:oleObj name="think-cell Folie" r:id="rId5" imgW="261" imgH="257" progId="TCLayout.ActiveDocument.1">
+                  <p:embed/>
+                </p:oleObj>
+              </mc:Choice>
+              <mc:Fallback>
+                <p:oleObj name="think-cell Folie" r:id="rId5" imgW="261" imgH="257" progId="TCLayout.ActiveDocument.1">
+                  <p:embed/>
+                  <p:pic>
+                    <p:nvPicPr>
+                      <p:cNvPr id="11" name="think-cell data - do not delete" hidden="1">
+                        <a:extLst>
+                          <a:ext uri="{FF2B5EF4-FFF2-40B4-BE49-F238E27FC236}">
+                            <a16:creationId xmlns:a16="http://schemas.microsoft.com/office/drawing/2014/main" id="{B55FA83D-5955-97B5-5836-B9FF29516F22}"/>
+                          </a:ext>
+                        </a:extLst>
+                      </p:cNvPr>
+                      <p:cNvPicPr/>
+                      <p:nvPr/>
+                    </p:nvPicPr>
+                    <p:blipFill>
+                      <a:blip r:embed="rId6"/>
+                      <a:stretch>
+                        <a:fillRect/>
+                      </a:stretch>
+                    </p:blipFill>
+                    <p:spPr>
+                      <a:xfrm>
+                        <a:off x="1588" y="1588"/>
+                        <a:ext cx="1588" cy="1588"/>
+                      </a:xfrm>
+                      <a:prstGeom prst="rect">
+                        <a:avLst/>
+                      </a:prstGeom>
+                    </p:spPr>
+                  </p:pic>
+                </p:oleObj>
+              </mc:Fallback>
+            </mc:AlternateContent>
+          </a:graphicData>
+        </a:graphic>
+      </p:graphicFrame>
+      <p:sp>
+        <p:nvSpPr>
+          <p:cNvPr id="2" name="Title 1">
+            <a:extLst>
+              <a:ext uri="{FF2B5EF4-FFF2-40B4-BE49-F238E27FC236}">
+                <a16:creationId xmlns:a16="http://schemas.microsoft.com/office/drawing/2014/main" id="{1A8F14D4-F628-A155-86E0-5E17E4E5D7EA}"/>
+              </a:ext>
+            </a:extLst>
+          </p:cNvPr>
+          <p:cNvSpPr>
+            <a:spLocks noGrp="1"/>
+          </p:cNvSpPr>
+          <p:nvPr>
+            <p:ph type="title"/>
+          </p:nvPr>
+        </p:nvSpPr>
+        <p:spPr>
+          <a:xfrm>
+            <a:off x="442913" y="777875"/>
+            <a:ext cx="5181600" cy="387798"/>
+          </a:xfrm>
+        </p:spPr>
+        <p:txBody>
+          <a:bodyPr vert="horz">
+            <a:spAutoFit/>
+          </a:bodyPr>
+          <a:lstStyle/>
+          <a:p>
+            <a:r>
+              <a:rPr lang="de-CH" dirty="0" err="1"/>
+              <a:t>Our</a:t>
+            </a:r>
+            <a:r>
+              <a:rPr lang="de-CH" dirty="0"/>
+              <a:t> Solution</a:t>
+            </a:r>
+          </a:p>
+        </p:txBody>
+      </p:sp>
+      <p:sp>
+        <p:nvSpPr>
+          <p:cNvPr id="13" name="Text Placeholder 12">
+            <a:extLst>
+              <a:ext uri="{FF2B5EF4-FFF2-40B4-BE49-F238E27FC236}">
+                <a16:creationId xmlns:a16="http://schemas.microsoft.com/office/drawing/2014/main" id="{2124FDE3-52AB-5DFD-6C4E-C3C436E6D2D7}"/>
+              </a:ext>
+            </a:extLst>
+          </p:cNvPr>
+          <p:cNvSpPr>
+            <a:spLocks noGrp="1"/>
+          </p:cNvSpPr>
+          <p:nvPr>
+            <p:ph type="body" sz="quarter" idx="41"/>
+          </p:nvPr>
+        </p:nvSpPr>
+        <p:spPr>
+          <a:xfrm>
+            <a:off x="442913" y="434153"/>
+            <a:ext cx="5181996" cy="131574"/>
+          </a:xfrm>
+        </p:spPr>
+        <p:txBody>
+          <a:bodyPr/>
+          <a:lstStyle/>
+          <a:p>
+            <a:r>
+              <a:rPr lang="de-CH" dirty="0"/>
+              <a:t>Insert Chapter title</a:t>
+            </a:r>
+          </a:p>
+        </p:txBody>
+      </p:sp>
+      <p:sp>
+        <p:nvSpPr>
+          <p:cNvPr id="3" name="Slide Number Placeholder 2">
+            <a:extLst>
+              <a:ext uri="{FF2B5EF4-FFF2-40B4-BE49-F238E27FC236}">
+                <a16:creationId xmlns:a16="http://schemas.microsoft.com/office/drawing/2014/main" id="{10FE833C-67B8-DB42-D72F-DA890792FE80}"/>
+              </a:ext>
+            </a:extLst>
+          </p:cNvPr>
+          <p:cNvSpPr>
+            <a:spLocks noGrp="1"/>
+          </p:cNvSpPr>
+          <p:nvPr>
+            <p:ph type="sldNum" sz="quarter" idx="42"/>
+          </p:nvPr>
+        </p:nvSpPr>
+        <p:spPr>
+          <a:xfrm>
+            <a:off x="11620848" y="6285630"/>
+            <a:ext cx="128240" cy="138499"/>
+          </a:xfrm>
+        </p:spPr>
+        <p:txBody>
+          <a:bodyPr/>
+          <a:lstStyle/>
+          <a:p>
+            <a:fld id="{AC23F07A-CEC6-4CA8-9EF8-AC37F6E73B6A}" type="slidenum">
+              <a:rPr lang="de-CH" smtClean="0"/>
+              <a:pPr/>
+              <a:t>4</a:t>
+            </a:fld>
+            <a:endParaRPr lang="de-CH" dirty="0"/>
+          </a:p>
+        </p:txBody>
+      </p:sp>
+      <p:sp>
+        <p:nvSpPr>
+          <p:cNvPr id="14" name="Textfeld 13">
+            <a:extLst>
+              <a:ext uri="{FF2B5EF4-FFF2-40B4-BE49-F238E27FC236}">
+                <a16:creationId xmlns:a16="http://schemas.microsoft.com/office/drawing/2014/main" id="{5979E31E-C3E2-DF35-11B1-B05441AACC2B}"/>
+              </a:ext>
+            </a:extLst>
+          </p:cNvPr>
+          <p:cNvSpPr txBox="1"/>
+          <p:nvPr/>
+        </p:nvSpPr>
+        <p:spPr>
+          <a:xfrm>
+            <a:off x="217170" y="6766560"/>
+            <a:ext cx="65" cy="246221"/>
+          </a:xfrm>
+          <a:prstGeom prst="rect">
+            <a:avLst/>
+          </a:prstGeom>
+          <a:noFill/>
+        </p:spPr>
+        <p:txBody>
+          <a:bodyPr wrap="none" lIns="0" tIns="0" rIns="0" bIns="0" rtlCol="0">
+            <a:spAutoFit/>
+          </a:bodyPr>
+          <a:lstStyle/>
+          <a:p>
+            <a:pPr algn="l"/>
+            <a:endParaRPr lang="de-DE" sz="1600" dirty="0" err="1"/>
+          </a:p>
+        </p:txBody>
+      </p:sp>
+      <p:sp>
+        <p:nvSpPr>
+          <p:cNvPr id="4" name="Rechteck 3">
+            <a:extLst>
+              <a:ext uri="{FF2B5EF4-FFF2-40B4-BE49-F238E27FC236}">
+                <a16:creationId xmlns:a16="http://schemas.microsoft.com/office/drawing/2014/main" id="{C18E507F-D87E-DA75-068B-6614BF207A81}"/>
               </a:ext>
             </a:extLst>
           </p:cNvPr>
@@ -24762,10 +26127,40 @@
           </a:p>
         </p:txBody>
       </p:sp>
+      <p:pic>
+        <p:nvPicPr>
+          <p:cNvPr id="7" name="Grafik 6" descr="Ein Bild, das Grafiken, Schrift, Screenshot, Logo enthält.&#10;&#10;KI-generierte Inhalte können fehlerhaft sein.">
+            <a:extLst>
+              <a:ext uri="{FF2B5EF4-FFF2-40B4-BE49-F238E27FC236}">
+                <a16:creationId xmlns:a16="http://schemas.microsoft.com/office/drawing/2014/main" id="{4CBD9753-4799-DE62-76AF-6BD9CED6DA27}"/>
+              </a:ext>
+            </a:extLst>
+          </p:cNvPr>
+          <p:cNvPicPr>
+            <a:picLocks noChangeAspect="1"/>
+          </p:cNvPicPr>
+          <p:nvPr/>
+        </p:nvPicPr>
+        <p:blipFill>
+          <a:blip r:embed="rId7"/>
+          <a:stretch>
+            <a:fillRect/>
+          </a:stretch>
+        </p:blipFill>
+        <p:spPr>
+          <a:xfrm>
+            <a:off x="-217637" y="5704858"/>
+            <a:ext cx="2283124" cy="1522083"/>
+          </a:xfrm>
+          <a:prstGeom prst="rect">
+            <a:avLst/>
+          </a:prstGeom>
+        </p:spPr>
+      </p:pic>
     </p:spTree>
     <p:extLst>
       <p:ext uri="{BB962C8B-B14F-4D97-AF65-F5344CB8AC3E}">
-        <p14:creationId xmlns:p14="http://schemas.microsoft.com/office/powerpoint/2010/main" val="4054526119"/>
+        <p14:creationId xmlns:p14="http://schemas.microsoft.com/office/powerpoint/2010/main" val="739177708"/>
       </p:ext>
     </p:extLst>
   </p:cSld>
@@ -24775,7 +26170,7 @@
 </p:sld>
 </file>
 
-<file path=ppt/slides/slide4.xml><?xml version="1.0" encoding="utf-8"?>
+<file path=ppt/slides/slide5.xml><?xml version="1.0" encoding="utf-8"?>
 <p:sld xmlns:a="http://schemas.openxmlformats.org/drawingml/2006/main" xmlns:r="http://schemas.openxmlformats.org/officeDocument/2006/relationships" xmlns:p="http://schemas.openxmlformats.org/presentationml/2006/main">
   <p:cSld>
     <p:spTree>
@@ -24783,7 +26178,7 @@
         <p:cNvPr id="1" name="">
           <a:extLst>
             <a:ext uri="{FF2B5EF4-FFF2-40B4-BE49-F238E27FC236}">
-              <a16:creationId xmlns:a16="http://schemas.microsoft.com/office/drawing/2014/main" id="{8C5B6AE5-A3A6-C70D-6667-27EC61DD33DA}"/>
+              <a16:creationId xmlns:a16="http://schemas.microsoft.com/office/drawing/2014/main" id="{3589F7AF-926A-F994-3067-54DC38C7C620}"/>
             </a:ext>
           </a:extLst>
         </p:cNvPr>
@@ -24798,12 +26193,42 @@
           <a:chExt cx="0" cy="0"/>
         </a:xfrm>
       </p:grpSpPr>
+      <p:pic>
+        <p:nvPicPr>
+          <p:cNvPr id="5" name="Grafik 4" descr="Ein Bild, das Text, Screenshot, Software, Webseite enthält.&#10;&#10;KI-generierte Inhalte können fehlerhaft sein.">
+            <a:extLst>
+              <a:ext uri="{FF2B5EF4-FFF2-40B4-BE49-F238E27FC236}">
+                <a16:creationId xmlns:a16="http://schemas.microsoft.com/office/drawing/2014/main" id="{7EA624B4-0F84-4151-56BB-87677770B7EF}"/>
+              </a:ext>
+            </a:extLst>
+          </p:cNvPr>
+          <p:cNvPicPr>
+            <a:picLocks noChangeAspect="1"/>
+          </p:cNvPicPr>
+          <p:nvPr/>
+        </p:nvPicPr>
+        <p:blipFill>
+          <a:blip r:embed="rId4"/>
+          <a:stretch>
+            <a:fillRect/>
+          </a:stretch>
+        </p:blipFill>
+        <p:spPr>
+          <a:xfrm>
+            <a:off x="6096000" y="-6604"/>
+            <a:ext cx="12082981" cy="6864604"/>
+          </a:xfrm>
+          <a:prstGeom prst="rect">
+            <a:avLst/>
+          </a:prstGeom>
+        </p:spPr>
+      </p:pic>
       <p:graphicFrame>
         <p:nvGraphicFramePr>
-          <p:cNvPr id="33" name="think-cell data - do not delete" hidden="1">
-            <a:extLst>
-              <a:ext uri="{FF2B5EF4-FFF2-40B4-BE49-F238E27FC236}">
-                <a16:creationId xmlns:a16="http://schemas.microsoft.com/office/drawing/2014/main" id="{290CC52A-E54C-00C7-8A2F-98A24A96BA82}"/>
+          <p:cNvPr id="11" name="think-cell data - do not delete" hidden="1">
+            <a:extLst>
+              <a:ext uri="{FF2B5EF4-FFF2-40B4-BE49-F238E27FC236}">
+                <a16:creationId xmlns:a16="http://schemas.microsoft.com/office/drawing/2014/main" id="{AFF100B6-58EA-0D50-0CA1-8F6764433897}"/>
               </a:ext>
             </a:extLst>
           </p:cNvPr>
@@ -24824,19 +26249,19 @@
           <a:graphicData uri="http://schemas.openxmlformats.org/presentationml/2006/ole">
             <mc:AlternateContent xmlns:mc="http://schemas.openxmlformats.org/markup-compatibility/2006">
               <mc:Choice xmlns:v="urn:schemas-microsoft-com:vml" Requires="v">
-                <p:oleObj name="think-cell Folie" r:id="rId4" imgW="261" imgH="257" progId="TCLayout.ActiveDocument.1">
+                <p:oleObj name="think-cell Folie" r:id="rId5" imgW="261" imgH="257" progId="TCLayout.ActiveDocument.1">
                   <p:embed/>
                 </p:oleObj>
               </mc:Choice>
               <mc:Fallback>
-                <p:oleObj name="think-cell Folie" r:id="rId4" imgW="261" imgH="257" progId="TCLayout.ActiveDocument.1">
+                <p:oleObj name="think-cell Folie" r:id="rId5" imgW="261" imgH="257" progId="TCLayout.ActiveDocument.1">
                   <p:embed/>
                   <p:pic>
                     <p:nvPicPr>
-                      <p:cNvPr id="33" name="think-cell data - do not delete" hidden="1">
+                      <p:cNvPr id="11" name="think-cell data - do not delete" hidden="1">
                         <a:extLst>
                           <a:ext uri="{FF2B5EF4-FFF2-40B4-BE49-F238E27FC236}">
-                            <a16:creationId xmlns:a16="http://schemas.microsoft.com/office/drawing/2014/main" id="{290CC52A-E54C-00C7-8A2F-98A24A96BA82}"/>
+                            <a16:creationId xmlns:a16="http://schemas.microsoft.com/office/drawing/2014/main" id="{AFF100B6-58EA-0D50-0CA1-8F6764433897}"/>
                           </a:ext>
                         </a:extLst>
                       </p:cNvPr>
@@ -24844,7 +26269,7 @@
                       <p:nvPr/>
                     </p:nvPicPr>
                     <p:blipFill>
-                      <a:blip r:embed="rId5"/>
+                      <a:blip r:embed="rId6"/>
                       <a:stretch>
                         <a:fillRect/>
                       </a:stretch>
@@ -24870,7 +26295,7 @@
           <p:cNvPr id="2" name="Title 1">
             <a:extLst>
               <a:ext uri="{FF2B5EF4-FFF2-40B4-BE49-F238E27FC236}">
-                <a16:creationId xmlns:a16="http://schemas.microsoft.com/office/drawing/2014/main" id="{88A0675C-BBA6-E40F-9B28-98628BB81137}"/>
+                <a16:creationId xmlns:a16="http://schemas.microsoft.com/office/drawing/2014/main" id="{ABDFB20A-ADD6-66EB-1D65-A76B98C58714}"/>
               </a:ext>
             </a:extLst>
           </p:cNvPr>
@@ -24881,35 +26306,31 @@
             <p:ph type="title"/>
           </p:nvPr>
         </p:nvSpPr>
-        <p:spPr/>
-        <p:txBody>
-          <a:bodyPr vert="horz"/>
+        <p:spPr>
+          <a:xfrm>
+            <a:off x="442913" y="777875"/>
+            <a:ext cx="5181600" cy="387798"/>
+          </a:xfrm>
+        </p:spPr>
+        <p:txBody>
+          <a:bodyPr vert="horz">
+            <a:spAutoFit/>
+          </a:bodyPr>
           <a:lstStyle/>
           <a:p>
             <a:r>
-              <a:rPr lang="de-CH" dirty="0" err="1">
-                <a:cs typeface="Arial"/>
-              </a:rPr>
-              <a:t>Current</a:t>
-            </a:r>
-            <a:r>
-              <a:rPr lang="de-CH" dirty="0">
-                <a:cs typeface="Arial"/>
-              </a:rPr>
-              <a:t> Challenges</a:t>
-            </a:r>
-            <a:endParaRPr lang="de-CH" noProof="0" dirty="0">
-              <a:cs typeface="Arial" panose="020B0604020202020204" pitchFamily="34" charset="0"/>
-            </a:endParaRPr>
-          </a:p>
-        </p:txBody>
-      </p:sp>
-      <p:sp>
-        <p:nvSpPr>
-          <p:cNvPr id="22" name="Text Placeholder 21">
-            <a:extLst>
-              <a:ext uri="{FF2B5EF4-FFF2-40B4-BE49-F238E27FC236}">
-                <a16:creationId xmlns:a16="http://schemas.microsoft.com/office/drawing/2014/main" id="{7B4E09D4-FA09-A71A-412B-40D9EA5BC1C6}"/>
+              <a:rPr lang="de-CH" dirty="0"/>
+              <a:t>Demo</a:t>
+            </a:r>
+          </a:p>
+        </p:txBody>
+      </p:sp>
+      <p:sp>
+        <p:nvSpPr>
+          <p:cNvPr id="13" name="Text Placeholder 12">
+            <a:extLst>
+              <a:ext uri="{FF2B5EF4-FFF2-40B4-BE49-F238E27FC236}">
+                <a16:creationId xmlns:a16="http://schemas.microsoft.com/office/drawing/2014/main" id="{11298B82-E72E-7262-6A0E-B13CBB5937D8}"/>
               </a:ext>
             </a:extLst>
           </p:cNvPr>
@@ -24923,23 +26344,61 @@
         <p:spPr>
           <a:xfrm>
             <a:off x="442913" y="434153"/>
-            <a:ext cx="4972050" cy="131574"/>
+            <a:ext cx="5181996" cy="131574"/>
           </a:xfrm>
         </p:spPr>
         <p:txBody>
           <a:bodyPr/>
           <a:lstStyle/>
           <a:p>
-            <a:endParaRPr lang="en-US" dirty="0"/>
-          </a:p>
-        </p:txBody>
-      </p:sp>
-      <p:sp>
-        <p:nvSpPr>
-          <p:cNvPr id="3" name="Google Shape;620;g24c17b44892_0_185">
-            <a:extLst>
-              <a:ext uri="{FF2B5EF4-FFF2-40B4-BE49-F238E27FC236}">
-                <a16:creationId xmlns:a16="http://schemas.microsoft.com/office/drawing/2014/main" id="{7AB58997-44CF-E6AB-FB6A-F43441CF773D}"/>
+            <a:r>
+              <a:rPr lang="de-CH" dirty="0"/>
+              <a:t>Insert Chapter title</a:t>
+            </a:r>
+          </a:p>
+        </p:txBody>
+      </p:sp>
+      <p:sp>
+        <p:nvSpPr>
+          <p:cNvPr id="3" name="Slide Number Placeholder 2">
+            <a:extLst>
+              <a:ext uri="{FF2B5EF4-FFF2-40B4-BE49-F238E27FC236}">
+                <a16:creationId xmlns:a16="http://schemas.microsoft.com/office/drawing/2014/main" id="{0BE51290-7188-350E-AC36-91C93342930D}"/>
+              </a:ext>
+            </a:extLst>
+          </p:cNvPr>
+          <p:cNvSpPr>
+            <a:spLocks noGrp="1"/>
+          </p:cNvSpPr>
+          <p:nvPr>
+            <p:ph type="sldNum" sz="quarter" idx="42"/>
+          </p:nvPr>
+        </p:nvSpPr>
+        <p:spPr>
+          <a:xfrm>
+            <a:off x="11620848" y="6285630"/>
+            <a:ext cx="128240" cy="138499"/>
+          </a:xfrm>
+        </p:spPr>
+        <p:txBody>
+          <a:bodyPr/>
+          <a:lstStyle/>
+          <a:p>
+            <a:fld id="{AC23F07A-CEC6-4CA8-9EF8-AC37F6E73B6A}" type="slidenum">
+              <a:rPr lang="de-CH" smtClean="0"/>
+              <a:pPr/>
+              <a:t>5</a:t>
+            </a:fld>
+            <a:endParaRPr lang="de-CH" dirty="0"/>
+          </a:p>
+        </p:txBody>
+      </p:sp>
+      <p:sp>
+        <p:nvSpPr>
+          <p:cNvPr id="14" name="Textfeld 13">
+            <a:extLst>
+              <a:ext uri="{FF2B5EF4-FFF2-40B4-BE49-F238E27FC236}">
+                <a16:creationId xmlns:a16="http://schemas.microsoft.com/office/drawing/2014/main" id="{F7AE15E9-7B7D-2A81-999A-34DAE914B3C1}"/>
               </a:ext>
             </a:extLst>
           </p:cNvPr>
@@ -24948,1006 +26407,31 @@
         </p:nvSpPr>
         <p:spPr>
           <a:xfrm>
-            <a:off x="1916232" y="3780573"/>
-            <a:ext cx="2452620" cy="2298860"/>
+            <a:off x="217170" y="6766560"/>
+            <a:ext cx="65" cy="246221"/>
           </a:xfrm>
           <a:prstGeom prst="rect">
             <a:avLst/>
           </a:prstGeom>
           <a:noFill/>
-          <a:ln>
-            <a:noFill/>
-          </a:ln>
         </p:spPr>
         <p:txBody>
-          <a:bodyPr spcFirstLastPara="1" wrap="square" lIns="0" tIns="0" rIns="0" bIns="0" anchor="t" anchorCtr="0">
-            <a:noAutofit/>
+          <a:bodyPr wrap="none" lIns="0" tIns="0" rIns="0" bIns="0" rtlCol="0">
+            <a:spAutoFit/>
           </a:bodyPr>
           <a:lstStyle/>
           <a:p>
-            <a:pPr lvl="0" algn="ctr">
-              <a:lnSpc>
-                <a:spcPct val="100000"/>
-              </a:lnSpc>
-            </a:pPr>
-            <a:r>
-              <a:rPr lang="de-CH" sz="1600" dirty="0"/>
-              <a:t>Parallel </a:t>
-            </a:r>
-            <a:r>
-              <a:rPr lang="de-CH" sz="1600" dirty="0" err="1"/>
-              <a:t>procurement</a:t>
-            </a:r>
-            <a:r>
-              <a:rPr lang="de-CH" sz="1600" dirty="0"/>
-              <a:t> and </a:t>
-            </a:r>
-            <a:r>
-              <a:rPr lang="de-CH" sz="1600" dirty="0" err="1"/>
-              <a:t>storage</a:t>
-            </a:r>
-            <a:r>
-              <a:rPr lang="de-CH" sz="1600" dirty="0"/>
-              <a:t> </a:t>
-            </a:r>
-            <a:r>
-              <a:rPr lang="de-CH" sz="1600" dirty="0" err="1"/>
-              <a:t>across</a:t>
-            </a:r>
-            <a:r>
-              <a:rPr lang="de-CH" sz="1600" dirty="0"/>
-              <a:t> </a:t>
-            </a:r>
-            <a:r>
-              <a:rPr lang="de-CH" sz="1600" dirty="0" err="1"/>
-              <a:t>city</a:t>
-            </a:r>
-            <a:r>
-              <a:rPr lang="de-CH" sz="1600" dirty="0"/>
-              <a:t> </a:t>
-            </a:r>
-            <a:r>
-              <a:rPr lang="de-CH" sz="1600" dirty="0" err="1"/>
-              <a:t>actors</a:t>
-            </a:r>
-            <a:r>
-              <a:rPr lang="de-CH" sz="1600" dirty="0"/>
-              <a:t> </a:t>
-            </a:r>
-            <a:r>
-              <a:rPr lang="de-CH" sz="1600" dirty="0" err="1"/>
-              <a:t>lead</a:t>
-            </a:r>
-            <a:r>
-              <a:rPr lang="de-CH" sz="1600" dirty="0"/>
-              <a:t> </a:t>
-            </a:r>
-            <a:r>
-              <a:rPr lang="de-CH" sz="1600" dirty="0" err="1"/>
-              <a:t>to</a:t>
-            </a:r>
-            <a:r>
-              <a:rPr lang="de-CH" sz="1600" dirty="0"/>
-              <a:t> </a:t>
-            </a:r>
-            <a:r>
-              <a:rPr lang="de-CH" sz="1600" dirty="0" err="1"/>
-              <a:t>duplication</a:t>
-            </a:r>
-            <a:r>
-              <a:rPr lang="de-CH" sz="1600" dirty="0"/>
-              <a:t>, </a:t>
-            </a:r>
-            <a:r>
-              <a:rPr lang="de-CH" sz="1600" dirty="0" err="1"/>
-              <a:t>higher</a:t>
-            </a:r>
-            <a:r>
-              <a:rPr lang="de-CH" sz="1600" dirty="0"/>
-              <a:t> </a:t>
-            </a:r>
-            <a:r>
-              <a:rPr lang="de-CH" sz="1600" dirty="0" err="1"/>
-              <a:t>costs</a:t>
-            </a:r>
-            <a:r>
-              <a:rPr lang="de-CH" sz="1600" dirty="0"/>
-              <a:t>, slow </a:t>
-            </a:r>
-            <a:r>
-              <a:rPr lang="de-CH" sz="1600" dirty="0" err="1"/>
-              <a:t>coordination</a:t>
-            </a:r>
-            <a:r>
-              <a:rPr lang="de-CH" sz="1600" dirty="0"/>
-              <a:t>, and last-minute </a:t>
-            </a:r>
-            <a:r>
-              <a:rPr lang="de-CH" sz="1600" dirty="0" err="1"/>
-              <a:t>panic</a:t>
-            </a:r>
-            <a:r>
-              <a:rPr lang="de-CH" sz="1600" dirty="0"/>
-              <a:t> </a:t>
-            </a:r>
-            <a:r>
-              <a:rPr lang="de-CH" sz="1600" dirty="0" err="1"/>
-              <a:t>buying</a:t>
-            </a:r>
-            <a:r>
-              <a:rPr lang="de-CH" sz="1600" dirty="0"/>
-              <a:t>.</a:t>
-            </a:r>
-            <a:endParaRPr lang="en-US" sz="1600" dirty="0">
-              <a:latin typeface="Tenorite"/>
-            </a:endParaRPr>
-          </a:p>
-        </p:txBody>
-      </p:sp>
-      <p:sp>
-        <p:nvSpPr>
-          <p:cNvPr id="4" name="Google Shape;624;g24c17b44892_0_185">
-            <a:extLst>
-              <a:ext uri="{FF2B5EF4-FFF2-40B4-BE49-F238E27FC236}">
-                <a16:creationId xmlns:a16="http://schemas.microsoft.com/office/drawing/2014/main" id="{9234CAB7-18A6-DBE9-63B2-9EBFFCADBA12}"/>
-              </a:ext>
-            </a:extLst>
-          </p:cNvPr>
-          <p:cNvSpPr txBox="1"/>
-          <p:nvPr/>
-        </p:nvSpPr>
-        <p:spPr>
-          <a:xfrm>
-            <a:off x="4867377" y="3780573"/>
-            <a:ext cx="2452620" cy="2298860"/>
-          </a:xfrm>
-          <a:prstGeom prst="rect">
-            <a:avLst/>
-          </a:prstGeom>
-          <a:noFill/>
-          <a:ln>
-            <a:noFill/>
-          </a:ln>
-        </p:spPr>
-        <p:txBody>
-          <a:bodyPr spcFirstLastPara="1" wrap="square" lIns="0" tIns="0" rIns="0" bIns="0" anchor="t" anchorCtr="0">
-            <a:noAutofit/>
-          </a:bodyPr>
-          <a:lstStyle/>
-          <a:p>
-            <a:pPr lvl="0" algn="ctr">
-              <a:lnSpc>
-                <a:spcPct val="100000"/>
-              </a:lnSpc>
-            </a:pPr>
-            <a:r>
-              <a:rPr lang="de-CH" sz="1600" dirty="0"/>
-              <a:t>Crisis </a:t>
-            </a:r>
-            <a:r>
-              <a:rPr lang="de-CH" sz="1600" dirty="0" err="1"/>
-              <a:t>teams</a:t>
-            </a:r>
-            <a:r>
-              <a:rPr lang="de-CH" sz="1600" dirty="0"/>
-              <a:t> and </a:t>
-            </a:r>
-            <a:r>
-              <a:rPr lang="de-CH" sz="1600" dirty="0" err="1"/>
-              <a:t>logistics</a:t>
-            </a:r>
-            <a:r>
-              <a:rPr lang="de-CH" sz="1600" dirty="0"/>
-              <a:t> </a:t>
-            </a:r>
-            <a:r>
-              <a:rPr lang="de-CH" sz="1600" dirty="0" err="1"/>
-              <a:t>management</a:t>
-            </a:r>
-            <a:r>
-              <a:rPr lang="de-CH" sz="1600" dirty="0"/>
-              <a:t> all </a:t>
-            </a:r>
-            <a:r>
-              <a:rPr lang="de-CH" sz="1600" dirty="0" err="1"/>
-              <a:t>need</a:t>
-            </a:r>
-            <a:r>
-              <a:rPr lang="de-CH" sz="1600" dirty="0"/>
-              <a:t> </a:t>
-            </a:r>
-            <a:r>
-              <a:rPr lang="de-CH" sz="1600" dirty="0" err="1"/>
-              <a:t>the</a:t>
-            </a:r>
-            <a:r>
-              <a:rPr lang="de-CH" sz="1600" dirty="0"/>
-              <a:t> same </a:t>
-            </a:r>
-            <a:r>
-              <a:rPr lang="de-CH" sz="1600" dirty="0" err="1"/>
-              <a:t>emergency</a:t>
-            </a:r>
-            <a:r>
-              <a:rPr lang="de-CH" sz="1600" dirty="0"/>
-              <a:t> </a:t>
-            </a:r>
-            <a:r>
-              <a:rPr lang="de-CH" sz="1600" dirty="0" err="1"/>
-              <a:t>goods</a:t>
-            </a:r>
-            <a:r>
-              <a:rPr lang="de-CH" sz="1600" dirty="0"/>
-              <a:t> but lack a </a:t>
-            </a:r>
-            <a:r>
-              <a:rPr lang="de-CH" sz="1600" dirty="0" err="1"/>
-              <a:t>shared</a:t>
-            </a:r>
-            <a:r>
-              <a:rPr lang="de-CH" sz="1600" dirty="0"/>
-              <a:t> </a:t>
-            </a:r>
-            <a:r>
-              <a:rPr lang="de-CH" sz="1600" dirty="0" err="1"/>
-              <a:t>overview</a:t>
-            </a:r>
-            <a:r>
-              <a:rPr lang="de-CH" sz="1600" dirty="0"/>
-              <a:t>, </a:t>
-            </a:r>
-            <a:r>
-              <a:rPr lang="de-CH" sz="1600" dirty="0" err="1"/>
-              <a:t>which</a:t>
-            </a:r>
-            <a:r>
-              <a:rPr lang="de-CH" sz="1600" dirty="0"/>
-              <a:t> </a:t>
-            </a:r>
-            <a:r>
-              <a:rPr lang="de-CH" sz="1600" dirty="0" err="1"/>
-              <a:t>causes</a:t>
-            </a:r>
-            <a:r>
-              <a:rPr lang="de-CH" sz="1600" dirty="0"/>
-              <a:t> </a:t>
-            </a:r>
-            <a:r>
-              <a:rPr lang="de-CH" sz="1600" dirty="0" err="1"/>
-              <a:t>coordination</a:t>
-            </a:r>
-            <a:r>
-              <a:rPr lang="de-CH" sz="1600" dirty="0"/>
-              <a:t> </a:t>
-            </a:r>
-            <a:r>
-              <a:rPr lang="de-CH" sz="1600" dirty="0" err="1"/>
-              <a:t>gaps</a:t>
-            </a:r>
-            <a:r>
-              <a:rPr lang="de-CH" sz="1600" dirty="0"/>
-              <a:t>.</a:t>
-            </a:r>
-            <a:endParaRPr lang="en-US" sz="1600" dirty="0"/>
-          </a:p>
-        </p:txBody>
-      </p:sp>
-      <p:sp>
-        <p:nvSpPr>
-          <p:cNvPr id="5" name="Google Shape;628;g24c17b44892_0_185">
-            <a:extLst>
-              <a:ext uri="{FF2B5EF4-FFF2-40B4-BE49-F238E27FC236}">
-                <a16:creationId xmlns:a16="http://schemas.microsoft.com/office/drawing/2014/main" id="{35F61608-AA93-8A8C-905B-EA2E63428E81}"/>
-              </a:ext>
-            </a:extLst>
-          </p:cNvPr>
-          <p:cNvSpPr txBox="1"/>
-          <p:nvPr/>
-        </p:nvSpPr>
-        <p:spPr>
-          <a:xfrm>
-            <a:off x="7818522" y="3780573"/>
-            <a:ext cx="2452620" cy="2298860"/>
-          </a:xfrm>
-          <a:prstGeom prst="rect">
-            <a:avLst/>
-          </a:prstGeom>
-          <a:noFill/>
-          <a:ln>
-            <a:noFill/>
-          </a:ln>
-        </p:spPr>
-        <p:txBody>
-          <a:bodyPr spcFirstLastPara="1" wrap="square" lIns="0" tIns="0" rIns="0" bIns="0" anchor="t" anchorCtr="0">
-            <a:noAutofit/>
-          </a:bodyPr>
-          <a:lstStyle/>
-          <a:p>
-            <a:pPr lvl="0" algn="ctr">
-              <a:lnSpc>
-                <a:spcPct val="100000"/>
-              </a:lnSpc>
-            </a:pPr>
-            <a:r>
-              <a:rPr lang="de-CH" sz="1600" dirty="0" err="1"/>
-              <a:t>During</a:t>
-            </a:r>
-            <a:r>
-              <a:rPr lang="de-CH" sz="1600" dirty="0"/>
-              <a:t> a </a:t>
-            </a:r>
-            <a:r>
-              <a:rPr lang="de-CH" sz="1600" dirty="0" err="1"/>
-              <a:t>refugee</a:t>
-            </a:r>
-            <a:r>
-              <a:rPr lang="de-CH" sz="1600" dirty="0"/>
-              <a:t> </a:t>
-            </a:r>
-            <a:r>
-              <a:rPr lang="de-CH" sz="1600" dirty="0" err="1"/>
-              <a:t>influx</a:t>
-            </a:r>
-            <a:r>
-              <a:rPr lang="de-CH" sz="1600" dirty="0"/>
-              <a:t>, </a:t>
-            </a:r>
-            <a:r>
-              <a:rPr lang="de-CH" sz="1600" dirty="0" err="1"/>
-              <a:t>arrivals</a:t>
-            </a:r>
-            <a:r>
-              <a:rPr lang="de-CH" sz="1600" dirty="0"/>
-              <a:t> </a:t>
-            </a:r>
-            <a:r>
-              <a:rPr lang="de-CH" sz="1600" dirty="0" err="1"/>
-              <a:t>can</a:t>
-            </a:r>
-            <a:r>
-              <a:rPr lang="de-CH" sz="1600" dirty="0"/>
-              <a:t> </a:t>
-            </a:r>
-            <a:r>
-              <a:rPr lang="de-CH" sz="1600" dirty="0" err="1"/>
-              <a:t>spike</a:t>
-            </a:r>
-            <a:r>
-              <a:rPr lang="de-CH" sz="1600" dirty="0"/>
-              <a:t> </a:t>
-            </a:r>
-            <a:r>
-              <a:rPr lang="de-CH" sz="1600" dirty="0" err="1"/>
-              <a:t>overnight</a:t>
-            </a:r>
-            <a:r>
-              <a:rPr lang="de-CH" sz="1600" dirty="0"/>
-              <a:t>. Needs </a:t>
-            </a:r>
-            <a:r>
-              <a:rPr lang="de-CH" sz="1600" dirty="0" err="1"/>
-              <a:t>are</a:t>
-            </a:r>
-            <a:r>
-              <a:rPr lang="de-CH" sz="1600" dirty="0"/>
-              <a:t> </a:t>
-            </a:r>
-            <a:r>
-              <a:rPr lang="de-CH" sz="1600" dirty="0" err="1"/>
-              <a:t>unpredictable</a:t>
-            </a:r>
-            <a:r>
-              <a:rPr lang="de-CH" sz="1600" dirty="0"/>
-              <a:t>, </a:t>
-            </a:r>
-            <a:r>
-              <a:rPr lang="de-CH" sz="1600" dirty="0" err="1"/>
-              <a:t>information</a:t>
-            </a:r>
-            <a:r>
-              <a:rPr lang="de-CH" sz="1600" dirty="0"/>
-              <a:t> </a:t>
-            </a:r>
-            <a:r>
-              <a:rPr lang="de-CH" sz="1600" dirty="0" err="1"/>
-              <a:t>is</a:t>
-            </a:r>
-            <a:r>
-              <a:rPr lang="de-CH" sz="1600" dirty="0"/>
-              <a:t> </a:t>
-            </a:r>
-            <a:r>
-              <a:rPr lang="de-CH" sz="1600" dirty="0" err="1"/>
-              <a:t>fragmented</a:t>
-            </a:r>
-            <a:r>
-              <a:rPr lang="de-CH" sz="1600" dirty="0"/>
-              <a:t>, and </a:t>
-            </a:r>
-            <a:r>
-              <a:rPr lang="de-CH" sz="1600" dirty="0" err="1"/>
-              <a:t>setup</a:t>
-            </a:r>
-            <a:r>
-              <a:rPr lang="de-CH" sz="1600" dirty="0"/>
-              <a:t> </a:t>
-            </a:r>
-            <a:r>
-              <a:rPr lang="de-CH" sz="1600" dirty="0" err="1"/>
-              <a:t>of</a:t>
-            </a:r>
-            <a:r>
-              <a:rPr lang="de-CH" sz="1600" dirty="0"/>
-              <a:t> </a:t>
-            </a:r>
-            <a:r>
-              <a:rPr lang="de-CH" sz="1600" dirty="0" err="1"/>
-              <a:t>temporary</a:t>
-            </a:r>
-            <a:r>
-              <a:rPr lang="de-CH" sz="1600" dirty="0"/>
-              <a:t> </a:t>
-            </a:r>
-            <a:r>
-              <a:rPr lang="de-CH" sz="1600" dirty="0" err="1"/>
-              <a:t>housing</a:t>
-            </a:r>
-            <a:r>
-              <a:rPr lang="de-CH" sz="1600" dirty="0"/>
-              <a:t> </a:t>
-            </a:r>
-            <a:r>
-              <a:rPr lang="de-CH" sz="1600" dirty="0" err="1"/>
-              <a:t>is</a:t>
-            </a:r>
-            <a:r>
-              <a:rPr lang="de-CH" sz="1600" dirty="0"/>
-              <a:t> </a:t>
-            </a:r>
-            <a:r>
-              <a:rPr lang="de-CH" sz="1600" dirty="0" err="1"/>
-              <a:t>delayed</a:t>
-            </a:r>
-            <a:r>
-              <a:rPr lang="de-CH" sz="1600" dirty="0"/>
-              <a:t>.</a:t>
-            </a:r>
-            <a:endParaRPr lang="en-US" sz="1600" dirty="0"/>
-          </a:p>
-        </p:txBody>
-      </p:sp>
-      <p:sp>
-        <p:nvSpPr>
-          <p:cNvPr id="7" name="Google Shape;621;g24c17b44892_0_185">
-            <a:extLst>
-              <a:ext uri="{FF2B5EF4-FFF2-40B4-BE49-F238E27FC236}">
-                <a16:creationId xmlns:a16="http://schemas.microsoft.com/office/drawing/2014/main" id="{B029CA3A-6D3C-6EFC-FA53-1DF1FB1A6B53}"/>
-              </a:ext>
-            </a:extLst>
-          </p:cNvPr>
-          <p:cNvSpPr/>
-          <p:nvPr/>
-        </p:nvSpPr>
-        <p:spPr>
-          <a:xfrm>
-            <a:off x="1916232" y="3174004"/>
-            <a:ext cx="2452620" cy="522722"/>
-          </a:xfrm>
-          <a:prstGeom prst="rect">
-            <a:avLst/>
-          </a:prstGeom>
-          <a:noFill/>
-          <a:ln>
-            <a:noFill/>
-          </a:ln>
-        </p:spPr>
-        <p:txBody>
-          <a:bodyPr spcFirstLastPara="1" wrap="square" lIns="91425" tIns="45700" rIns="91425" bIns="45700" anchor="ctr" anchorCtr="0">
-            <a:noAutofit/>
-          </a:bodyPr>
-          <a:lstStyle/>
-          <a:p>
-            <a:pPr algn="ctr">
-              <a:lnSpc>
-                <a:spcPct val="95000"/>
-              </a:lnSpc>
-              <a:buClr>
-                <a:srgbClr val="000000"/>
-              </a:buClr>
-              <a:buSzPts val="300"/>
-              <a:defRPr/>
-            </a:pPr>
-            <a:r>
-              <a:rPr lang="de-CH" sz="1600" b="1" dirty="0" err="1">
-                <a:solidFill>
-                  <a:srgbClr val="000000"/>
-                </a:solidFill>
-                <a:latin typeface="Arial"/>
-                <a:ea typeface="Verdana"/>
-                <a:cs typeface="Verdana"/>
-                <a:sym typeface="Verdana"/>
-              </a:rPr>
-              <a:t>Fragmented</a:t>
-            </a:r>
-            <a:r>
-              <a:rPr lang="de-CH" sz="1600" b="1" dirty="0">
-                <a:solidFill>
-                  <a:srgbClr val="000000"/>
-                </a:solidFill>
-                <a:latin typeface="Arial"/>
-                <a:ea typeface="Verdana"/>
-                <a:cs typeface="Verdana"/>
-                <a:sym typeface="Verdana"/>
-              </a:rPr>
-              <a:t> </a:t>
-            </a:r>
-            <a:r>
-              <a:rPr lang="de-CH" sz="1600" b="1" dirty="0" err="1">
-                <a:solidFill>
-                  <a:srgbClr val="000000"/>
-                </a:solidFill>
-                <a:latin typeface="Arial"/>
-                <a:ea typeface="Verdana"/>
-                <a:cs typeface="Verdana"/>
-                <a:sym typeface="Verdana"/>
-              </a:rPr>
-              <a:t>Procurement</a:t>
-            </a:r>
-            <a:endParaRPr lang="de-CH" sz="1600" b="1" i="0" u="none" strike="noStrike" kern="1200" cap="none" spc="0" normalizeH="0" baseline="0" noProof="0" dirty="0">
-              <a:ln>
-                <a:noFill/>
-              </a:ln>
-              <a:solidFill>
-                <a:srgbClr val="000000"/>
-              </a:solidFill>
-              <a:effectLst/>
-              <a:uLnTx/>
-              <a:uFillTx/>
-              <a:latin typeface="Arial"/>
-              <a:ea typeface="Verdana"/>
-              <a:cs typeface="Verdana"/>
-            </a:endParaRPr>
-          </a:p>
-        </p:txBody>
-      </p:sp>
-      <p:sp>
-        <p:nvSpPr>
-          <p:cNvPr id="8" name="Google Shape;625;g24c17b44892_0_185">
-            <a:extLst>
-              <a:ext uri="{FF2B5EF4-FFF2-40B4-BE49-F238E27FC236}">
-                <a16:creationId xmlns:a16="http://schemas.microsoft.com/office/drawing/2014/main" id="{EA28BDB8-7B59-848C-8034-CF2EB0289559}"/>
-              </a:ext>
-            </a:extLst>
-          </p:cNvPr>
-          <p:cNvSpPr/>
-          <p:nvPr/>
-        </p:nvSpPr>
-        <p:spPr>
-          <a:xfrm>
-            <a:off x="4867377" y="3174004"/>
-            <a:ext cx="2452620" cy="522722"/>
-          </a:xfrm>
-          <a:prstGeom prst="rect">
-            <a:avLst/>
-          </a:prstGeom>
-          <a:noFill/>
-          <a:ln>
-            <a:noFill/>
-          </a:ln>
-        </p:spPr>
-        <p:txBody>
-          <a:bodyPr spcFirstLastPara="1" wrap="square" lIns="91425" tIns="45700" rIns="91425" bIns="45700" anchor="ctr" anchorCtr="0">
-            <a:noAutofit/>
-          </a:bodyPr>
-          <a:lstStyle/>
-          <a:p>
-            <a:pPr algn="ctr">
-              <a:lnSpc>
-                <a:spcPct val="95000"/>
-              </a:lnSpc>
-              <a:defRPr/>
-            </a:pPr>
-            <a:r>
-              <a:rPr lang="de-CH" sz="1600" b="1" dirty="0" err="1">
-                <a:ea typeface="Verdana"/>
-                <a:cs typeface="Arial"/>
-              </a:rPr>
-              <a:t>Disconnected</a:t>
-            </a:r>
-            <a:r>
-              <a:rPr lang="de-CH" sz="1600" b="1" dirty="0">
-                <a:ea typeface="Verdana"/>
-                <a:cs typeface="Arial"/>
-              </a:rPr>
-              <a:t> </a:t>
-            </a:r>
-            <a:r>
-              <a:rPr lang="de-CH" sz="1600" b="1" dirty="0" err="1">
-                <a:ea typeface="Verdana"/>
-                <a:cs typeface="Arial"/>
-              </a:rPr>
-              <a:t>Logistics</a:t>
-            </a:r>
-            <a:endParaRPr lang="de-CH" sz="1600" b="1" dirty="0">
-              <a:ea typeface="Verdana"/>
-              <a:cs typeface="Arial"/>
-            </a:endParaRPr>
-          </a:p>
-        </p:txBody>
-      </p:sp>
-      <p:sp>
-        <p:nvSpPr>
-          <p:cNvPr id="9" name="Google Shape;629;g24c17b44892_0_185">
-            <a:extLst>
-              <a:ext uri="{FF2B5EF4-FFF2-40B4-BE49-F238E27FC236}">
-                <a16:creationId xmlns:a16="http://schemas.microsoft.com/office/drawing/2014/main" id="{EEDC8059-8C6F-4DFC-428D-388C9B2E5BE2}"/>
-              </a:ext>
-            </a:extLst>
-          </p:cNvPr>
-          <p:cNvSpPr/>
-          <p:nvPr/>
-        </p:nvSpPr>
-        <p:spPr>
-          <a:xfrm>
-            <a:off x="7818522" y="3174004"/>
-            <a:ext cx="2452620" cy="522722"/>
-          </a:xfrm>
-          <a:prstGeom prst="rect">
-            <a:avLst/>
-          </a:prstGeom>
-          <a:noFill/>
-          <a:ln>
-            <a:noFill/>
-          </a:ln>
-        </p:spPr>
-        <p:txBody>
-          <a:bodyPr spcFirstLastPara="1" wrap="square" lIns="91425" tIns="45700" rIns="91425" bIns="45700" anchor="ctr" anchorCtr="0">
-            <a:noAutofit/>
-          </a:bodyPr>
-          <a:lstStyle/>
-          <a:p>
-            <a:pPr algn="ctr">
-              <a:lnSpc>
-                <a:spcPct val="95000"/>
-              </a:lnSpc>
-              <a:defRPr/>
-            </a:pPr>
-            <a:r>
-              <a:rPr lang="de-CH" sz="1600" b="1" dirty="0" err="1">
-                <a:solidFill>
-                  <a:srgbClr val="000000"/>
-                </a:solidFill>
-                <a:latin typeface="Arial"/>
-                <a:ea typeface="Verdana"/>
-                <a:sym typeface="Verdana"/>
-              </a:rPr>
-              <a:t>Reactive</a:t>
-            </a:r>
-            <a:r>
-              <a:rPr lang="de-CH" sz="1600" b="1" dirty="0">
-                <a:solidFill>
-                  <a:srgbClr val="000000"/>
-                </a:solidFill>
-                <a:latin typeface="Arial"/>
-                <a:ea typeface="Verdana"/>
-                <a:sym typeface="Verdana"/>
-              </a:rPr>
-              <a:t>, not </a:t>
-            </a:r>
-            <a:r>
-              <a:rPr lang="de-CH" sz="1600" b="1" dirty="0" err="1">
-                <a:solidFill>
-                  <a:srgbClr val="000000"/>
-                </a:solidFill>
-                <a:latin typeface="Arial"/>
-                <a:ea typeface="Verdana"/>
-                <a:sym typeface="Verdana"/>
-              </a:rPr>
-              <a:t>prepared</a:t>
-            </a:r>
-            <a:endParaRPr lang="en-US" dirty="0"/>
-          </a:p>
-        </p:txBody>
-      </p:sp>
-      <p:grpSp>
-        <p:nvGrpSpPr>
-          <p:cNvPr id="31" name="Group 30">
-            <a:extLst>
-              <a:ext uri="{FF2B5EF4-FFF2-40B4-BE49-F238E27FC236}">
-                <a16:creationId xmlns:a16="http://schemas.microsoft.com/office/drawing/2014/main" id="{70690A57-EFA8-8976-B656-93C37C4C5B51}"/>
-              </a:ext>
-            </a:extLst>
-          </p:cNvPr>
-          <p:cNvGrpSpPr/>
-          <p:nvPr/>
-        </p:nvGrpSpPr>
-        <p:grpSpPr>
-          <a:xfrm>
-            <a:off x="2555073" y="1794771"/>
-            <a:ext cx="7077230" cy="1174941"/>
-            <a:chOff x="1081873" y="1674110"/>
-            <a:chExt cx="7077230" cy="1174941"/>
-          </a:xfrm>
-        </p:grpSpPr>
-        <p:cxnSp>
-          <p:nvCxnSpPr>
-            <p:cNvPr id="11" name="Straight Arrow Connector 10">
-              <a:extLst>
-                <a:ext uri="{FF2B5EF4-FFF2-40B4-BE49-F238E27FC236}">
-                  <a16:creationId xmlns:a16="http://schemas.microsoft.com/office/drawing/2014/main" id="{CECEE55F-9FAD-FC36-5FF3-4ED125ED895A}"/>
-                </a:ext>
-              </a:extLst>
-            </p:cNvPr>
-            <p:cNvCxnSpPr>
-              <a:cxnSpLocks/>
-            </p:cNvCxnSpPr>
-            <p:nvPr/>
-          </p:nvCxnSpPr>
-          <p:spPr>
-            <a:xfrm flipH="1">
-              <a:off x="1100685" y="2261581"/>
-              <a:ext cx="7006250" cy="0"/>
-            </a:xfrm>
-            <a:prstGeom prst="straightConnector1">
-              <a:avLst/>
-            </a:prstGeom>
-            <a:ln w="12700">
-              <a:solidFill>
-                <a:schemeClr val="tx1"/>
-              </a:solidFill>
-              <a:tailEnd type="none"/>
-            </a:ln>
-          </p:spPr>
-          <p:style>
-            <a:lnRef idx="2">
-              <a:schemeClr val="accent1"/>
-            </a:lnRef>
-            <a:fillRef idx="0">
-              <a:schemeClr val="accent1"/>
-            </a:fillRef>
-            <a:effectRef idx="1">
-              <a:schemeClr val="accent1"/>
-            </a:effectRef>
-            <a:fontRef idx="minor">
-              <a:schemeClr val="tx1"/>
-            </a:fontRef>
-          </p:style>
-        </p:cxnSp>
-        <p:sp>
-          <p:nvSpPr>
-            <p:cNvPr id="12" name="Google Shape;618;g24c17b44892_0_185">
-              <a:extLst>
-                <a:ext uri="{FF2B5EF4-FFF2-40B4-BE49-F238E27FC236}">
-                  <a16:creationId xmlns:a16="http://schemas.microsoft.com/office/drawing/2014/main" id="{90737217-3D29-8475-4ED8-4685C17033D3}"/>
-                </a:ext>
-              </a:extLst>
-            </p:cNvPr>
-            <p:cNvSpPr/>
-            <p:nvPr/>
-          </p:nvSpPr>
-          <p:spPr>
-            <a:xfrm>
-              <a:off x="1081873" y="1674110"/>
-              <a:ext cx="1174941" cy="1174941"/>
-            </a:xfrm>
-            <a:prstGeom prst="ellipse">
-              <a:avLst/>
-            </a:prstGeom>
-            <a:solidFill>
-              <a:schemeClr val="accent5"/>
-            </a:solidFill>
-            <a:ln w="38100" cap="flat" cmpd="sng">
-              <a:solidFill>
-                <a:schemeClr val="bg1"/>
-              </a:solidFill>
-              <a:prstDash val="solid"/>
-              <a:round/>
-              <a:headEnd type="none" w="sm" len="sm"/>
-              <a:tailEnd type="none" w="sm" len="sm"/>
-            </a:ln>
-          </p:spPr>
-          <p:txBody>
-            <a:bodyPr spcFirstLastPara="1" wrap="square" lIns="59984" tIns="29983" rIns="59984" bIns="29983" anchor="ctr" anchorCtr="1">
-              <a:noAutofit/>
-            </a:bodyPr>
-            <a:lstStyle/>
-            <a:p>
-              <a:pPr marL="0" marR="0" lvl="0" indent="0" algn="ctr" defTabSz="914400" eaLnBrk="1" fontAlgn="auto" latinLnBrk="0" hangingPunct="1">
-                <a:lnSpc>
-                  <a:spcPct val="100000"/>
-                </a:lnSpc>
-                <a:spcBef>
-                  <a:spcPts val="0"/>
-                </a:spcBef>
-                <a:spcAft>
-                  <a:spcPts val="0"/>
-                </a:spcAft>
-                <a:buClr>
-                  <a:srgbClr val="000000"/>
-                </a:buClr>
-                <a:buSzPts val="1200"/>
-                <a:buFont typeface="Arial"/>
-                <a:buNone/>
-                <a:tabLst/>
-                <a:defRPr/>
-              </a:pPr>
-              <a:endParaRPr kumimoji="0" lang="de-CH" sz="1800" b="0" i="0" u="none" strike="noStrike" kern="1200" cap="none" spc="0" normalizeH="0" baseline="0" noProof="0">
-                <a:ln>
-                  <a:noFill/>
-                </a:ln>
-                <a:solidFill>
-                  <a:srgbClr val="FFFFFF"/>
-                </a:solidFill>
-                <a:effectLst/>
-                <a:uLnTx/>
-                <a:uFillTx/>
-                <a:latin typeface="Arial"/>
-                <a:ea typeface="Calibri"/>
-                <a:cs typeface="Calibri"/>
-                <a:sym typeface="Calibri"/>
-              </a:endParaRPr>
-            </a:p>
-          </p:txBody>
-        </p:sp>
-        <p:sp>
-          <p:nvSpPr>
-            <p:cNvPr id="14" name="Google Shape;622;g24c17b44892_0_185">
-              <a:extLst>
-                <a:ext uri="{FF2B5EF4-FFF2-40B4-BE49-F238E27FC236}">
-                  <a16:creationId xmlns:a16="http://schemas.microsoft.com/office/drawing/2014/main" id="{324BF21E-20D2-A973-273D-3E4D4FE310B0}"/>
-                </a:ext>
-              </a:extLst>
-            </p:cNvPr>
-            <p:cNvSpPr/>
-            <p:nvPr/>
-          </p:nvSpPr>
-          <p:spPr>
-            <a:xfrm>
-              <a:off x="4033017" y="1674110"/>
-              <a:ext cx="1174941" cy="1174941"/>
-            </a:xfrm>
-            <a:prstGeom prst="ellipse">
-              <a:avLst/>
-            </a:prstGeom>
-            <a:solidFill>
-              <a:schemeClr val="accent5"/>
-            </a:solidFill>
-            <a:ln w="38100" cap="flat" cmpd="sng">
-              <a:solidFill>
-                <a:schemeClr val="bg1"/>
-              </a:solidFill>
-              <a:prstDash val="solid"/>
-              <a:round/>
-              <a:headEnd type="none" w="sm" len="sm"/>
-              <a:tailEnd type="none" w="sm" len="sm"/>
-            </a:ln>
-          </p:spPr>
-          <p:txBody>
-            <a:bodyPr spcFirstLastPara="1" wrap="square" lIns="59984" tIns="29983" rIns="59984" bIns="29983" anchor="ctr" anchorCtr="1">
-              <a:noAutofit/>
-            </a:bodyPr>
-            <a:lstStyle/>
-            <a:p>
-              <a:pPr marL="0" marR="0" lvl="0" indent="0" algn="ctr" defTabSz="914400" eaLnBrk="1" fontAlgn="auto" latinLnBrk="0" hangingPunct="1">
-                <a:lnSpc>
-                  <a:spcPct val="100000"/>
-                </a:lnSpc>
-                <a:spcBef>
-                  <a:spcPts val="0"/>
-                </a:spcBef>
-                <a:spcAft>
-                  <a:spcPts val="0"/>
-                </a:spcAft>
-                <a:buClr>
-                  <a:srgbClr val="000000"/>
-                </a:buClr>
-                <a:buSzPts val="1200"/>
-                <a:buFont typeface="Arial"/>
-                <a:buNone/>
-                <a:tabLst/>
-                <a:defRPr/>
-              </a:pPr>
-              <a:endParaRPr kumimoji="0" lang="de-CH" sz="1800" b="0" i="0" u="none" strike="noStrike" kern="1200" cap="none" spc="0" normalizeH="0" baseline="0" noProof="0" dirty="0">
-                <a:ln>
-                  <a:noFill/>
-                </a:ln>
-                <a:solidFill>
-                  <a:srgbClr val="FFFFFF"/>
-                </a:solidFill>
-                <a:effectLst/>
-                <a:uLnTx/>
-                <a:uFillTx/>
-                <a:latin typeface="Arial"/>
-                <a:ea typeface="Calibri"/>
-                <a:cs typeface="Calibri"/>
-                <a:sym typeface="Calibri"/>
-              </a:endParaRPr>
-            </a:p>
-          </p:txBody>
-        </p:sp>
-        <p:sp>
-          <p:nvSpPr>
-            <p:cNvPr id="15" name="Google Shape;626;g24c17b44892_0_185">
-              <a:extLst>
-                <a:ext uri="{FF2B5EF4-FFF2-40B4-BE49-F238E27FC236}">
-                  <a16:creationId xmlns:a16="http://schemas.microsoft.com/office/drawing/2014/main" id="{4166EC43-98E0-6597-2F33-6D78D318D769}"/>
-                </a:ext>
-              </a:extLst>
-            </p:cNvPr>
-            <p:cNvSpPr/>
-            <p:nvPr/>
-          </p:nvSpPr>
-          <p:spPr>
-            <a:xfrm>
-              <a:off x="6984162" y="1674110"/>
-              <a:ext cx="1174941" cy="1174941"/>
-            </a:xfrm>
-            <a:prstGeom prst="ellipse">
-              <a:avLst/>
-            </a:prstGeom>
-            <a:solidFill>
-              <a:schemeClr val="accent5"/>
-            </a:solidFill>
-            <a:ln w="38100" cap="flat" cmpd="sng">
-              <a:solidFill>
-                <a:schemeClr val="bg1"/>
-              </a:solidFill>
-              <a:prstDash val="solid"/>
-              <a:round/>
-              <a:headEnd type="none" w="sm" len="sm"/>
-              <a:tailEnd type="none" w="sm" len="sm"/>
-            </a:ln>
-          </p:spPr>
-          <p:txBody>
-            <a:bodyPr spcFirstLastPara="1" wrap="square" lIns="59984" tIns="29983" rIns="59984" bIns="29983" anchor="ctr" anchorCtr="1">
-              <a:noAutofit/>
-            </a:bodyPr>
-            <a:lstStyle/>
-            <a:p>
-              <a:pPr marL="0" marR="0" lvl="0" indent="0" algn="ctr" defTabSz="914400" eaLnBrk="1" fontAlgn="auto" latinLnBrk="0" hangingPunct="1">
-                <a:lnSpc>
-                  <a:spcPct val="100000"/>
-                </a:lnSpc>
-                <a:spcBef>
-                  <a:spcPts val="0"/>
-                </a:spcBef>
-                <a:spcAft>
-                  <a:spcPts val="0"/>
-                </a:spcAft>
-                <a:buClr>
-                  <a:srgbClr val="000000"/>
-                </a:buClr>
-                <a:buSzPts val="1200"/>
-                <a:buFont typeface="Arial"/>
-                <a:buNone/>
-                <a:tabLst/>
-                <a:defRPr/>
-              </a:pPr>
-              <a:endParaRPr kumimoji="0" lang="de-CH" sz="1800" b="0" i="0" u="none" strike="noStrike" kern="1200" cap="none" spc="0" normalizeH="0" baseline="0" noProof="0" dirty="0">
-                <a:ln>
-                  <a:noFill/>
-                </a:ln>
-                <a:solidFill>
-                  <a:srgbClr val="FFFFFF"/>
-                </a:solidFill>
-                <a:effectLst/>
-                <a:uLnTx/>
-                <a:uFillTx/>
-                <a:latin typeface="Arial"/>
-                <a:ea typeface="Calibri"/>
-                <a:cs typeface="Calibri"/>
-                <a:sym typeface="Calibri"/>
-              </a:endParaRPr>
-            </a:p>
-          </p:txBody>
-        </p:sp>
-      </p:grpSp>
-      <p:sp>
-        <p:nvSpPr>
-          <p:cNvPr id="28" name="Slide Number Placeholder 27">
-            <a:extLst>
-              <a:ext uri="{FF2B5EF4-FFF2-40B4-BE49-F238E27FC236}">
-                <a16:creationId xmlns:a16="http://schemas.microsoft.com/office/drawing/2014/main" id="{B638957B-94E4-D65D-E100-70DA89CE2944}"/>
+            <a:pPr algn="l"/>
+            <a:endParaRPr lang="de-DE" sz="1600" dirty="0" err="1"/>
+          </a:p>
+        </p:txBody>
+      </p:sp>
+      <p:sp>
+        <p:nvSpPr>
+          <p:cNvPr id="7" name="Textplatzhalter 6">
+            <a:extLst>
+              <a:ext uri="{FF2B5EF4-FFF2-40B4-BE49-F238E27FC236}">
+                <a16:creationId xmlns:a16="http://schemas.microsoft.com/office/drawing/2014/main" id="{F4963494-3E8B-9676-7B0B-921EF4A79765}"/>
               </a:ext>
             </a:extLst>
           </p:cNvPr>
@@ -25955,142 +26439,24 @@
             <a:spLocks noGrp="1"/>
           </p:cNvSpPr>
           <p:nvPr>
-            <p:ph type="sldNum" sz="quarter" idx="42"/>
-          </p:nvPr>
-        </p:nvSpPr>
-        <p:spPr>
-          <a:xfrm>
-            <a:off x="11556728" y="6285630"/>
-            <a:ext cx="192360" cy="138499"/>
-          </a:xfrm>
-        </p:spPr>
+            <p:ph type="body" sz="quarter" idx="14"/>
+          </p:nvPr>
+        </p:nvSpPr>
+        <p:spPr/>
         <p:txBody>
           <a:bodyPr/>
           <a:lstStyle/>
           <a:p>
-            <a:fld id="{AC23F07A-CEC6-4CA8-9EF8-AC37F6E73B6A}" type="slidenum">
-              <a:rPr lang="de-CH" smtClean="0"/>
-              <a:pPr/>
-              <a:t>4</a:t>
-            </a:fld>
-            <a:endParaRPr lang="de-CH"/>
-          </a:p>
-        </p:txBody>
-      </p:sp>
-      <p:pic>
-        <p:nvPicPr>
-          <p:cNvPr id="6" name="Graphic 265" descr="Lightning with solid fill">
-            <a:extLst>
-              <a:ext uri="{FF2B5EF4-FFF2-40B4-BE49-F238E27FC236}">
-                <a16:creationId xmlns:a16="http://schemas.microsoft.com/office/drawing/2014/main" id="{73D8A727-ED3A-49D9-E52C-BE92AC0EF053}"/>
-              </a:ext>
-            </a:extLst>
-          </p:cNvPr>
-          <p:cNvPicPr>
-            <a:picLocks noChangeAspect="1"/>
-          </p:cNvPicPr>
-          <p:nvPr/>
-        </p:nvPicPr>
-        <p:blipFill>
-          <a:blip r:embed="rId6">
-            <a:extLst>
-              <a:ext uri="{96DAC541-7B7A-43D3-8B79-37D633B846F1}">
-                <asvg:svgBlip xmlns:asvg="http://schemas.microsoft.com/office/drawing/2016/SVG/main" r:embed="rId7"/>
-              </a:ext>
-            </a:extLst>
-          </a:blip>
-          <a:stretch>
-            <a:fillRect/>
-          </a:stretch>
-        </p:blipFill>
-        <p:spPr>
-          <a:xfrm>
-            <a:off x="2685342" y="1943481"/>
-            <a:ext cx="914400" cy="914400"/>
-          </a:xfrm>
-          <a:prstGeom prst="rect">
-            <a:avLst/>
-          </a:prstGeom>
-        </p:spPr>
-      </p:pic>
-      <p:pic>
-        <p:nvPicPr>
-          <p:cNvPr id="13" name="Graphic 267" descr="Hourglass Finished with solid fill">
-            <a:extLst>
-              <a:ext uri="{FF2B5EF4-FFF2-40B4-BE49-F238E27FC236}">
-                <a16:creationId xmlns:a16="http://schemas.microsoft.com/office/drawing/2014/main" id="{D79466A9-D74A-5D09-B873-8075A92AFA5A}"/>
-              </a:ext>
-            </a:extLst>
-          </p:cNvPr>
-          <p:cNvPicPr>
-            <a:picLocks noChangeAspect="1"/>
-          </p:cNvPicPr>
-          <p:nvPr/>
-        </p:nvPicPr>
-        <p:blipFill>
-          <a:blip r:embed="rId8">
-            <a:extLst>
-              <a:ext uri="{96DAC541-7B7A-43D3-8B79-37D633B846F1}">
-                <asvg:svgBlip xmlns:asvg="http://schemas.microsoft.com/office/drawing/2016/SVG/main" r:embed="rId9"/>
-              </a:ext>
-            </a:extLst>
-          </a:blip>
-          <a:stretch>
-            <a:fillRect/>
-          </a:stretch>
-        </p:blipFill>
-        <p:spPr>
-          <a:xfrm>
-            <a:off x="8587632" y="1924946"/>
-            <a:ext cx="914400" cy="914400"/>
-          </a:xfrm>
-          <a:prstGeom prst="rect">
-            <a:avLst/>
-          </a:prstGeom>
-        </p:spPr>
-      </p:pic>
-      <p:pic>
-        <p:nvPicPr>
-          <p:cNvPr id="24" name="Grafik 23" descr="Inventar mit einfarbiger Füllung">
-            <a:extLst>
-              <a:ext uri="{FF2B5EF4-FFF2-40B4-BE49-F238E27FC236}">
-                <a16:creationId xmlns:a16="http://schemas.microsoft.com/office/drawing/2014/main" id="{75FC9ADB-3458-E1E1-FE65-9B9FAE58A9E1}"/>
-              </a:ext>
-            </a:extLst>
-          </p:cNvPr>
-          <p:cNvPicPr>
-            <a:picLocks noChangeAspect="1"/>
-          </p:cNvPicPr>
-          <p:nvPr/>
-        </p:nvPicPr>
-        <p:blipFill>
-          <a:blip r:embed="rId10">
-            <a:extLst>
-              <a:ext uri="{96DAC541-7B7A-43D3-8B79-37D633B846F1}">
-                <asvg:svgBlip xmlns:asvg="http://schemas.microsoft.com/office/drawing/2016/SVG/main" r:embed="rId11"/>
-              </a:ext>
-            </a:extLst>
-          </a:blip>
-          <a:stretch>
-            <a:fillRect/>
-          </a:stretch>
-        </p:blipFill>
-        <p:spPr>
-          <a:xfrm>
-            <a:off x="5636487" y="1899526"/>
-            <a:ext cx="914400" cy="914400"/>
-          </a:xfrm>
-          <a:prstGeom prst="rect">
-            <a:avLst/>
-          </a:prstGeom>
-        </p:spPr>
-      </p:pic>
-      <p:sp>
-        <p:nvSpPr>
-          <p:cNvPr id="25" name="Rechteck 24">
-            <a:extLst>
-              <a:ext uri="{FF2B5EF4-FFF2-40B4-BE49-F238E27FC236}">
-                <a16:creationId xmlns:a16="http://schemas.microsoft.com/office/drawing/2014/main" id="{61F76C0C-0113-7842-C36D-F6C55A49C17A}"/>
+            <a:endParaRPr lang="de-DE"/>
+          </a:p>
+        </p:txBody>
+      </p:sp>
+      <p:sp>
+        <p:nvSpPr>
+          <p:cNvPr id="8" name="Rechteck 7">
+            <a:extLst>
+              <a:ext uri="{FF2B5EF4-FFF2-40B4-BE49-F238E27FC236}">
+                <a16:creationId xmlns:a16="http://schemas.microsoft.com/office/drawing/2014/main" id="{11BC4B9C-0C32-9BE4-20BE-61E5BC8FB36A}"/>
               </a:ext>
             </a:extLst>
           </p:cNvPr>
@@ -26143,10 +26509,40 @@
           </a:p>
         </p:txBody>
       </p:sp>
+      <p:pic>
+        <p:nvPicPr>
+          <p:cNvPr id="4" name="Grafik 3" descr="Ein Bild, das Grafiken, Schrift, Screenshot, Logo enthält.&#10;&#10;KI-generierte Inhalte können fehlerhaft sein.">
+            <a:extLst>
+              <a:ext uri="{FF2B5EF4-FFF2-40B4-BE49-F238E27FC236}">
+                <a16:creationId xmlns:a16="http://schemas.microsoft.com/office/drawing/2014/main" id="{11F41C67-A383-7D76-418F-9D54668FF8AE}"/>
+              </a:ext>
+            </a:extLst>
+          </p:cNvPr>
+          <p:cNvPicPr>
+            <a:picLocks noChangeAspect="1"/>
+          </p:cNvPicPr>
+          <p:nvPr/>
+        </p:nvPicPr>
+        <p:blipFill>
+          <a:blip r:embed="rId7"/>
+          <a:stretch>
+            <a:fillRect/>
+          </a:stretch>
+        </p:blipFill>
+        <p:spPr>
+          <a:xfrm>
+            <a:off x="-217637" y="5704858"/>
+            <a:ext cx="2283124" cy="1522083"/>
+          </a:xfrm>
+          <a:prstGeom prst="rect">
+            <a:avLst/>
+          </a:prstGeom>
+        </p:spPr>
+      </p:pic>
     </p:spTree>
     <p:extLst>
       <p:ext uri="{BB962C8B-B14F-4D97-AF65-F5344CB8AC3E}">
-        <p14:creationId xmlns:p14="http://schemas.microsoft.com/office/powerpoint/2010/main" val="1972362577"/>
+        <p14:creationId xmlns:p14="http://schemas.microsoft.com/office/powerpoint/2010/main" val="809625895"/>
       </p:ext>
     </p:extLst>
   </p:cSld>
@@ -26156,7 +26552,7 @@
 </p:sld>
 </file>
 
-<file path=ppt/slides/slide5.xml><?xml version="1.0" encoding="utf-8"?>
+<file path=ppt/slides/slide6.xml><?xml version="1.0" encoding="utf-8"?>
 <p:sld xmlns:a="http://schemas.openxmlformats.org/drawingml/2006/main" xmlns:r="http://schemas.openxmlformats.org/officeDocument/2006/relationships" xmlns:p="http://schemas.openxmlformats.org/presentationml/2006/main">
   <p:cSld>
     <p:spTree>
@@ -26164,7 +26560,7 @@
         <p:cNvPr id="1" name="">
           <a:extLst>
             <a:ext uri="{FF2B5EF4-FFF2-40B4-BE49-F238E27FC236}">
-              <a16:creationId xmlns:a16="http://schemas.microsoft.com/office/drawing/2014/main" id="{DC0525B6-1545-0DE9-A227-C1B10B133260}"/>
+              <a16:creationId xmlns:a16="http://schemas.microsoft.com/office/drawing/2014/main" id="{3358A21F-FA6F-C6AC-09C5-2C0BDED705CE}"/>
             </a:ext>
           </a:extLst>
         </p:cNvPr>
@@ -26179,12 +26575,43 @@
           <a:chExt cx="0" cy="0"/>
         </a:xfrm>
       </p:grpSpPr>
+      <p:pic>
+        <p:nvPicPr>
+          <p:cNvPr id="5" name="Grafik 4" descr="Ein Bild, das Person, Im Haus, computer, Menschliches Gesicht enthält.&#10;&#10;KI-generierte Inhalte können fehlerhaft sein.">
+            <a:extLst>
+              <a:ext uri="{FF2B5EF4-FFF2-40B4-BE49-F238E27FC236}">
+                <a16:creationId xmlns:a16="http://schemas.microsoft.com/office/drawing/2014/main" id="{4B939BE8-C982-CFF1-E2DE-66C787D88848}"/>
+              </a:ext>
+            </a:extLst>
+          </p:cNvPr>
+          <p:cNvPicPr>
+            <a:picLocks noChangeAspect="1"/>
+          </p:cNvPicPr>
+          <p:nvPr/>
+        </p:nvPicPr>
+        <p:blipFill>
+          <a:blip r:embed="rId4"/>
+          <a:srcRect l="34628"/>
+          <a:stretch>
+            <a:fillRect/>
+          </a:stretch>
+        </p:blipFill>
+        <p:spPr>
+          <a:xfrm>
+            <a:off x="6096000" y="0"/>
+            <a:ext cx="6735337" cy="6868758"/>
+          </a:xfrm>
+          <a:prstGeom prst="rect">
+            <a:avLst/>
+          </a:prstGeom>
+        </p:spPr>
+      </p:pic>
       <p:sp>
         <p:nvSpPr>
           <p:cNvPr id="6" name="Text Placeholder 5">
             <a:extLst>
               <a:ext uri="{FF2B5EF4-FFF2-40B4-BE49-F238E27FC236}">
-                <a16:creationId xmlns:a16="http://schemas.microsoft.com/office/drawing/2014/main" id="{C26C172E-F722-C264-48CD-2611F7BF1CF9}"/>
+                <a16:creationId xmlns:a16="http://schemas.microsoft.com/office/drawing/2014/main" id="{4DE94E51-DE3D-E052-D929-37022E42F5CD}"/>
               </a:ext>
             </a:extLst>
           </p:cNvPr>
@@ -26198,7 +26625,7 @@
         <p:spPr>
           <a:xfrm>
             <a:off x="442913" y="1446595"/>
-            <a:ext cx="5181600" cy="3850967"/>
+            <a:ext cx="5181600" cy="2969701"/>
           </a:xfrm>
         </p:spPr>
         <p:txBody>
@@ -26211,369 +26638,165 @@
               <a:buNone/>
             </a:pPr>
             <a:r>
-              <a:rPr lang="de-CH" b="1" dirty="0" err="1"/>
-              <a:t>StockHub</a:t>
-            </a:r>
-            <a:r>
-              <a:rPr lang="de-CH" b="1" dirty="0"/>
-              <a:t>: </a:t>
-            </a:r>
-            <a:r>
-              <a:rPr lang="de-CH" dirty="0"/>
-              <a:t> </a:t>
-            </a:r>
-            <a:r>
-              <a:rPr lang="de-CH" dirty="0" err="1"/>
-              <a:t>One</a:t>
-            </a:r>
-            <a:r>
-              <a:rPr lang="de-CH" dirty="0"/>
-              <a:t> </a:t>
-            </a:r>
-            <a:r>
-              <a:rPr lang="de-CH" dirty="0" err="1"/>
-              <a:t>shared</a:t>
-            </a:r>
-            <a:r>
-              <a:rPr lang="de-CH" dirty="0"/>
-              <a:t> </a:t>
-            </a:r>
-            <a:r>
-              <a:rPr lang="de-CH" dirty="0" err="1"/>
-              <a:t>platform</a:t>
-            </a:r>
-            <a:r>
-              <a:rPr lang="de-CH" dirty="0"/>
-              <a:t> </a:t>
-            </a:r>
-            <a:r>
-              <a:rPr lang="de-CH" dirty="0" err="1"/>
-              <a:t>to</a:t>
-            </a:r>
-            <a:r>
-              <a:rPr lang="de-CH" dirty="0"/>
-              <a:t> </a:t>
-            </a:r>
-            <a:r>
-              <a:rPr lang="de-CH" b="1" dirty="0"/>
-              <a:t>plan</a:t>
-            </a:r>
-            <a:r>
-              <a:rPr lang="de-CH" dirty="0"/>
-              <a:t>, </a:t>
-            </a:r>
-            <a:r>
-              <a:rPr lang="de-CH" b="1" dirty="0"/>
-              <a:t>source</a:t>
-            </a:r>
-            <a:r>
-              <a:rPr lang="de-CH" dirty="0"/>
-              <a:t>, </a:t>
-            </a:r>
-            <a:r>
-              <a:rPr lang="de-CH" b="1" dirty="0" err="1"/>
-              <a:t>store</a:t>
-            </a:r>
-            <a:r>
-              <a:rPr lang="de-CH" dirty="0"/>
-              <a:t>, and </a:t>
-            </a:r>
-            <a:r>
-              <a:rPr lang="de-CH" b="1" dirty="0"/>
-              <a:t>deploy</a:t>
-            </a:r>
-            <a:r>
-              <a:rPr lang="de-CH" dirty="0"/>
-              <a:t> </a:t>
-            </a:r>
-            <a:r>
-              <a:rPr lang="de-CH" dirty="0" err="1"/>
-              <a:t>emergency</a:t>
-            </a:r>
-            <a:r>
-              <a:rPr lang="de-CH" dirty="0"/>
-              <a:t> </a:t>
-            </a:r>
-            <a:r>
-              <a:rPr lang="de-CH" dirty="0" err="1"/>
-              <a:t>supplies</a:t>
-            </a:r>
-            <a:r>
-              <a:rPr lang="de-CH" dirty="0"/>
-              <a:t> </a:t>
-            </a:r>
-            <a:r>
-              <a:rPr lang="de-CH" dirty="0" err="1"/>
-              <a:t>across</a:t>
-            </a:r>
-            <a:r>
-              <a:rPr lang="de-CH" dirty="0"/>
-              <a:t> </a:t>
-            </a:r>
-            <a:r>
-              <a:rPr lang="de-CH" dirty="0" err="1"/>
-              <a:t>city</a:t>
-            </a:r>
-            <a:r>
-              <a:rPr lang="de-CH" dirty="0"/>
-              <a:t> </a:t>
-            </a:r>
-            <a:r>
-              <a:rPr lang="de-CH" dirty="0" err="1"/>
-              <a:t>actors</a:t>
-            </a:r>
-            <a:r>
-              <a:rPr lang="de-CH" dirty="0"/>
-              <a:t>, </a:t>
-            </a:r>
-            <a:r>
-              <a:rPr lang="de-CH" dirty="0" err="1"/>
-              <a:t>with</a:t>
-            </a:r>
-            <a:r>
-              <a:rPr lang="de-CH" dirty="0"/>
-              <a:t> </a:t>
-            </a:r>
-            <a:r>
-              <a:rPr lang="de-CH" dirty="0" err="1"/>
-              <a:t>role-based</a:t>
-            </a:r>
-            <a:r>
-              <a:rPr lang="de-CH" dirty="0"/>
-              <a:t> </a:t>
-            </a:r>
-            <a:r>
-              <a:rPr lang="de-CH" dirty="0" err="1"/>
-              <a:t>access</a:t>
-            </a:r>
-            <a:r>
-              <a:rPr lang="de-CH" dirty="0"/>
-              <a:t> and </a:t>
-            </a:r>
-            <a:r>
-              <a:rPr lang="de-CH" dirty="0" err="1"/>
-              <a:t>readiness</a:t>
-            </a:r>
-            <a:r>
-              <a:rPr lang="de-CH" dirty="0"/>
-              <a:t> </a:t>
-            </a:r>
-            <a:r>
-              <a:rPr lang="de-CH" dirty="0" err="1"/>
-              <a:t>tracking</a:t>
-            </a:r>
-            <a:endParaRPr lang="de-CH" dirty="0"/>
+              <a:rPr lang="en-US" b="1" dirty="0"/>
+              <a:t>From Chaos to Organization:</a:t>
+            </a:r>
           </a:p>
           <a:p>
             <a:pPr marL="0" indent="0">
               <a:buNone/>
             </a:pPr>
-            <a:endParaRPr lang="de-CH" dirty="0"/>
+            <a:r>
+              <a:rPr lang="de-CH" dirty="0" err="1"/>
+              <a:t>Faster</a:t>
+            </a:r>
+            <a:r>
+              <a:rPr lang="de-CH" dirty="0"/>
+              <a:t> </a:t>
+            </a:r>
+            <a:r>
+              <a:rPr lang="de-CH" dirty="0" err="1"/>
+              <a:t>setup</a:t>
+            </a:r>
+            <a:r>
+              <a:rPr lang="de-CH" dirty="0"/>
+              <a:t> </a:t>
+            </a:r>
+            <a:r>
+              <a:rPr lang="de-CH" dirty="0" err="1"/>
+              <a:t>of</a:t>
+            </a:r>
+            <a:r>
+              <a:rPr lang="de-CH" dirty="0"/>
+              <a:t> safe </a:t>
+            </a:r>
+            <a:r>
+              <a:rPr lang="de-CH" dirty="0" err="1"/>
+              <a:t>housing</a:t>
+            </a:r>
+            <a:r>
+              <a:rPr lang="de-CH" dirty="0"/>
+              <a:t>, </a:t>
+            </a:r>
+            <a:r>
+              <a:rPr lang="de-CH" dirty="0" err="1"/>
+              <a:t>fewer</a:t>
+            </a:r>
+            <a:r>
+              <a:rPr lang="de-CH" dirty="0"/>
+              <a:t> </a:t>
+            </a:r>
+            <a:r>
+              <a:rPr lang="de-CH" dirty="0" err="1"/>
+              <a:t>panic</a:t>
+            </a:r>
+            <a:r>
+              <a:rPr lang="de-CH" dirty="0"/>
+              <a:t> </a:t>
+            </a:r>
+            <a:r>
+              <a:rPr lang="de-CH" dirty="0" err="1"/>
+              <a:t>purchases</a:t>
+            </a:r>
+            <a:r>
+              <a:rPr lang="de-CH" dirty="0"/>
+              <a:t>, transparent </a:t>
+            </a:r>
+            <a:r>
+              <a:rPr lang="de-CH" dirty="0" err="1"/>
+              <a:t>coordination</a:t>
+            </a:r>
+            <a:r>
+              <a:rPr lang="de-CH" dirty="0"/>
+              <a:t> </a:t>
+            </a:r>
+            <a:r>
+              <a:rPr lang="de-CH" dirty="0" err="1"/>
+              <a:t>across</a:t>
+            </a:r>
+            <a:r>
+              <a:rPr lang="de-CH" dirty="0"/>
+              <a:t> </a:t>
+            </a:r>
+            <a:r>
+              <a:rPr lang="de-CH" dirty="0" err="1"/>
+              <a:t>city</a:t>
+            </a:r>
+            <a:r>
+              <a:rPr lang="de-CH" dirty="0"/>
+              <a:t> </a:t>
+            </a:r>
+            <a:r>
+              <a:rPr lang="de-CH" dirty="0" err="1"/>
+              <a:t>actors</a:t>
+            </a:r>
+            <a:r>
+              <a:rPr lang="de-CH" dirty="0"/>
+              <a:t>, and </a:t>
+            </a:r>
+            <a:r>
+              <a:rPr lang="de-CH" dirty="0" err="1"/>
+              <a:t>higher</a:t>
+            </a:r>
+            <a:r>
+              <a:rPr lang="de-CH" dirty="0"/>
+              <a:t> </a:t>
+            </a:r>
+            <a:r>
+              <a:rPr lang="de-CH" dirty="0" err="1"/>
+              <a:t>resilience</a:t>
+            </a:r>
+            <a:r>
+              <a:rPr lang="de-CH" dirty="0"/>
+              <a:t> </a:t>
+            </a:r>
+            <a:r>
+              <a:rPr lang="de-CH" dirty="0" err="1"/>
+              <a:t>during</a:t>
+            </a:r>
+            <a:r>
+              <a:rPr lang="de-CH" dirty="0"/>
+              <a:t> </a:t>
+            </a:r>
+            <a:r>
+              <a:rPr lang="de-CH" dirty="0" err="1"/>
+              <a:t>spikes</a:t>
+            </a:r>
+            <a:r>
+              <a:rPr lang="de-CH" dirty="0"/>
+              <a:t>.</a:t>
+            </a:r>
+            <a:endParaRPr lang="en-US" dirty="0"/>
           </a:p>
           <a:p>
             <a:pPr marL="0" indent="0">
               <a:buNone/>
             </a:pPr>
-            <a:r>
-              <a:rPr lang="de-CH" b="1" dirty="0" err="1"/>
-              <a:t>Three</a:t>
-            </a:r>
-            <a:r>
-              <a:rPr lang="de-CH" b="1" dirty="0"/>
-              <a:t> Core Features:</a:t>
-            </a:r>
-          </a:p>
-          <a:p>
-            <a:pPr marL="342900" indent="-342900">
-              <a:buFont typeface="+mj-lt"/>
-              <a:buAutoNum type="arabicPeriod"/>
+            <a:endParaRPr lang="en-US" b="1" dirty="0"/>
+          </a:p>
+          <a:p>
+            <a:pPr marL="0" indent="0">
+              <a:buNone/>
             </a:pPr>
             <a:r>
-              <a:rPr lang="de-CH" b="1" dirty="0"/>
-              <a:t>Stab Dashboard: </a:t>
-            </a:r>
-            <a:r>
-              <a:rPr lang="de-CH" dirty="0" err="1"/>
-              <a:t>Overview</a:t>
-            </a:r>
-            <a:r>
-              <a:rPr lang="de-CH" dirty="0"/>
-              <a:t> and </a:t>
-            </a:r>
-            <a:r>
-              <a:rPr lang="de-CH" dirty="0" err="1"/>
-              <a:t>action</a:t>
-            </a:r>
-            <a:r>
-              <a:rPr lang="de-CH" dirty="0"/>
-              <a:t> </a:t>
-            </a:r>
-            <a:r>
-              <a:rPr lang="de-CH" dirty="0" err="1"/>
-              <a:t>center</a:t>
-            </a:r>
-            <a:r>
-              <a:rPr lang="de-CH" dirty="0"/>
-              <a:t> </a:t>
-            </a:r>
-            <a:r>
-              <a:rPr lang="de-CH" dirty="0" err="1"/>
-              <a:t>for</a:t>
-            </a:r>
-            <a:r>
-              <a:rPr lang="de-CH" dirty="0"/>
-              <a:t> </a:t>
-            </a:r>
-            <a:r>
-              <a:rPr lang="de-CH" dirty="0" err="1"/>
-              <a:t>the</a:t>
-            </a:r>
-            <a:r>
-              <a:rPr lang="de-CH" dirty="0"/>
-              <a:t> </a:t>
-            </a:r>
-            <a:r>
-              <a:rPr lang="de-CH" dirty="0" err="1"/>
-              <a:t>crisis</a:t>
-            </a:r>
-            <a:r>
-              <a:rPr lang="de-CH" dirty="0"/>
-              <a:t> </a:t>
-            </a:r>
-            <a:r>
-              <a:rPr lang="de-CH" dirty="0" err="1"/>
-              <a:t>management</a:t>
-            </a:r>
-            <a:r>
-              <a:rPr lang="de-CH" dirty="0"/>
-              <a:t> </a:t>
-            </a:r>
-            <a:r>
-              <a:rPr lang="de-CH" dirty="0" err="1"/>
-              <a:t>staff</a:t>
-            </a:r>
-            <a:r>
-              <a:rPr lang="de-CH" dirty="0"/>
-              <a:t>. </a:t>
-            </a:r>
-          </a:p>
-          <a:p>
-            <a:pPr marL="342900" indent="-342900">
-              <a:buFont typeface="+mj-lt"/>
-              <a:buAutoNum type="arabicPeriod"/>
+              <a:rPr lang="en-US" b="1" dirty="0"/>
+              <a:t>Built for Cities, Ready for Crisis:</a:t>
+            </a:r>
+          </a:p>
+          <a:p>
+            <a:pPr marL="0" indent="0">
+              <a:buNone/>
             </a:pPr>
-            <a:endParaRPr lang="de-CH" b="1" dirty="0"/>
-          </a:p>
-          <a:p>
-            <a:pPr marL="342900" indent="-342900">
-              <a:buFont typeface="+mj-lt"/>
-              <a:buAutoNum type="arabicPeriod"/>
+            <a:r>
+              <a:rPr lang="en-US" dirty="0"/>
+              <a:t>One platform spanning preventive planning and crisis response, aligned with the city’s cross-department model and AOZ’s mission. </a:t>
+            </a:r>
+          </a:p>
+          <a:p>
+            <a:pPr marL="0" indent="0">
+              <a:buNone/>
             </a:pPr>
-            <a:r>
-              <a:rPr lang="de-CH" b="1" dirty="0"/>
-              <a:t>Autorisation Dashboard: </a:t>
-            </a:r>
-            <a:r>
-              <a:rPr lang="de-CH" dirty="0"/>
-              <a:t>Validation and </a:t>
-            </a:r>
-            <a:r>
-              <a:rPr lang="de-CH" dirty="0" err="1"/>
-              <a:t>approval</a:t>
-            </a:r>
-            <a:r>
-              <a:rPr lang="de-CH" dirty="0"/>
-              <a:t> interface </a:t>
-            </a:r>
-            <a:r>
-              <a:rPr lang="de-CH" dirty="0" err="1"/>
-              <a:t>for</a:t>
-            </a:r>
-            <a:r>
-              <a:rPr lang="de-CH" dirty="0"/>
-              <a:t> stock </a:t>
-            </a:r>
-            <a:r>
-              <a:rPr lang="de-CH" dirty="0" err="1"/>
-              <a:t>requests</a:t>
-            </a:r>
-            <a:r>
-              <a:rPr lang="de-CH" dirty="0"/>
-              <a:t>.</a:t>
-            </a:r>
-          </a:p>
-          <a:p>
-            <a:pPr marL="342900" indent="-342900">
-              <a:buFont typeface="+mj-lt"/>
-              <a:buAutoNum type="arabicPeriod"/>
-            </a:pPr>
-            <a:endParaRPr lang="de-CH" b="1" dirty="0"/>
-          </a:p>
-          <a:p>
-            <a:pPr marL="342900" indent="-342900">
-              <a:buFont typeface="+mj-lt"/>
-              <a:buAutoNum type="arabicPeriod"/>
-            </a:pPr>
-            <a:r>
-              <a:rPr lang="de-CH" b="1" dirty="0"/>
-              <a:t>Organisation Dashboard: </a:t>
-            </a:r>
-            <a:r>
-              <a:rPr lang="de-CH" dirty="0"/>
-              <a:t>Stock, </a:t>
-            </a:r>
-            <a:r>
-              <a:rPr lang="de-CH" dirty="0" err="1"/>
-              <a:t>logistics</a:t>
-            </a:r>
-            <a:r>
-              <a:rPr lang="de-CH" dirty="0"/>
-              <a:t>, and </a:t>
-            </a:r>
-            <a:r>
-              <a:rPr lang="de-CH" dirty="0" err="1"/>
-              <a:t>inspection</a:t>
-            </a:r>
-            <a:r>
-              <a:rPr lang="de-CH" dirty="0"/>
-              <a:t> </a:t>
-            </a:r>
-            <a:r>
-              <a:rPr lang="de-CH" dirty="0" err="1"/>
-              <a:t>management</a:t>
-            </a:r>
-            <a:r>
-              <a:rPr lang="de-CH" dirty="0"/>
-              <a:t> </a:t>
-            </a:r>
-            <a:r>
-              <a:rPr lang="de-CH" dirty="0" err="1"/>
-              <a:t>for</a:t>
-            </a:r>
-            <a:r>
-              <a:rPr lang="de-CH" dirty="0"/>
-              <a:t> </a:t>
-            </a:r>
-            <a:r>
-              <a:rPr lang="de-CH" dirty="0" err="1"/>
-              <a:t>local</a:t>
-            </a:r>
-            <a:r>
-              <a:rPr lang="de-CH" dirty="0"/>
-              <a:t> </a:t>
-            </a:r>
-            <a:r>
-              <a:rPr lang="de-CH" dirty="0" err="1"/>
-              <a:t>facilities</a:t>
-            </a:r>
-            <a:r>
-              <a:rPr lang="de-CH" dirty="0"/>
-              <a:t>.</a:t>
-            </a:r>
-            <a:r>
-              <a:rPr lang="de-CH" b="1" dirty="0"/>
-              <a:t> </a:t>
-            </a:r>
+            <a:endParaRPr lang="en-US" b="1" dirty="0"/>
           </a:p>
         </p:txBody>
       </p:sp>
@@ -26582,7 +26805,7 @@
           <p:cNvPr id="11" name="think-cell data - do not delete" hidden="1">
             <a:extLst>
               <a:ext uri="{FF2B5EF4-FFF2-40B4-BE49-F238E27FC236}">
-                <a16:creationId xmlns:a16="http://schemas.microsoft.com/office/drawing/2014/main" id="{B55FA83D-5955-97B5-5836-B9FF29516F22}"/>
+                <a16:creationId xmlns:a16="http://schemas.microsoft.com/office/drawing/2014/main" id="{8CAF3717-CCF9-AFDC-BF7F-EB5BD5679BAF}"/>
               </a:ext>
             </a:extLst>
           </p:cNvPr>
@@ -26603,19 +26826,19 @@
           <a:graphicData uri="http://schemas.openxmlformats.org/presentationml/2006/ole">
             <mc:AlternateContent xmlns:mc="http://schemas.openxmlformats.org/markup-compatibility/2006">
               <mc:Choice xmlns:v="urn:schemas-microsoft-com:vml" Requires="v">
-                <p:oleObj name="think-cell Folie" r:id="rId4" imgW="261" imgH="257" progId="TCLayout.ActiveDocument.1">
+                <p:oleObj name="think-cell Folie" r:id="rId5" imgW="261" imgH="257" progId="TCLayout.ActiveDocument.1">
                   <p:embed/>
                 </p:oleObj>
               </mc:Choice>
               <mc:Fallback>
-                <p:oleObj name="think-cell Folie" r:id="rId4" imgW="261" imgH="257" progId="TCLayout.ActiveDocument.1">
+                <p:oleObj name="think-cell Folie" r:id="rId5" imgW="261" imgH="257" progId="TCLayout.ActiveDocument.1">
                   <p:embed/>
                   <p:pic>
                     <p:nvPicPr>
                       <p:cNvPr id="11" name="think-cell data - do not delete" hidden="1">
                         <a:extLst>
                           <a:ext uri="{FF2B5EF4-FFF2-40B4-BE49-F238E27FC236}">
-                            <a16:creationId xmlns:a16="http://schemas.microsoft.com/office/drawing/2014/main" id="{257D46F1-98BD-C093-1151-D0C3C8338CC3}"/>
+                            <a16:creationId xmlns:a16="http://schemas.microsoft.com/office/drawing/2014/main" id="{8CAF3717-CCF9-AFDC-BF7F-EB5BD5679BAF}"/>
                           </a:ext>
                         </a:extLst>
                       </p:cNvPr>
@@ -26623,7 +26846,7 @@
                       <p:nvPr/>
                     </p:nvPicPr>
                     <p:blipFill>
-                      <a:blip r:embed="rId5"/>
+                      <a:blip r:embed="rId6"/>
                       <a:stretch>
                         <a:fillRect/>
                       </a:stretch>
@@ -26649,7 +26872,7 @@
           <p:cNvPr id="2" name="Title 1">
             <a:extLst>
               <a:ext uri="{FF2B5EF4-FFF2-40B4-BE49-F238E27FC236}">
-                <a16:creationId xmlns:a16="http://schemas.microsoft.com/office/drawing/2014/main" id="{1A8F14D4-F628-A155-86E0-5E17E4E5D7EA}"/>
+                <a16:creationId xmlns:a16="http://schemas.microsoft.com/office/drawing/2014/main" id="{CB7E9D73-986D-8D54-03AF-6685AE4EAE19}"/>
               </a:ext>
             </a:extLst>
           </p:cNvPr>
@@ -26673,12 +26896,8 @@
           <a:lstStyle/>
           <a:p>
             <a:r>
-              <a:rPr lang="de-CH" dirty="0" err="1"/>
-              <a:t>Our</a:t>
-            </a:r>
-            <a:r>
               <a:rPr lang="de-CH" dirty="0"/>
-              <a:t> Solution</a:t>
+              <a:t>Impact &amp; Outlook</a:t>
             </a:r>
           </a:p>
         </p:txBody>
@@ -26688,7 +26907,7 @@
           <p:cNvPr id="13" name="Text Placeholder 12">
             <a:extLst>
               <a:ext uri="{FF2B5EF4-FFF2-40B4-BE49-F238E27FC236}">
-                <a16:creationId xmlns:a16="http://schemas.microsoft.com/office/drawing/2014/main" id="{2124FDE3-52AB-5DFD-6C4E-C3C436E6D2D7}"/>
+                <a16:creationId xmlns:a16="http://schemas.microsoft.com/office/drawing/2014/main" id="{26BD2159-D7C3-1802-BC64-1BDA38AF9882}"/>
               </a:ext>
             </a:extLst>
           </p:cNvPr>
@@ -26721,7 +26940,7 @@
           <p:cNvPr id="3" name="Slide Number Placeholder 2">
             <a:extLst>
               <a:ext uri="{FF2B5EF4-FFF2-40B4-BE49-F238E27FC236}">
-                <a16:creationId xmlns:a16="http://schemas.microsoft.com/office/drawing/2014/main" id="{10FE833C-67B8-DB42-D72F-DA890792FE80}"/>
+                <a16:creationId xmlns:a16="http://schemas.microsoft.com/office/drawing/2014/main" id="{09EBEABA-E170-7A7E-56C0-A4639563A5FE}"/>
               </a:ext>
             </a:extLst>
           </p:cNvPr>
@@ -26734,8 +26953,8 @@
         </p:nvSpPr>
         <p:spPr>
           <a:xfrm>
-            <a:off x="11620848" y="6285630"/>
-            <a:ext cx="128240" cy="138499"/>
+            <a:off x="11684968" y="6285630"/>
+            <a:ext cx="64120" cy="138499"/>
           </a:xfrm>
         </p:spPr>
         <p:txBody>
@@ -26743,50 +26962,28 @@
           <a:lstStyle/>
           <a:p>
             <a:fld id="{AC23F07A-CEC6-4CA8-9EF8-AC37F6E73B6A}" type="slidenum">
-              <a:rPr lang="de-CH" smtClean="0"/>
+              <a:rPr lang="de-CH" smtClean="0">
+                <a:solidFill>
+                  <a:schemeClr val="bg1"/>
+                </a:solidFill>
+              </a:rPr>
               <a:pPr/>
-              <a:t>5</a:t>
+              <a:t>6</a:t>
             </a:fld>
-            <a:endParaRPr lang="de-CH" dirty="0"/>
-          </a:p>
-        </p:txBody>
-      </p:sp>
-      <p:pic>
-        <p:nvPicPr>
-          <p:cNvPr id="5" name="Grafik 4" descr="Ein Bild, das Text, Screenshot, Software, Webseite enthält.&#10;&#10;KI-generierte Inhalte können fehlerhaft sein.">
-            <a:extLst>
-              <a:ext uri="{FF2B5EF4-FFF2-40B4-BE49-F238E27FC236}">
-                <a16:creationId xmlns:a16="http://schemas.microsoft.com/office/drawing/2014/main" id="{236DE760-A238-7B0D-F634-EEA239612634}"/>
-              </a:ext>
-            </a:extLst>
-          </p:cNvPr>
-          <p:cNvPicPr>
-            <a:picLocks noChangeAspect="1"/>
-          </p:cNvPicPr>
-          <p:nvPr/>
-        </p:nvPicPr>
-        <p:blipFill>
-          <a:blip r:embed="rId6"/>
-          <a:stretch>
-            <a:fillRect/>
-          </a:stretch>
-        </p:blipFill>
-        <p:spPr>
-          <a:xfrm>
-            <a:off x="6096000" y="-6604"/>
-            <a:ext cx="12082981" cy="6864604"/>
-          </a:xfrm>
-          <a:prstGeom prst="rect">
-            <a:avLst/>
-          </a:prstGeom>
-        </p:spPr>
-      </p:pic>
+            <a:endParaRPr lang="de-CH" dirty="0">
+              <a:solidFill>
+                <a:schemeClr val="bg1"/>
+              </a:solidFill>
+            </a:endParaRPr>
+          </a:p>
+        </p:txBody>
+      </p:sp>
       <p:sp>
         <p:nvSpPr>
           <p:cNvPr id="14" name="Textfeld 13">
             <a:extLst>
               <a:ext uri="{FF2B5EF4-FFF2-40B4-BE49-F238E27FC236}">
-                <a16:creationId xmlns:a16="http://schemas.microsoft.com/office/drawing/2014/main" id="{5979E31E-C3E2-DF35-11B1-B05441AACC2B}"/>
+                <a16:creationId xmlns:a16="http://schemas.microsoft.com/office/drawing/2014/main" id="{C4DA55E3-FA25-0D9E-21B1-1497CD991D8E}"/>
               </a:ext>
             </a:extLst>
           </p:cNvPr>
@@ -26816,10 +27013,10 @@
       </p:sp>
       <p:sp>
         <p:nvSpPr>
-          <p:cNvPr id="4" name="Rechteck 3">
-            <a:extLst>
-              <a:ext uri="{FF2B5EF4-FFF2-40B4-BE49-F238E27FC236}">
-                <a16:creationId xmlns:a16="http://schemas.microsoft.com/office/drawing/2014/main" id="{C18E507F-D87E-DA75-068B-6614BF207A81}"/>
+          <p:cNvPr id="15" name="Rechteck 14">
+            <a:extLst>
+              <a:ext uri="{FF2B5EF4-FFF2-40B4-BE49-F238E27FC236}">
+                <a16:creationId xmlns:a16="http://schemas.microsoft.com/office/drawing/2014/main" id="{951368D5-4920-F6CE-B948-93AE2DA59B2D}"/>
               </a:ext>
             </a:extLst>
           </p:cNvPr>
@@ -26872,257 +27069,21 @@
           </a:p>
         </p:txBody>
       </p:sp>
-    </p:spTree>
-    <p:extLst>
-      <p:ext uri="{BB962C8B-B14F-4D97-AF65-F5344CB8AC3E}">
-        <p14:creationId xmlns:p14="http://schemas.microsoft.com/office/powerpoint/2010/main" val="739177708"/>
-      </p:ext>
-    </p:extLst>
-  </p:cSld>
-  <p:clrMapOvr>
-    <a:masterClrMapping/>
-  </p:clrMapOvr>
-</p:sld>
-</file>
-
-<file path=ppt/slides/slide6.xml><?xml version="1.0" encoding="utf-8"?>
-<p:sld xmlns:a="http://schemas.openxmlformats.org/drawingml/2006/main" xmlns:r="http://schemas.openxmlformats.org/officeDocument/2006/relationships" xmlns:p="http://schemas.openxmlformats.org/presentationml/2006/main">
-  <p:cSld>
-    <p:spTree>
-      <p:nvGrpSpPr>
-        <p:cNvPr id="1" name="">
-          <a:extLst>
-            <a:ext uri="{FF2B5EF4-FFF2-40B4-BE49-F238E27FC236}">
-              <a16:creationId xmlns:a16="http://schemas.microsoft.com/office/drawing/2014/main" id="{3589F7AF-926A-F994-3067-54DC38C7C620}"/>
-            </a:ext>
-          </a:extLst>
-        </p:cNvPr>
-        <p:cNvGrpSpPr/>
-        <p:nvPr/>
-      </p:nvGrpSpPr>
-      <p:grpSpPr>
-        <a:xfrm>
-          <a:off x="0" y="0"/>
-          <a:ext cx="0" cy="0"/>
-          <a:chOff x="0" y="0"/>
-          <a:chExt cx="0" cy="0"/>
-        </a:xfrm>
-      </p:grpSpPr>
-      <p:graphicFrame>
-        <p:nvGraphicFramePr>
-          <p:cNvPr id="11" name="think-cell data - do not delete" hidden="1">
-            <a:extLst>
-              <a:ext uri="{FF2B5EF4-FFF2-40B4-BE49-F238E27FC236}">
-                <a16:creationId xmlns:a16="http://schemas.microsoft.com/office/drawing/2014/main" id="{AFF100B6-58EA-0D50-0CA1-8F6764433897}"/>
-              </a:ext>
-            </a:extLst>
-          </p:cNvPr>
-          <p:cNvGraphicFramePr>
-            <a:graphicFrameLocks noChangeAspect="1"/>
-          </p:cNvGraphicFramePr>
-          <p:nvPr>
-            <p:custDataLst>
-              <p:tags r:id="rId1"/>
-            </p:custDataLst>
-          </p:nvPr>
-        </p:nvGraphicFramePr>
-        <p:xfrm>
-          <a:off x="1588" y="1588"/>
-          <a:ext cx="1588" cy="1588"/>
-        </p:xfrm>
-        <a:graphic>
-          <a:graphicData uri="http://schemas.openxmlformats.org/presentationml/2006/ole">
-            <mc:AlternateContent xmlns:mc="http://schemas.openxmlformats.org/markup-compatibility/2006">
-              <mc:Choice xmlns:v="urn:schemas-microsoft-com:vml" Requires="v">
-                <p:oleObj name="think-cell Folie" r:id="rId4" imgW="261" imgH="257" progId="TCLayout.ActiveDocument.1">
-                  <p:embed/>
-                </p:oleObj>
-              </mc:Choice>
-              <mc:Fallback>
-                <p:oleObj name="think-cell Folie" r:id="rId4" imgW="261" imgH="257" progId="TCLayout.ActiveDocument.1">
-                  <p:embed/>
-                  <p:pic>
-                    <p:nvPicPr>
-                      <p:cNvPr id="11" name="think-cell data - do not delete" hidden="1">
-                        <a:extLst>
-                          <a:ext uri="{FF2B5EF4-FFF2-40B4-BE49-F238E27FC236}">
-                            <a16:creationId xmlns:a16="http://schemas.microsoft.com/office/drawing/2014/main" id="{B55FA83D-5955-97B5-5836-B9FF29516F22}"/>
-                          </a:ext>
-                        </a:extLst>
-                      </p:cNvPr>
-                      <p:cNvPicPr/>
-                      <p:nvPr/>
-                    </p:nvPicPr>
-                    <p:blipFill>
-                      <a:blip r:embed="rId5"/>
-                      <a:stretch>
-                        <a:fillRect/>
-                      </a:stretch>
-                    </p:blipFill>
-                    <p:spPr>
-                      <a:xfrm>
-                        <a:off x="1588" y="1588"/>
-                        <a:ext cx="1588" cy="1588"/>
-                      </a:xfrm>
-                      <a:prstGeom prst="rect">
-                        <a:avLst/>
-                      </a:prstGeom>
-                    </p:spPr>
-                  </p:pic>
-                </p:oleObj>
-              </mc:Fallback>
-            </mc:AlternateContent>
-          </a:graphicData>
-        </a:graphic>
-      </p:graphicFrame>
-      <p:sp>
-        <p:nvSpPr>
-          <p:cNvPr id="2" name="Title 1">
-            <a:extLst>
-              <a:ext uri="{FF2B5EF4-FFF2-40B4-BE49-F238E27FC236}">
-                <a16:creationId xmlns:a16="http://schemas.microsoft.com/office/drawing/2014/main" id="{ABDFB20A-ADD6-66EB-1D65-A76B98C58714}"/>
-              </a:ext>
-            </a:extLst>
-          </p:cNvPr>
-          <p:cNvSpPr>
-            <a:spLocks noGrp="1"/>
-          </p:cNvSpPr>
-          <p:nvPr>
-            <p:ph type="title"/>
-          </p:nvPr>
+      <p:sp>
+        <p:nvSpPr>
+          <p:cNvPr id="7" name="Textfeld 6">
+            <a:extLst>
+              <a:ext uri="{FF2B5EF4-FFF2-40B4-BE49-F238E27FC236}">
+                <a16:creationId xmlns:a16="http://schemas.microsoft.com/office/drawing/2014/main" id="{B4600C0E-0549-BAF1-7498-3F5D9CB99236}"/>
+              </a:ext>
+            </a:extLst>
+          </p:cNvPr>
+          <p:cNvSpPr txBox="1"/>
+          <p:nvPr/>
         </p:nvSpPr>
         <p:spPr>
           <a:xfrm>
-            <a:off x="442913" y="777875"/>
-            <a:ext cx="5181600" cy="387798"/>
-          </a:xfrm>
-        </p:spPr>
-        <p:txBody>
-          <a:bodyPr vert="horz">
-            <a:spAutoFit/>
-          </a:bodyPr>
-          <a:lstStyle/>
-          <a:p>
-            <a:r>
-              <a:rPr lang="de-CH" dirty="0"/>
-              <a:t>Demo</a:t>
-            </a:r>
-          </a:p>
-        </p:txBody>
-      </p:sp>
-      <p:sp>
-        <p:nvSpPr>
-          <p:cNvPr id="13" name="Text Placeholder 12">
-            <a:extLst>
-              <a:ext uri="{FF2B5EF4-FFF2-40B4-BE49-F238E27FC236}">
-                <a16:creationId xmlns:a16="http://schemas.microsoft.com/office/drawing/2014/main" id="{11298B82-E72E-7262-6A0E-B13CBB5937D8}"/>
-              </a:ext>
-            </a:extLst>
-          </p:cNvPr>
-          <p:cNvSpPr>
-            <a:spLocks noGrp="1"/>
-          </p:cNvSpPr>
-          <p:nvPr>
-            <p:ph type="body" sz="quarter" idx="41"/>
-          </p:nvPr>
-        </p:nvSpPr>
-        <p:spPr>
-          <a:xfrm>
-            <a:off x="442913" y="434153"/>
-            <a:ext cx="5181996" cy="131574"/>
-          </a:xfrm>
-        </p:spPr>
-        <p:txBody>
-          <a:bodyPr/>
-          <a:lstStyle/>
-          <a:p>
-            <a:r>
-              <a:rPr lang="de-CH" dirty="0"/>
-              <a:t>Insert Chapter title</a:t>
-            </a:r>
-          </a:p>
-        </p:txBody>
-      </p:sp>
-      <p:sp>
-        <p:nvSpPr>
-          <p:cNvPr id="3" name="Slide Number Placeholder 2">
-            <a:extLst>
-              <a:ext uri="{FF2B5EF4-FFF2-40B4-BE49-F238E27FC236}">
-                <a16:creationId xmlns:a16="http://schemas.microsoft.com/office/drawing/2014/main" id="{0BE51290-7188-350E-AC36-91C93342930D}"/>
-              </a:ext>
-            </a:extLst>
-          </p:cNvPr>
-          <p:cNvSpPr>
-            <a:spLocks noGrp="1"/>
-          </p:cNvSpPr>
-          <p:nvPr>
-            <p:ph type="sldNum" sz="quarter" idx="42"/>
-          </p:nvPr>
-        </p:nvSpPr>
-        <p:spPr>
-          <a:xfrm>
-            <a:off x="11620848" y="6285630"/>
-            <a:ext cx="128240" cy="138499"/>
-          </a:xfrm>
-        </p:spPr>
-        <p:txBody>
-          <a:bodyPr/>
-          <a:lstStyle/>
-          <a:p>
-            <a:fld id="{AC23F07A-CEC6-4CA8-9EF8-AC37F6E73B6A}" type="slidenum">
-              <a:rPr lang="de-CH" smtClean="0"/>
-              <a:pPr/>
-              <a:t>6</a:t>
-            </a:fld>
-            <a:endParaRPr lang="de-CH" dirty="0"/>
-          </a:p>
-        </p:txBody>
-      </p:sp>
-      <p:pic>
-        <p:nvPicPr>
-          <p:cNvPr id="5" name="Grafik 4" descr="Ein Bild, das Text, Screenshot, Software, Webseite enthält.&#10;&#10;KI-generierte Inhalte können fehlerhaft sein.">
-            <a:extLst>
-              <a:ext uri="{FF2B5EF4-FFF2-40B4-BE49-F238E27FC236}">
-                <a16:creationId xmlns:a16="http://schemas.microsoft.com/office/drawing/2014/main" id="{7EA624B4-0F84-4151-56BB-87677770B7EF}"/>
-              </a:ext>
-            </a:extLst>
-          </p:cNvPr>
-          <p:cNvPicPr>
-            <a:picLocks noChangeAspect="1"/>
-          </p:cNvPicPr>
-          <p:nvPr/>
-        </p:nvPicPr>
-        <p:blipFill>
-          <a:blip r:embed="rId6"/>
-          <a:stretch>
-            <a:fillRect/>
-          </a:stretch>
-        </p:blipFill>
-        <p:spPr>
-          <a:xfrm>
-            <a:off x="6096000" y="-6604"/>
-            <a:ext cx="12082981" cy="6864604"/>
-          </a:xfrm>
-          <a:prstGeom prst="rect">
-            <a:avLst/>
-          </a:prstGeom>
-        </p:spPr>
-      </p:pic>
-      <p:sp>
-        <p:nvSpPr>
-          <p:cNvPr id="14" name="Textfeld 13">
-            <a:extLst>
-              <a:ext uri="{FF2B5EF4-FFF2-40B4-BE49-F238E27FC236}">
-                <a16:creationId xmlns:a16="http://schemas.microsoft.com/office/drawing/2014/main" id="{F7AE15E9-7B7D-2A81-999A-34DAE914B3C1}"/>
-              </a:ext>
-            </a:extLst>
-          </p:cNvPr>
-          <p:cNvSpPr txBox="1"/>
-          <p:nvPr/>
-        </p:nvSpPr>
-        <p:spPr>
-          <a:xfrm>
-            <a:off x="217170" y="6766560"/>
+            <a:off x="1118795" y="6303981"/>
             <a:ext cx="65" cy="246221"/>
           </a:xfrm>
           <a:prstGeom prst="rect">
@@ -27141,93 +27102,40 @@
           </a:p>
         </p:txBody>
       </p:sp>
-      <p:sp>
-        <p:nvSpPr>
-          <p:cNvPr id="7" name="Textplatzhalter 6">
-            <a:extLst>
-              <a:ext uri="{FF2B5EF4-FFF2-40B4-BE49-F238E27FC236}">
-                <a16:creationId xmlns:a16="http://schemas.microsoft.com/office/drawing/2014/main" id="{F4963494-3E8B-9676-7B0B-921EF4A79765}"/>
-              </a:ext>
-            </a:extLst>
-          </p:cNvPr>
-          <p:cNvSpPr>
-            <a:spLocks noGrp="1"/>
-          </p:cNvSpPr>
-          <p:nvPr>
-            <p:ph type="body" sz="quarter" idx="14"/>
-          </p:nvPr>
-        </p:nvSpPr>
-        <p:spPr/>
-        <p:txBody>
-          <a:bodyPr/>
-          <a:lstStyle/>
-          <a:p>
-            <a:endParaRPr lang="de-DE"/>
-          </a:p>
-        </p:txBody>
-      </p:sp>
-      <p:sp>
-        <p:nvSpPr>
-          <p:cNvPr id="8" name="Rechteck 7">
-            <a:extLst>
-              <a:ext uri="{FF2B5EF4-FFF2-40B4-BE49-F238E27FC236}">
-                <a16:creationId xmlns:a16="http://schemas.microsoft.com/office/drawing/2014/main" id="{11BC4B9C-0C32-9BE4-20BE-61E5BC8FB36A}"/>
-              </a:ext>
-            </a:extLst>
-          </p:cNvPr>
-          <p:cNvSpPr>
-            <a:spLocks/>
-          </p:cNvSpPr>
+      <p:pic>
+        <p:nvPicPr>
+          <p:cNvPr id="4" name="Grafik 3" descr="Ein Bild, das Grafiken, Schrift, Screenshot, Logo enthält.&#10;&#10;KI-generierte Inhalte können fehlerhaft sein.">
+            <a:extLst>
+              <a:ext uri="{FF2B5EF4-FFF2-40B4-BE49-F238E27FC236}">
+                <a16:creationId xmlns:a16="http://schemas.microsoft.com/office/drawing/2014/main" id="{B9F718A4-C210-E2C4-7C44-59AF54147D6B}"/>
+              </a:ext>
+            </a:extLst>
+          </p:cNvPr>
+          <p:cNvPicPr>
+            <a:picLocks noChangeAspect="1"/>
+          </p:cNvPicPr>
           <p:nvPr/>
-        </p:nvSpPr>
+        </p:nvPicPr>
+        <p:blipFill>
+          <a:blip r:embed="rId7"/>
+          <a:stretch>
+            <a:fillRect/>
+          </a:stretch>
+        </p:blipFill>
         <p:spPr>
           <a:xfrm>
-            <a:off x="0" y="5628127"/>
-            <a:ext cx="1847850" cy="1240631"/>
+            <a:off x="-217637" y="5704858"/>
+            <a:ext cx="2283124" cy="1522083"/>
           </a:xfrm>
           <a:prstGeom prst="rect">
             <a:avLst/>
           </a:prstGeom>
-          <a:solidFill>
-            <a:schemeClr val="bg1"/>
-          </a:solidFill>
-          <a:ln w="6350">
-            <a:noFill/>
-          </a:ln>
         </p:spPr>
-        <p:style>
-          <a:lnRef idx="2">
-            <a:schemeClr val="accent1">
-              <a:shade val="15000"/>
-            </a:schemeClr>
-          </a:lnRef>
-          <a:fillRef idx="1">
-            <a:schemeClr val="accent1"/>
-          </a:fillRef>
-          <a:effectRef idx="0">
-            <a:schemeClr val="accent1"/>
-          </a:effectRef>
-          <a:fontRef idx="minor">
-            <a:schemeClr val="lt1"/>
-          </a:fontRef>
-        </p:style>
-        <p:txBody>
-          <a:bodyPr rtlCol="0" anchor="ctr"/>
-          <a:lstStyle/>
-          <a:p>
-            <a:pPr algn="ctr"/>
-            <a:endParaRPr lang="de-DE" sz="1600" dirty="0" err="1">
-              <a:solidFill>
-                <a:schemeClr val="tx1"/>
-              </a:solidFill>
-            </a:endParaRPr>
-          </a:p>
-        </p:txBody>
-      </p:sp>
+      </p:pic>
     </p:spTree>
     <p:extLst>
       <p:ext uri="{BB962C8B-B14F-4D97-AF65-F5344CB8AC3E}">
-        <p14:creationId xmlns:p14="http://schemas.microsoft.com/office/powerpoint/2010/main" val="809625895"/>
+        <p14:creationId xmlns:p14="http://schemas.microsoft.com/office/powerpoint/2010/main" val="3781518165"/>
       </p:ext>
     </p:extLst>
   </p:cSld>
@@ -27279,7 +27187,7 @@
         <p:spPr>
           <a:xfrm>
             <a:off x="442913" y="1446595"/>
-            <a:ext cx="5181600" cy="2969701"/>
+            <a:ext cx="5181600" cy="2412112"/>
           </a:xfrm>
         </p:spPr>
         <p:txBody>
@@ -27292,17 +27200,63 @@
               <a:buNone/>
             </a:pPr>
             <a:r>
-              <a:rPr lang="en-US" b="1" dirty="0"/>
-              <a:t>From Chaos to Organization:</a:t>
-            </a:r>
-          </a:p>
-          <a:p>
-            <a:pPr marL="0" indent="0">
-              <a:buNone/>
-            </a:pPr>
+              <a:rPr lang="de-CH" b="1" dirty="0" err="1"/>
+              <a:t>Solving</a:t>
+            </a:r>
+            <a:r>
+              <a:rPr lang="de-CH" b="1" dirty="0"/>
+              <a:t> </a:t>
+            </a:r>
+            <a:r>
+              <a:rPr lang="de-CH" b="1" dirty="0" err="1"/>
+              <a:t>coordination</a:t>
+            </a:r>
+            <a:r>
+              <a:rPr lang="de-CH" b="1" dirty="0"/>
+              <a:t> </a:t>
+            </a:r>
+            <a:r>
+              <a:rPr lang="de-CH" b="1" dirty="0" err="1"/>
+              <a:t>gaps</a:t>
+            </a:r>
+            <a:r>
+              <a:rPr lang="de-CH" b="1" dirty="0"/>
+              <a:t> </a:t>
+            </a:r>
+            <a:r>
+              <a:rPr lang="de-CH" b="1" dirty="0" err="1"/>
+              <a:t>before</a:t>
+            </a:r>
+            <a:r>
+              <a:rPr lang="de-CH" b="1" dirty="0"/>
+              <a:t> </a:t>
+            </a:r>
+            <a:r>
+              <a:rPr lang="de-CH" b="1" dirty="0" err="1"/>
+              <a:t>the</a:t>
+            </a:r>
+            <a:r>
+              <a:rPr lang="de-CH" b="1" dirty="0"/>
+              <a:t> </a:t>
+            </a:r>
+            <a:r>
+              <a:rPr lang="de-CH" b="1" dirty="0" err="1"/>
+              <a:t>next</a:t>
+            </a:r>
+            <a:r>
+              <a:rPr lang="de-CH" b="1" dirty="0"/>
+              <a:t> </a:t>
+            </a:r>
+            <a:r>
+              <a:rPr lang="de-CH" b="1" dirty="0" err="1"/>
+              <a:t>crisis</a:t>
+            </a:r>
+            <a:endParaRPr lang="de-CH" b="1" dirty="0"/>
+          </a:p>
+          <a:p>
             <a:r>
               <a:rPr lang="de-CH" dirty="0" err="1"/>
-              <a:t>Faster</a:t>
+              <a:t>Built</a:t>
             </a:r>
             <a:r>
               <a:rPr lang="de-CH" dirty="0"/>
@@ -27310,7 +27264,15 @@
             </a:r>
             <a:r>
               <a:rPr lang="de-CH" dirty="0" err="1"/>
-              <a:t>setup</a:t>
+              <a:t>for</a:t>
+            </a:r>
+            <a:r>
+              <a:rPr lang="de-CH" dirty="0"/>
+              <a:t> real </a:t>
+            </a:r>
+            <a:r>
+              <a:rPr lang="de-CH" dirty="0" err="1"/>
+              <a:t>crisis</a:t>
             </a:r>
             <a:r>
               <a:rPr lang="de-CH" dirty="0"/>
@@ -27318,15 +27280,85 @@
             </a:r>
             <a:r>
               <a:rPr lang="de-CH" dirty="0" err="1"/>
-              <a:t>of</a:t>
+              <a:t>workflows</a:t>
+            </a:r>
+            <a:endParaRPr lang="de-CH" dirty="0"/>
+          </a:p>
+          <a:p>
+            <a:r>
+              <a:rPr lang="de-CH" dirty="0" err="1"/>
+              <a:t>Replaces</a:t>
             </a:r>
             <a:r>
               <a:rPr lang="de-CH" dirty="0"/>
-              <a:t> safe </a:t>
+              <a:t> </a:t>
             </a:r>
             <a:r>
               <a:rPr lang="de-CH" dirty="0" err="1"/>
-              <a:t>housing</a:t>
+              <a:t>fragmented</a:t>
+            </a:r>
+            <a:r>
+              <a:rPr lang="de-CH" dirty="0"/>
+              <a:t> </a:t>
+            </a:r>
+            <a:r>
+              <a:rPr lang="de-CH" dirty="0" err="1"/>
+              <a:t>spreadsheets</a:t>
+            </a:r>
+            <a:r>
+              <a:rPr lang="de-CH" dirty="0"/>
+              <a:t> </a:t>
+            </a:r>
+            <a:r>
+              <a:rPr lang="de-CH" dirty="0" err="1"/>
+              <a:t>with</a:t>
+            </a:r>
+            <a:r>
+              <a:rPr lang="de-CH" dirty="0"/>
+              <a:t> a </a:t>
+            </a:r>
+            <a:r>
+              <a:rPr lang="de-CH" dirty="0" err="1"/>
+              <a:t>unified</a:t>
+            </a:r>
+            <a:r>
+              <a:rPr lang="de-CH" dirty="0"/>
+              <a:t> </a:t>
+            </a:r>
+            <a:r>
+              <a:rPr lang="de-CH" dirty="0" err="1"/>
+              <a:t>platform</a:t>
+            </a:r>
+            <a:endParaRPr lang="de-CH" dirty="0"/>
+          </a:p>
+          <a:p>
+            <a:r>
+              <a:rPr lang="de-CH" dirty="0" err="1"/>
+              <a:t>Connects</a:t>
+            </a:r>
+            <a:r>
+              <a:rPr lang="de-CH" dirty="0"/>
+              <a:t> all </a:t>
+            </a:r>
+            <a:r>
+              <a:rPr lang="de-CH" dirty="0" err="1"/>
+              <a:t>actors</a:t>
+            </a:r>
+            <a:r>
+              <a:rPr lang="de-CH" dirty="0"/>
+              <a:t>: </a:t>
+            </a:r>
+            <a:r>
+              <a:rPr lang="de-CH" dirty="0" err="1"/>
+              <a:t>crisis</a:t>
+            </a:r>
+            <a:r>
+              <a:rPr lang="de-CH" dirty="0"/>
+              <a:t> </a:t>
+            </a:r>
+            <a:r>
+              <a:rPr lang="de-CH" dirty="0" err="1"/>
+              <a:t>staff</a:t>
             </a:r>
             <a:r>
               <a:rPr lang="de-CH" dirty="0"/>
@@ -27334,7 +27366,25 @@
             </a:r>
             <a:r>
               <a:rPr lang="de-CH" dirty="0" err="1"/>
-              <a:t>fewer</a:t>
+              <a:t>logistics</a:t>
+            </a:r>
+            <a:r>
+              <a:rPr lang="de-CH" dirty="0"/>
+              <a:t>, and </a:t>
+            </a:r>
+            <a:r>
+              <a:rPr lang="de-CH" dirty="0" err="1"/>
+              <a:t>facilities</a:t>
+            </a:r>
+            <a:r>
+              <a:rPr lang="de-CH" dirty="0"/>
+              <a:t> in real-time</a:t>
+            </a:r>
+          </a:p>
+          <a:p>
+            <a:r>
+              <a:rPr lang="de-CH" dirty="0" err="1"/>
+              <a:t>Prevents</a:t>
             </a:r>
             <a:r>
               <a:rPr lang="de-CH" dirty="0"/>
@@ -27342,7 +27392,15 @@
             </a:r>
             <a:r>
               <a:rPr lang="de-CH" dirty="0" err="1"/>
-              <a:t>panic</a:t>
+              <a:t>duplication</a:t>
+            </a:r>
+            <a:r>
+              <a:rPr lang="de-CH" dirty="0"/>
+              <a:t>, </a:t>
+            </a:r>
+            <a:r>
+              <a:rPr lang="de-CH" dirty="0" err="1"/>
+              <a:t>saves</a:t>
             </a:r>
             <a:r>
               <a:rPr lang="de-CH" dirty="0"/>
@@ -27350,15 +27408,15 @@
             </a:r>
             <a:r>
               <a:rPr lang="de-CH" dirty="0" err="1"/>
-              <a:t>purchases</a:t>
+              <a:t>costs</a:t>
             </a:r>
             <a:r>
               <a:rPr lang="de-CH" dirty="0"/>
-              <a:t>, transparent </a:t>
+              <a:t>, and </a:t>
             </a:r>
             <a:r>
               <a:rPr lang="de-CH" dirty="0" err="1"/>
-              <a:t>coordination</a:t>
+              <a:t>accelerates</a:t>
             </a:r>
             <a:r>
               <a:rPr lang="de-CH" dirty="0"/>
@@ -27366,91 +27424,9 @@
             </a:r>
             <a:r>
               <a:rPr lang="de-CH" dirty="0" err="1"/>
-              <a:t>across</a:t>
-            </a:r>
-            <a:r>
-              <a:rPr lang="de-CH" dirty="0"/>
-              <a:t> </a:t>
-            </a:r>
-            <a:r>
-              <a:rPr lang="de-CH" dirty="0" err="1"/>
-              <a:t>city</a:t>
-            </a:r>
-            <a:r>
-              <a:rPr lang="de-CH" dirty="0"/>
-              <a:t> </a:t>
-            </a:r>
-            <a:r>
-              <a:rPr lang="de-CH" dirty="0" err="1"/>
-              <a:t>actors</a:t>
-            </a:r>
-            <a:r>
-              <a:rPr lang="de-CH" dirty="0"/>
-              <a:t>, and </a:t>
-            </a:r>
-            <a:r>
-              <a:rPr lang="de-CH" dirty="0" err="1"/>
-              <a:t>higher</a:t>
-            </a:r>
-            <a:r>
-              <a:rPr lang="de-CH" dirty="0"/>
-              <a:t> </a:t>
-            </a:r>
-            <a:r>
-              <a:rPr lang="de-CH" dirty="0" err="1"/>
-              <a:t>resilience</a:t>
-            </a:r>
-            <a:r>
-              <a:rPr lang="de-CH" dirty="0"/>
-              <a:t> </a:t>
-            </a:r>
-            <a:r>
-              <a:rPr lang="de-CH" dirty="0" err="1"/>
-              <a:t>during</a:t>
-            </a:r>
-            <a:r>
-              <a:rPr lang="de-CH" dirty="0"/>
-              <a:t> </a:t>
-            </a:r>
-            <a:r>
-              <a:rPr lang="de-CH" dirty="0" err="1"/>
-              <a:t>spikes</a:t>
-            </a:r>
-            <a:r>
-              <a:rPr lang="de-CH" dirty="0"/>
-              <a:t>.</a:t>
-            </a:r>
-            <a:endParaRPr lang="en-US" dirty="0"/>
-          </a:p>
-          <a:p>
-            <a:pPr marL="0" indent="0">
-              <a:buNone/>
-            </a:pPr>
-            <a:endParaRPr lang="en-US" b="1" dirty="0"/>
-          </a:p>
-          <a:p>
-            <a:pPr marL="0" indent="0">
-              <a:buNone/>
-            </a:pPr>
-            <a:r>
-              <a:rPr lang="en-US" b="1" dirty="0"/>
-              <a:t>Built for Cities, Ready for Crisis:</a:t>
-            </a:r>
-          </a:p>
-          <a:p>
-            <a:pPr marL="0" indent="0">
-              <a:buNone/>
-            </a:pPr>
-            <a:r>
-              <a:rPr lang="en-US" dirty="0"/>
-              <a:t>One platform spanning preventive planning and crisis response, aligned with the city’s cross-department model and AOZ’s mission. </a:t>
-            </a:r>
-          </a:p>
-          <a:p>
-            <a:pPr marL="0" indent="0">
-              <a:buNone/>
-            </a:pPr>
-            <a:endParaRPr lang="en-US" b="1" dirty="0"/>
+              <a:t>deployment</a:t>
+            </a:r>
+            <a:endParaRPr lang="de-CH" dirty="0"/>
           </a:p>
         </p:txBody>
       </p:sp>
@@ -27492,7 +27468,7 @@
                       <p:cNvPr id="11" name="think-cell data - do not delete" hidden="1">
                         <a:extLst>
                           <a:ext uri="{FF2B5EF4-FFF2-40B4-BE49-F238E27FC236}">
-                            <a16:creationId xmlns:a16="http://schemas.microsoft.com/office/drawing/2014/main" id="{B55FA83D-5955-97B5-5836-B9FF29516F22}"/>
+                            <a16:creationId xmlns:a16="http://schemas.microsoft.com/office/drawing/2014/main" id="{C98F5174-7382-6B6D-CEE5-34A02DC442C8}"/>
                           </a:ext>
                         </a:extLst>
                       </p:cNvPr>
@@ -27550,8 +27526,20 @@
           <a:lstStyle/>
           <a:p>
             <a:r>
+              <a:rPr lang="de-CH" dirty="0" err="1"/>
+              <a:t>Why</a:t>
+            </a:r>
+            <a:r>
               <a:rPr lang="de-CH" dirty="0"/>
-              <a:t>Impact &amp; Outlook</a:t>
+              <a:t> </a:t>
+            </a:r>
+            <a:r>
+              <a:rPr lang="de-CH" dirty="0" err="1"/>
+              <a:t>SupplyHub</a:t>
+            </a:r>
+            <a:r>
+              <a:rPr lang="de-CH" dirty="0"/>
+              <a:t>?</a:t>
             </a:r>
           </a:p>
         </p:txBody>
@@ -27748,6 +27736,36 @@
           </a:p>
         </p:txBody>
       </p:sp>
+      <p:pic>
+        <p:nvPicPr>
+          <p:cNvPr id="4" name="Grafik 3" descr="Ein Bild, das Grafiken, Schrift, Screenshot, Logo enthält.&#10;&#10;KI-generierte Inhalte können fehlerhaft sein.">
+            <a:extLst>
+              <a:ext uri="{FF2B5EF4-FFF2-40B4-BE49-F238E27FC236}">
+                <a16:creationId xmlns:a16="http://schemas.microsoft.com/office/drawing/2014/main" id="{B555F5CF-0941-507C-B772-BE8373D7BFDF}"/>
+              </a:ext>
+            </a:extLst>
+          </p:cNvPr>
+          <p:cNvPicPr>
+            <a:picLocks noChangeAspect="1"/>
+          </p:cNvPicPr>
+          <p:nvPr/>
+        </p:nvPicPr>
+        <p:blipFill>
+          <a:blip r:embed="rId6"/>
+          <a:stretch>
+            <a:fillRect/>
+          </a:stretch>
+        </p:blipFill>
+        <p:spPr>
+          <a:xfrm>
+            <a:off x="-217637" y="5704858"/>
+            <a:ext cx="2283124" cy="1522083"/>
+          </a:xfrm>
+          <a:prstGeom prst="rect">
+            <a:avLst/>
+          </a:prstGeom>
+        </p:spPr>
+      </p:pic>
     </p:spTree>
     <p:extLst>
       <p:ext uri="{BB962C8B-B14F-4D97-AF65-F5344CB8AC3E}">
@@ -28650,9 +28668,9 @@
 </file>
 
 <file path=customXml/item1.xml><?xml version="1.0" encoding="utf-8"?>
-<ct:contentTypeSchema xmlns:ct="http://schemas.microsoft.com/office/2006/metadata/contentType" xmlns:ma="http://schemas.microsoft.com/office/2006/metadata/properties/metaAttributes" ct:_="" ma:_="" ma:contentTypeName="Dokument" ma:contentTypeID="0x0101006785801209237141AC190EDCC812F802" ma:contentTypeVersion="7" ma:contentTypeDescription="Ein neues Dokument erstellen." ma:contentTypeScope="" ma:versionID="d648841250e64ae75d6d7cca95d9186a">
-  <xsd:schema xmlns:xsd="http://www.w3.org/2001/XMLSchema" xmlns:xs="http://www.w3.org/2001/XMLSchema" xmlns:p="http://schemas.microsoft.com/office/2006/metadata/properties" xmlns:ns2="641ebec3-b427-4caa-bf5b-e654afb7c6c5" targetNamespace="http://schemas.microsoft.com/office/2006/metadata/properties" ma:root="true" ma:fieldsID="6fbe06db0719e37396a3e9d61e6006f6" ns2:_="">
-    <xsd:import namespace="641ebec3-b427-4caa-bf5b-e654afb7c6c5"/>
+<ct:contentTypeSchema xmlns:ct="http://schemas.microsoft.com/office/2006/metadata/contentType" xmlns:ma="http://schemas.microsoft.com/office/2006/metadata/properties/metaAttributes" ct:_="" ma:_="" ma:contentTypeName="Dokument" ma:contentTypeID="0x010100E0A6D8FDC799944CBC8F86A5AB815958" ma:contentTypeVersion="3" ma:contentTypeDescription="Ein neues Dokument erstellen." ma:contentTypeScope="" ma:versionID="e86843ccf2f1bf0a32a2d0f03811a5b4">
+  <xsd:schema xmlns:xsd="http://www.w3.org/2001/XMLSchema" xmlns:xs="http://www.w3.org/2001/XMLSchema" xmlns:p="http://schemas.microsoft.com/office/2006/metadata/properties" xmlns:ns2="d116af33-48f8-4b7c-a446-ca5bbb8b4143" targetNamespace="http://schemas.microsoft.com/office/2006/metadata/properties" ma:root="true" ma:fieldsID="1c1764e2eec51a1f37b147ff581f5520" ns2:_="">
+    <xsd:import namespace="d116af33-48f8-4b7c-a446-ca5bbb8b4143"/>
     <xsd:element name="properties">
       <xsd:complexType>
         <xsd:sequence>
@@ -28662,10 +28680,6 @@
                 <xsd:element ref="ns2:MediaServiceMetadata" minOccurs="0"/>
                 <xsd:element ref="ns2:MediaServiceFastMetadata" minOccurs="0"/>
                 <xsd:element ref="ns2:MediaServiceSearchProperties" minOccurs="0"/>
-                <xsd:element ref="ns2:MediaServiceObjectDetectorVersions" minOccurs="0"/>
-                <xsd:element ref="ns2:MediaServiceDateTaken" minOccurs="0"/>
-                <xsd:element ref="ns2:MediaServiceGenerationTime" minOccurs="0"/>
-                <xsd:element ref="ns2:MediaServiceEventHashCode" minOccurs="0"/>
               </xsd:all>
             </xsd:complexType>
           </xsd:element>
@@ -28673,7 +28687,7 @@
       </xsd:complexType>
     </xsd:element>
   </xsd:schema>
-  <xsd:schema xmlns:xsd="http://www.w3.org/2001/XMLSchema" xmlns:xs="http://www.w3.org/2001/XMLSchema" xmlns:dms="http://schemas.microsoft.com/office/2006/documentManagement/types" xmlns:pc="http://schemas.microsoft.com/office/infopath/2007/PartnerControls" targetNamespace="641ebec3-b427-4caa-bf5b-e654afb7c6c5" elementFormDefault="qualified">
+  <xsd:schema xmlns:xsd="http://www.w3.org/2001/XMLSchema" xmlns:xs="http://www.w3.org/2001/XMLSchema" xmlns:dms="http://schemas.microsoft.com/office/2006/documentManagement/types" xmlns:pc="http://schemas.microsoft.com/office/infopath/2007/PartnerControls" targetNamespace="d116af33-48f8-4b7c-a446-ca5bbb8b4143" elementFormDefault="qualified">
     <xsd:import namespace="http://schemas.microsoft.com/office/2006/documentManagement/types"/>
     <xsd:import namespace="http://schemas.microsoft.com/office/infopath/2007/PartnerControls"/>
     <xsd:element name="MediaServiceMetadata" ma:index="8" nillable="true" ma:displayName="MediaServiceMetadata" ma:hidden="true" ma:internalName="MediaServiceMetadata" ma:readOnly="true">
@@ -28689,26 +28703,6 @@
     <xsd:element name="MediaServiceSearchProperties" ma:index="10" nillable="true" ma:displayName="MediaServiceSearchProperties" ma:hidden="true" ma:internalName="MediaServiceSearchProperties" ma:readOnly="true">
       <xsd:simpleType>
         <xsd:restriction base="dms:Note"/>
-      </xsd:simpleType>
-    </xsd:element>
-    <xsd:element name="MediaServiceObjectDetectorVersions" ma:index="11" nillable="true" ma:displayName="MediaServiceObjectDetectorVersions" ma:hidden="true" ma:indexed="true" ma:internalName="MediaServiceObjectDetectorVersions" ma:readOnly="true">
-      <xsd:simpleType>
-        <xsd:restriction base="dms:Text"/>
-      </xsd:simpleType>
-    </xsd:element>
-    <xsd:element name="MediaServiceDateTaken" ma:index="12" nillable="true" ma:displayName="MediaServiceDateTaken" ma:hidden="true" ma:indexed="true" ma:internalName="MediaServiceDateTaken" ma:readOnly="true">
-      <xsd:simpleType>
-        <xsd:restriction base="dms:Text"/>
-      </xsd:simpleType>
-    </xsd:element>
-    <xsd:element name="MediaServiceGenerationTime" ma:index="13" nillable="true" ma:displayName="MediaServiceGenerationTime" ma:hidden="true" ma:internalName="MediaServiceGenerationTime" ma:readOnly="true">
-      <xsd:simpleType>
-        <xsd:restriction base="dms:Text"/>
-      </xsd:simpleType>
-    </xsd:element>
-    <xsd:element name="MediaServiceEventHashCode" ma:index="14" nillable="true" ma:displayName="MediaServiceEventHashCode" ma:hidden="true" ma:internalName="MediaServiceEventHashCode" ma:readOnly="true">
-      <xsd:simpleType>
-        <xsd:restriction base="dms:Text"/>
       </xsd:simpleType>
     </xsd:element>
   </xsd:schema>
@@ -28812,6 +28806,12 @@
 </file>
 
 <file path=customXml/item2.xml><?xml version="1.0" encoding="utf-8"?>
+<p:properties xmlns:p="http://schemas.microsoft.com/office/2006/metadata/properties" xmlns:xsi="http://www.w3.org/2001/XMLSchema-instance" xmlns:pc="http://schemas.microsoft.com/office/infopath/2007/PartnerControls">
+  <documentManagement/>
+</p:properties>
+</file>
+
+<file path=customXml/item3.xml><?xml version="1.0" encoding="utf-8"?>
 <?mso-contentType ?>
 <FormTemplates xmlns="http://schemas.microsoft.com/sharepoint/v3/contenttype/forms">
   <Display>DocumentLibraryForm</Display>
@@ -28820,20 +28820,14 @@
 </FormTemplates>
 </file>
 
-<file path=customXml/item3.xml><?xml version="1.0" encoding="utf-8"?>
-<p:properties xmlns:p="http://schemas.microsoft.com/office/2006/metadata/properties" xmlns:xsi="http://www.w3.org/2001/XMLSchema-instance" xmlns:pc="http://schemas.microsoft.com/office/infopath/2007/PartnerControls">
-  <documentManagement/>
-</p:properties>
-</file>
-
 <file path=customXml/itemProps1.xml><?xml version="1.0" encoding="utf-8"?>
-<ds:datastoreItem xmlns:ds="http://schemas.openxmlformats.org/officeDocument/2006/customXml" ds:itemID="{97EEA2DF-1DC3-48C0-B486-E950BEF49844}">
+<ds:datastoreItem xmlns:ds="http://schemas.openxmlformats.org/officeDocument/2006/customXml" ds:itemID="{B7AC3800-3F95-41B7-A4C8-A63B667991ED}">
   <ds:schemaRefs>
     <ds:schemaRef ds:uri="http://schemas.microsoft.com/office/2006/metadata/contentType"/>
     <ds:schemaRef ds:uri="http://schemas.microsoft.com/office/2006/metadata/properties/metaAttributes"/>
     <ds:schemaRef ds:uri="http://www.w3.org/2001/XMLSchema"/>
     <ds:schemaRef ds:uri="http://schemas.microsoft.com/office/2006/metadata/properties"/>
-    <ds:schemaRef ds:uri="641ebec3-b427-4caa-bf5b-e654afb7c6c5"/>
+    <ds:schemaRef ds:uri="d116af33-48f8-4b7c-a446-ca5bbb8b4143"/>
     <ds:schemaRef ds:uri="http://schemas.microsoft.com/office/2006/documentManagement/types"/>
     <ds:schemaRef ds:uri="http://schemas.microsoft.com/office/infopath/2007/PartnerControls"/>
     <ds:schemaRef ds:uri="http://schemas.openxmlformats.org/package/2006/metadata/core-properties"/>
@@ -28845,20 +28839,25 @@
 </file>
 
 <file path=customXml/itemProps2.xml><?xml version="1.0" encoding="utf-8"?>
+<ds:datastoreItem xmlns:ds="http://schemas.openxmlformats.org/officeDocument/2006/customXml" ds:itemID="{69B6C760-44BB-42E0-8338-5FA00A756597}">
+  <ds:schemaRefs>
+    <ds:schemaRef ds:uri="d116af33-48f8-4b7c-a446-ca5bbb8b4143"/>
+    <ds:schemaRef ds:uri="http://schemas.microsoft.com/office/2006/documentManagement/types"/>
+    <ds:schemaRef ds:uri="http://www.w3.org/XML/1998/namespace"/>
+    <ds:schemaRef ds:uri="http://purl.org/dc/elements/1.1/"/>
+    <ds:schemaRef ds:uri="http://schemas.microsoft.com/office/infopath/2007/PartnerControls"/>
+    <ds:schemaRef ds:uri="http://schemas.openxmlformats.org/package/2006/metadata/core-properties"/>
+    <ds:schemaRef ds:uri="http://schemas.microsoft.com/office/2006/metadata/properties"/>
+    <ds:schemaRef ds:uri="http://purl.org/dc/dcmitype/"/>
+    <ds:schemaRef ds:uri="http://purl.org/dc/terms/"/>
+  </ds:schemaRefs>
+</ds:datastoreItem>
+</file>
+
+<file path=customXml/itemProps3.xml><?xml version="1.0" encoding="utf-8"?>
 <ds:datastoreItem xmlns:ds="http://schemas.openxmlformats.org/officeDocument/2006/customXml" ds:itemID="{45001765-27E4-456A-B4EB-BC66E0A64A8E}">
   <ds:schemaRefs>
     <ds:schemaRef ds:uri="http://schemas.microsoft.com/sharepoint/v3/contenttype/forms"/>
   </ds:schemaRefs>
 </ds:datastoreItem>
-</file>
-
-<file path=customXml/itemProps3.xml><?xml version="1.0" encoding="utf-8"?>
-<ds:datastoreItem xmlns:ds="http://schemas.openxmlformats.org/officeDocument/2006/customXml" ds:itemID="{69B6C760-44BB-42E0-8338-5FA00A756597}">
-  <ds:schemaRefs>
-    <ds:schemaRef ds:uri="http://schemas.microsoft.com/office/2006/metadata/properties"/>
-    <ds:schemaRef ds:uri="http://schemas.microsoft.com/office/infopath/2007/PartnerControls"/>
-    <ds:schemaRef ds:uri="9a455154-f1f6-469e-8b4f-ab59996a8e9d"/>
-    <ds:schemaRef ds:uri="eadeba5d-1be1-4e82-bbf2-eee3b72eecf6"/>
-  </ds:schemaRefs>
-</ds:datastoreItem>
 </file>